--- a/Project2 ppt.pptx
+++ b/Project2 ppt.pptx
@@ -9,9 +9,13 @@
     <p:sldId id="258" r:id="rId3"/>
     <p:sldId id="257" r:id="rId4"/>
     <p:sldId id="259" r:id="rId5"/>
-    <p:sldId id="260" r:id="rId6"/>
-    <p:sldId id="261" r:id="rId7"/>
-    <p:sldId id="262" r:id="rId8"/>
+    <p:sldId id="263" r:id="rId6"/>
+    <p:sldId id="260" r:id="rId7"/>
+    <p:sldId id="264" r:id="rId8"/>
+    <p:sldId id="261" r:id="rId9"/>
+    <p:sldId id="265" r:id="rId10"/>
+    <p:sldId id="262" r:id="rId11"/>
+    <p:sldId id="266" r:id="rId12"/>
   </p:sldIdLst>
   <p:sldSz cx="12192000" cy="6858000"/>
   <p:notesSz cx="6858000" cy="9144000"/>
@@ -111,6 +115,3163 @@
     </a:lvl9pPr>
   </p:defaultTextStyle>
 </p:presentation>
+</file>
+
+<file path=ppt/diagrams/colors1.xml><?xml version="1.0" encoding="utf-8"?>
+<dgm:colorsDef xmlns:dgm="http://schemas.openxmlformats.org/drawingml/2006/diagram" xmlns:a="http://schemas.openxmlformats.org/drawingml/2006/main" uniqueId="urn:microsoft.com/office/officeart/2005/8/colors/colorful1">
+  <dgm:title val=""/>
+  <dgm:desc val=""/>
+  <dgm:catLst>
+    <dgm:cat type="colorful" pri="10100"/>
+  </dgm:catLst>
+  <dgm:styleLbl name="node0">
+    <dgm:fillClrLst meth="repeat">
+      <a:schemeClr val="accent1"/>
+    </dgm:fillClrLst>
+    <dgm:linClrLst meth="repeat">
+      <a:schemeClr val="lt1"/>
+    </dgm:linClrLst>
+    <dgm:effectClrLst/>
+    <dgm:txLinClrLst/>
+    <dgm:txFillClrLst/>
+    <dgm:txEffectClrLst/>
+  </dgm:styleLbl>
+  <dgm:styleLbl name="node1">
+    <dgm:fillClrLst meth="repeat">
+      <a:schemeClr val="accent2"/>
+      <a:schemeClr val="accent3"/>
+      <a:schemeClr val="accent4"/>
+      <a:schemeClr val="accent5"/>
+      <a:schemeClr val="accent6"/>
+    </dgm:fillClrLst>
+    <dgm:linClrLst meth="repeat">
+      <a:schemeClr val="lt1"/>
+    </dgm:linClrLst>
+    <dgm:effectClrLst/>
+    <dgm:txLinClrLst/>
+    <dgm:txFillClrLst/>
+    <dgm:txEffectClrLst/>
+  </dgm:styleLbl>
+  <dgm:styleLbl name="alignNode1">
+    <dgm:fillClrLst meth="repeat">
+      <a:schemeClr val="accent2"/>
+      <a:schemeClr val="accent3"/>
+      <a:schemeClr val="accent4"/>
+      <a:schemeClr val="accent5"/>
+      <a:schemeClr val="accent6"/>
+    </dgm:fillClrLst>
+    <dgm:linClrLst meth="repeat">
+      <a:schemeClr val="accent2"/>
+      <a:schemeClr val="accent3"/>
+      <a:schemeClr val="accent4"/>
+      <a:schemeClr val="accent5"/>
+      <a:schemeClr val="accent6"/>
+    </dgm:linClrLst>
+    <dgm:effectClrLst/>
+    <dgm:txLinClrLst/>
+    <dgm:txFillClrLst/>
+    <dgm:txEffectClrLst/>
+  </dgm:styleLbl>
+  <dgm:styleLbl name="lnNode1">
+    <dgm:fillClrLst meth="repeat">
+      <a:schemeClr val="accent2"/>
+      <a:schemeClr val="accent3"/>
+      <a:schemeClr val="accent4"/>
+      <a:schemeClr val="accent5"/>
+      <a:schemeClr val="accent6"/>
+    </dgm:fillClrLst>
+    <dgm:linClrLst meth="repeat">
+      <a:schemeClr val="lt1"/>
+    </dgm:linClrLst>
+    <dgm:effectClrLst/>
+    <dgm:txLinClrLst/>
+    <dgm:txFillClrLst/>
+    <dgm:txEffectClrLst/>
+  </dgm:styleLbl>
+  <dgm:styleLbl name="vennNode1">
+    <dgm:fillClrLst meth="repeat">
+      <a:schemeClr val="accent2">
+        <a:alpha val="50000"/>
+      </a:schemeClr>
+      <a:schemeClr val="accent3">
+        <a:alpha val="50000"/>
+      </a:schemeClr>
+      <a:schemeClr val="accent4">
+        <a:alpha val="50000"/>
+      </a:schemeClr>
+      <a:schemeClr val="accent5">
+        <a:alpha val="50000"/>
+      </a:schemeClr>
+      <a:schemeClr val="accent6">
+        <a:alpha val="50000"/>
+      </a:schemeClr>
+    </dgm:fillClrLst>
+    <dgm:linClrLst meth="repeat">
+      <a:schemeClr val="lt1"/>
+    </dgm:linClrLst>
+    <dgm:effectClrLst/>
+    <dgm:txLinClrLst/>
+    <dgm:txFillClrLst/>
+    <dgm:txEffectClrLst/>
+  </dgm:styleLbl>
+  <dgm:styleLbl name="node2">
+    <dgm:fillClrLst>
+      <a:schemeClr val="accent2"/>
+    </dgm:fillClrLst>
+    <dgm:linClrLst meth="repeat">
+      <a:schemeClr val="lt1"/>
+    </dgm:linClrLst>
+    <dgm:effectClrLst/>
+    <dgm:txLinClrLst/>
+    <dgm:txFillClrLst/>
+    <dgm:txEffectClrLst/>
+  </dgm:styleLbl>
+  <dgm:styleLbl name="node3">
+    <dgm:fillClrLst>
+      <a:schemeClr val="accent3"/>
+    </dgm:fillClrLst>
+    <dgm:linClrLst meth="repeat">
+      <a:schemeClr val="lt1"/>
+    </dgm:linClrLst>
+    <dgm:effectClrLst/>
+    <dgm:txLinClrLst/>
+    <dgm:txFillClrLst/>
+    <dgm:txEffectClrLst/>
+  </dgm:styleLbl>
+  <dgm:styleLbl name="node4">
+    <dgm:fillClrLst>
+      <a:schemeClr val="accent4"/>
+    </dgm:fillClrLst>
+    <dgm:linClrLst meth="repeat">
+      <a:schemeClr val="lt1"/>
+    </dgm:linClrLst>
+    <dgm:effectClrLst/>
+    <dgm:txLinClrLst/>
+    <dgm:txFillClrLst/>
+    <dgm:txEffectClrLst/>
+  </dgm:styleLbl>
+  <dgm:styleLbl name="fgImgPlace1">
+    <dgm:fillClrLst meth="repeat">
+      <a:schemeClr val="accent2">
+        <a:tint val="50000"/>
+      </a:schemeClr>
+      <a:schemeClr val="accent3">
+        <a:tint val="50000"/>
+      </a:schemeClr>
+      <a:schemeClr val="accent4">
+        <a:tint val="50000"/>
+      </a:schemeClr>
+      <a:schemeClr val="accent5">
+        <a:tint val="50000"/>
+      </a:schemeClr>
+      <a:schemeClr val="accent6">
+        <a:tint val="50000"/>
+      </a:schemeClr>
+    </dgm:fillClrLst>
+    <dgm:linClrLst meth="repeat">
+      <a:schemeClr val="lt1"/>
+    </dgm:linClrLst>
+    <dgm:effectClrLst/>
+    <dgm:txLinClrLst/>
+    <dgm:txFillClrLst meth="repeat">
+      <a:schemeClr val="lt1"/>
+    </dgm:txFillClrLst>
+    <dgm:txEffectClrLst/>
+  </dgm:styleLbl>
+  <dgm:styleLbl name="alignImgPlace1">
+    <dgm:fillClrLst>
+      <a:schemeClr val="accent1">
+        <a:tint val="50000"/>
+      </a:schemeClr>
+      <a:schemeClr val="accent2">
+        <a:tint val="20000"/>
+      </a:schemeClr>
+    </dgm:fillClrLst>
+    <dgm:linClrLst meth="repeat">
+      <a:schemeClr val="lt1"/>
+    </dgm:linClrLst>
+    <dgm:effectClrLst/>
+    <dgm:txLinClrLst/>
+    <dgm:txFillClrLst meth="repeat">
+      <a:schemeClr val="lt1"/>
+    </dgm:txFillClrLst>
+    <dgm:txEffectClrLst/>
+  </dgm:styleLbl>
+  <dgm:styleLbl name="bgImgPlace1">
+    <dgm:fillClrLst>
+      <a:schemeClr val="accent1">
+        <a:tint val="50000"/>
+      </a:schemeClr>
+      <a:schemeClr val="accent2">
+        <a:tint val="20000"/>
+      </a:schemeClr>
+    </dgm:fillClrLst>
+    <dgm:linClrLst meth="repeat">
+      <a:schemeClr val="lt1"/>
+    </dgm:linClrLst>
+    <dgm:effectClrLst/>
+    <dgm:txLinClrLst/>
+    <dgm:txFillClrLst meth="repeat">
+      <a:schemeClr val="lt1"/>
+    </dgm:txFillClrLst>
+    <dgm:txEffectClrLst/>
+  </dgm:styleLbl>
+  <dgm:styleLbl name="sibTrans2D1">
+    <dgm:fillClrLst meth="repeat">
+      <a:schemeClr val="accent2"/>
+      <a:schemeClr val="accent3"/>
+      <a:schemeClr val="accent4"/>
+      <a:schemeClr val="accent5"/>
+      <a:schemeClr val="accent6"/>
+    </dgm:fillClrLst>
+    <dgm:linClrLst meth="cycle">
+      <a:schemeClr val="lt1"/>
+    </dgm:linClrLst>
+    <dgm:effectClrLst/>
+    <dgm:txLinClrLst/>
+    <dgm:txFillClrLst/>
+    <dgm:txEffectClrLst/>
+  </dgm:styleLbl>
+  <dgm:styleLbl name="fgSibTrans2D1">
+    <dgm:fillClrLst meth="repeat">
+      <a:schemeClr val="accent2"/>
+      <a:schemeClr val="accent3"/>
+      <a:schemeClr val="accent4"/>
+      <a:schemeClr val="accent5"/>
+      <a:schemeClr val="accent6"/>
+    </dgm:fillClrLst>
+    <dgm:linClrLst meth="cycle">
+      <a:schemeClr val="lt1"/>
+    </dgm:linClrLst>
+    <dgm:effectClrLst/>
+    <dgm:txLinClrLst/>
+    <dgm:txFillClrLst meth="repeat">
+      <a:schemeClr val="lt1"/>
+    </dgm:txFillClrLst>
+    <dgm:txEffectClrLst/>
+  </dgm:styleLbl>
+  <dgm:styleLbl name="bgSibTrans2D1">
+    <dgm:fillClrLst meth="repeat">
+      <a:schemeClr val="accent2"/>
+      <a:schemeClr val="accent3"/>
+      <a:schemeClr val="accent4"/>
+      <a:schemeClr val="accent5"/>
+      <a:schemeClr val="accent6"/>
+    </dgm:fillClrLst>
+    <dgm:linClrLst meth="cycle">
+      <a:schemeClr val="lt1"/>
+    </dgm:linClrLst>
+    <dgm:effectClrLst/>
+    <dgm:txLinClrLst/>
+    <dgm:txFillClrLst meth="repeat">
+      <a:schemeClr val="lt1"/>
+    </dgm:txFillClrLst>
+    <dgm:txEffectClrLst/>
+  </dgm:styleLbl>
+  <dgm:styleLbl name="sibTrans1D1">
+    <dgm:fillClrLst meth="repeat">
+      <a:schemeClr val="accent2"/>
+      <a:schemeClr val="accent3"/>
+      <a:schemeClr val="accent4"/>
+      <a:schemeClr val="accent5"/>
+      <a:schemeClr val="accent6"/>
+    </dgm:fillClrLst>
+    <dgm:linClrLst meth="repeat">
+      <a:schemeClr val="accent2"/>
+      <a:schemeClr val="accent3"/>
+      <a:schemeClr val="accent4"/>
+      <a:schemeClr val="accent5"/>
+      <a:schemeClr val="accent6"/>
+    </dgm:linClrLst>
+    <dgm:effectClrLst/>
+    <dgm:txLinClrLst/>
+    <dgm:txFillClrLst meth="repeat">
+      <a:schemeClr val="tx1"/>
+    </dgm:txFillClrLst>
+    <dgm:txEffectClrLst/>
+  </dgm:styleLbl>
+  <dgm:styleLbl name="callout">
+    <dgm:fillClrLst meth="repeat">
+      <a:schemeClr val="accent2"/>
+    </dgm:fillClrLst>
+    <dgm:linClrLst meth="repeat">
+      <a:schemeClr val="accent2">
+        <a:tint val="50000"/>
+      </a:schemeClr>
+    </dgm:linClrLst>
+    <dgm:effectClrLst/>
+    <dgm:txLinClrLst/>
+    <dgm:txFillClrLst meth="repeat">
+      <a:schemeClr val="tx1"/>
+    </dgm:txFillClrLst>
+    <dgm:txEffectClrLst/>
+  </dgm:styleLbl>
+  <dgm:styleLbl name="asst0">
+    <dgm:fillClrLst meth="repeat">
+      <a:schemeClr val="accent1"/>
+    </dgm:fillClrLst>
+    <dgm:linClrLst meth="repeat">
+      <a:schemeClr val="lt1"/>
+    </dgm:linClrLst>
+    <dgm:effectClrLst/>
+    <dgm:txLinClrLst/>
+    <dgm:txFillClrLst/>
+    <dgm:txEffectClrLst/>
+  </dgm:styleLbl>
+  <dgm:styleLbl name="asst1">
+    <dgm:fillClrLst meth="repeat">
+      <a:schemeClr val="accent2"/>
+    </dgm:fillClrLst>
+    <dgm:linClrLst meth="repeat">
+      <a:schemeClr val="lt1"/>
+    </dgm:linClrLst>
+    <dgm:effectClrLst/>
+    <dgm:txLinClrLst/>
+    <dgm:txFillClrLst/>
+    <dgm:txEffectClrLst/>
+  </dgm:styleLbl>
+  <dgm:styleLbl name="asst2">
+    <dgm:fillClrLst>
+      <a:schemeClr val="accent3"/>
+    </dgm:fillClrLst>
+    <dgm:linClrLst meth="repeat">
+      <a:schemeClr val="lt1"/>
+    </dgm:linClrLst>
+    <dgm:effectClrLst/>
+    <dgm:txLinClrLst/>
+    <dgm:txFillClrLst/>
+    <dgm:txEffectClrLst/>
+  </dgm:styleLbl>
+  <dgm:styleLbl name="asst3">
+    <dgm:fillClrLst>
+      <a:schemeClr val="accent4"/>
+    </dgm:fillClrLst>
+    <dgm:linClrLst meth="repeat">
+      <a:schemeClr val="lt1"/>
+    </dgm:linClrLst>
+    <dgm:effectClrLst/>
+    <dgm:txLinClrLst/>
+    <dgm:txFillClrLst/>
+    <dgm:txEffectClrLst/>
+  </dgm:styleLbl>
+  <dgm:styleLbl name="asst4">
+    <dgm:fillClrLst>
+      <a:schemeClr val="accent5"/>
+    </dgm:fillClrLst>
+    <dgm:linClrLst meth="repeat">
+      <a:schemeClr val="lt1"/>
+    </dgm:linClrLst>
+    <dgm:effectClrLst/>
+    <dgm:txLinClrLst/>
+    <dgm:txFillClrLst/>
+    <dgm:txEffectClrLst/>
+  </dgm:styleLbl>
+  <dgm:styleLbl name="parChTrans2D1">
+    <dgm:fillClrLst meth="repeat">
+      <a:schemeClr val="accent2"/>
+    </dgm:fillClrLst>
+    <dgm:linClrLst meth="repeat">
+      <a:schemeClr val="lt1"/>
+    </dgm:linClrLst>
+    <dgm:effectClrLst/>
+    <dgm:txLinClrLst/>
+    <dgm:txFillClrLst meth="repeat">
+      <a:schemeClr val="lt1"/>
+    </dgm:txFillClrLst>
+    <dgm:txEffectClrLst/>
+  </dgm:styleLbl>
+  <dgm:styleLbl name="parChTrans2D2">
+    <dgm:fillClrLst meth="repeat">
+      <a:schemeClr val="accent3"/>
+    </dgm:fillClrLst>
+    <dgm:linClrLst meth="repeat">
+      <a:schemeClr val="lt1"/>
+    </dgm:linClrLst>
+    <dgm:effectClrLst/>
+    <dgm:txLinClrLst/>
+    <dgm:txFillClrLst/>
+    <dgm:txEffectClrLst/>
+  </dgm:styleLbl>
+  <dgm:styleLbl name="parChTrans2D3">
+    <dgm:fillClrLst meth="repeat">
+      <a:schemeClr val="accent4"/>
+    </dgm:fillClrLst>
+    <dgm:linClrLst meth="repeat">
+      <a:schemeClr val="lt1"/>
+    </dgm:linClrLst>
+    <dgm:effectClrLst/>
+    <dgm:txLinClrLst/>
+    <dgm:txFillClrLst/>
+    <dgm:txEffectClrLst/>
+  </dgm:styleLbl>
+  <dgm:styleLbl name="parChTrans2D4">
+    <dgm:fillClrLst meth="repeat">
+      <a:schemeClr val="accent5"/>
+    </dgm:fillClrLst>
+    <dgm:linClrLst meth="repeat">
+      <a:schemeClr val="lt1"/>
+    </dgm:linClrLst>
+    <dgm:effectClrLst/>
+    <dgm:txLinClrLst/>
+    <dgm:txFillClrLst meth="repeat">
+      <a:schemeClr val="lt1"/>
+    </dgm:txFillClrLst>
+    <dgm:txEffectClrLst/>
+  </dgm:styleLbl>
+  <dgm:styleLbl name="parChTrans1D1">
+    <dgm:fillClrLst meth="repeat">
+      <a:schemeClr val="accent2"/>
+    </dgm:fillClrLst>
+    <dgm:linClrLst meth="repeat">
+      <a:schemeClr val="accent1"/>
+    </dgm:linClrLst>
+    <dgm:effectClrLst/>
+    <dgm:txLinClrLst/>
+    <dgm:txFillClrLst meth="repeat">
+      <a:schemeClr val="tx1"/>
+    </dgm:txFillClrLst>
+    <dgm:txEffectClrLst/>
+  </dgm:styleLbl>
+  <dgm:styleLbl name="parChTrans1D2">
+    <dgm:fillClrLst meth="repeat">
+      <a:schemeClr val="accent3">
+        <a:tint val="90000"/>
+      </a:schemeClr>
+    </dgm:fillClrLst>
+    <dgm:linClrLst meth="repeat">
+      <a:schemeClr val="accent2"/>
+    </dgm:linClrLst>
+    <dgm:effectClrLst/>
+    <dgm:txLinClrLst/>
+    <dgm:txFillClrLst meth="repeat">
+      <a:schemeClr val="tx1"/>
+    </dgm:txFillClrLst>
+    <dgm:txEffectClrLst/>
+  </dgm:styleLbl>
+  <dgm:styleLbl name="parChTrans1D3">
+    <dgm:fillClrLst meth="repeat">
+      <a:schemeClr val="accent4">
+        <a:tint val="70000"/>
+      </a:schemeClr>
+    </dgm:fillClrLst>
+    <dgm:linClrLst meth="repeat">
+      <a:schemeClr val="accent3"/>
+    </dgm:linClrLst>
+    <dgm:effectClrLst/>
+    <dgm:txLinClrLst/>
+    <dgm:txFillClrLst meth="repeat">
+      <a:schemeClr val="tx1"/>
+    </dgm:txFillClrLst>
+    <dgm:txEffectClrLst/>
+  </dgm:styleLbl>
+  <dgm:styleLbl name="parChTrans1D4">
+    <dgm:fillClrLst meth="repeat">
+      <a:schemeClr val="accent5">
+        <a:tint val="50000"/>
+      </a:schemeClr>
+    </dgm:fillClrLst>
+    <dgm:linClrLst meth="repeat">
+      <a:schemeClr val="accent4"/>
+    </dgm:linClrLst>
+    <dgm:effectClrLst/>
+    <dgm:txLinClrLst/>
+    <dgm:txFillClrLst meth="repeat">
+      <a:schemeClr val="tx1"/>
+    </dgm:txFillClrLst>
+    <dgm:txEffectClrLst/>
+  </dgm:styleLbl>
+  <dgm:styleLbl name="fgAcc1">
+    <dgm:fillClrLst meth="repeat">
+      <a:schemeClr val="lt1">
+        <a:alpha val="90000"/>
+      </a:schemeClr>
+    </dgm:fillClrLst>
+    <dgm:linClrLst meth="repeat">
+      <a:schemeClr val="accent2"/>
+      <a:schemeClr val="accent3"/>
+      <a:schemeClr val="accent4"/>
+      <a:schemeClr val="accent5"/>
+      <a:schemeClr val="accent6"/>
+    </dgm:linClrLst>
+    <dgm:effectClrLst/>
+    <dgm:txLinClrLst/>
+    <dgm:txFillClrLst meth="repeat">
+      <a:schemeClr val="dk1"/>
+    </dgm:txFillClrLst>
+    <dgm:txEffectClrLst/>
+  </dgm:styleLbl>
+  <dgm:styleLbl name="conFgAcc1">
+    <dgm:fillClrLst meth="repeat">
+      <a:schemeClr val="lt1">
+        <a:alpha val="90000"/>
+      </a:schemeClr>
+    </dgm:fillClrLst>
+    <dgm:linClrLst meth="repeat">
+      <a:schemeClr val="accent2"/>
+      <a:schemeClr val="accent3"/>
+      <a:schemeClr val="accent4"/>
+      <a:schemeClr val="accent5"/>
+      <a:schemeClr val="accent6"/>
+    </dgm:linClrLst>
+    <dgm:effectClrLst/>
+    <dgm:txLinClrLst/>
+    <dgm:txFillClrLst meth="repeat">
+      <a:schemeClr val="dk1"/>
+    </dgm:txFillClrLst>
+    <dgm:txEffectClrLst/>
+  </dgm:styleLbl>
+  <dgm:styleLbl name="alignAcc1">
+    <dgm:fillClrLst meth="repeat">
+      <a:schemeClr val="lt1">
+        <a:alpha val="90000"/>
+      </a:schemeClr>
+    </dgm:fillClrLst>
+    <dgm:linClrLst meth="repeat">
+      <a:schemeClr val="accent2"/>
+      <a:schemeClr val="accent3"/>
+      <a:schemeClr val="accent4"/>
+      <a:schemeClr val="accent5"/>
+      <a:schemeClr val="accent6"/>
+    </dgm:linClrLst>
+    <dgm:effectClrLst/>
+    <dgm:txLinClrLst/>
+    <dgm:txFillClrLst meth="repeat">
+      <a:schemeClr val="dk1"/>
+    </dgm:txFillClrLst>
+    <dgm:txEffectClrLst/>
+  </dgm:styleLbl>
+  <dgm:styleLbl name="trAlignAcc1">
+    <dgm:fillClrLst meth="repeat">
+      <a:schemeClr val="lt1">
+        <a:alpha val="40000"/>
+      </a:schemeClr>
+    </dgm:fillClrLst>
+    <dgm:linClrLst meth="repeat">
+      <a:schemeClr val="accent1"/>
+    </dgm:linClrLst>
+    <dgm:effectClrLst/>
+    <dgm:txLinClrLst/>
+    <dgm:txFillClrLst meth="repeat">
+      <a:schemeClr val="dk1"/>
+    </dgm:txFillClrLst>
+    <dgm:txEffectClrLst/>
+  </dgm:styleLbl>
+  <dgm:styleLbl name="bgAcc1">
+    <dgm:fillClrLst meth="repeat">
+      <a:schemeClr val="lt1">
+        <a:alpha val="90000"/>
+      </a:schemeClr>
+    </dgm:fillClrLst>
+    <dgm:linClrLst meth="repeat">
+      <a:schemeClr val="accent2"/>
+      <a:schemeClr val="accent3"/>
+      <a:schemeClr val="accent4"/>
+      <a:schemeClr val="accent5"/>
+      <a:schemeClr val="accent6"/>
+    </dgm:linClrLst>
+    <dgm:effectClrLst/>
+    <dgm:txLinClrLst/>
+    <dgm:txFillClrLst meth="repeat">
+      <a:schemeClr val="dk1"/>
+    </dgm:txFillClrLst>
+    <dgm:txEffectClrLst/>
+  </dgm:styleLbl>
+  <dgm:styleLbl name="solidFgAcc1">
+    <dgm:fillClrLst meth="repeat">
+      <a:schemeClr val="lt1"/>
+    </dgm:fillClrLst>
+    <dgm:linClrLst meth="repeat">
+      <a:schemeClr val="accent2"/>
+      <a:schemeClr val="accent3"/>
+      <a:schemeClr val="accent4"/>
+      <a:schemeClr val="accent5"/>
+      <a:schemeClr val="accent6"/>
+    </dgm:linClrLst>
+    <dgm:effectClrLst/>
+    <dgm:txLinClrLst/>
+    <dgm:txFillClrLst meth="repeat">
+      <a:schemeClr val="dk1"/>
+    </dgm:txFillClrLst>
+    <dgm:txEffectClrLst/>
+  </dgm:styleLbl>
+  <dgm:styleLbl name="solidAlignAcc1">
+    <dgm:fillClrLst meth="repeat">
+      <a:schemeClr val="lt1"/>
+    </dgm:fillClrLst>
+    <dgm:linClrLst meth="repeat">
+      <a:schemeClr val="accent2"/>
+      <a:schemeClr val="accent3"/>
+      <a:schemeClr val="accent4"/>
+      <a:schemeClr val="accent5"/>
+      <a:schemeClr val="accent6"/>
+    </dgm:linClrLst>
+    <dgm:effectClrLst/>
+    <dgm:txLinClrLst/>
+    <dgm:txFillClrLst meth="repeat">
+      <a:schemeClr val="dk1"/>
+    </dgm:txFillClrLst>
+    <dgm:txEffectClrLst/>
+  </dgm:styleLbl>
+  <dgm:styleLbl name="solidBgAcc1">
+    <dgm:fillClrLst meth="repeat">
+      <a:schemeClr val="lt1"/>
+    </dgm:fillClrLst>
+    <dgm:linClrLst meth="repeat">
+      <a:schemeClr val="accent2"/>
+      <a:schemeClr val="accent3"/>
+      <a:schemeClr val="accent4"/>
+      <a:schemeClr val="accent5"/>
+      <a:schemeClr val="accent6"/>
+    </dgm:linClrLst>
+    <dgm:effectClrLst/>
+    <dgm:txLinClrLst/>
+    <dgm:txFillClrLst meth="repeat">
+      <a:schemeClr val="dk1"/>
+    </dgm:txFillClrLst>
+    <dgm:txEffectClrLst/>
+  </dgm:styleLbl>
+  <dgm:styleLbl name="fgAccFollowNode1">
+    <dgm:fillClrLst meth="repeat">
+      <a:schemeClr val="accent2">
+        <a:tint val="40000"/>
+        <a:alpha val="90000"/>
+      </a:schemeClr>
+      <a:schemeClr val="accent3">
+        <a:tint val="40000"/>
+        <a:alpha val="90000"/>
+      </a:schemeClr>
+      <a:schemeClr val="accent4">
+        <a:tint val="40000"/>
+        <a:alpha val="90000"/>
+      </a:schemeClr>
+      <a:schemeClr val="accent5">
+        <a:tint val="40000"/>
+        <a:alpha val="90000"/>
+      </a:schemeClr>
+      <a:schemeClr val="accent6">
+        <a:tint val="40000"/>
+        <a:alpha val="90000"/>
+      </a:schemeClr>
+    </dgm:fillClrLst>
+    <dgm:linClrLst meth="repeat">
+      <a:schemeClr val="accent2">
+        <a:tint val="40000"/>
+        <a:alpha val="90000"/>
+      </a:schemeClr>
+      <a:schemeClr val="accent3">
+        <a:tint val="40000"/>
+        <a:alpha val="90000"/>
+      </a:schemeClr>
+      <a:schemeClr val="accent4">
+        <a:tint val="40000"/>
+        <a:alpha val="90000"/>
+      </a:schemeClr>
+      <a:schemeClr val="accent5">
+        <a:tint val="40000"/>
+        <a:alpha val="90000"/>
+      </a:schemeClr>
+      <a:schemeClr val="accent6">
+        <a:tint val="40000"/>
+        <a:alpha val="90000"/>
+      </a:schemeClr>
+    </dgm:linClrLst>
+    <dgm:effectClrLst/>
+    <dgm:txLinClrLst/>
+    <dgm:txFillClrLst meth="repeat">
+      <a:schemeClr val="dk1"/>
+    </dgm:txFillClrLst>
+    <dgm:txEffectClrLst/>
+  </dgm:styleLbl>
+  <dgm:styleLbl name="alignAccFollowNode1">
+    <dgm:fillClrLst meth="repeat">
+      <a:schemeClr val="accent2">
+        <a:tint val="40000"/>
+        <a:alpha val="90000"/>
+      </a:schemeClr>
+      <a:schemeClr val="accent3">
+        <a:tint val="40000"/>
+        <a:alpha val="90000"/>
+      </a:schemeClr>
+      <a:schemeClr val="accent4">
+        <a:tint val="40000"/>
+        <a:alpha val="90000"/>
+      </a:schemeClr>
+      <a:schemeClr val="accent5">
+        <a:tint val="40000"/>
+        <a:alpha val="90000"/>
+      </a:schemeClr>
+      <a:schemeClr val="accent6">
+        <a:tint val="40000"/>
+        <a:alpha val="90000"/>
+      </a:schemeClr>
+    </dgm:fillClrLst>
+    <dgm:linClrLst meth="repeat">
+      <a:schemeClr val="accent2">
+        <a:tint val="40000"/>
+        <a:alpha val="90000"/>
+      </a:schemeClr>
+      <a:schemeClr val="accent3">
+        <a:tint val="40000"/>
+        <a:alpha val="90000"/>
+      </a:schemeClr>
+      <a:schemeClr val="accent4">
+        <a:tint val="40000"/>
+        <a:alpha val="90000"/>
+      </a:schemeClr>
+      <a:schemeClr val="accent5">
+        <a:tint val="40000"/>
+        <a:alpha val="90000"/>
+      </a:schemeClr>
+      <a:schemeClr val="accent6">
+        <a:tint val="40000"/>
+        <a:alpha val="90000"/>
+      </a:schemeClr>
+    </dgm:linClrLst>
+    <dgm:effectClrLst/>
+    <dgm:txLinClrLst/>
+    <dgm:txFillClrLst meth="repeat">
+      <a:schemeClr val="dk1"/>
+    </dgm:txFillClrLst>
+    <dgm:txEffectClrLst/>
+  </dgm:styleLbl>
+  <dgm:styleLbl name="bgAccFollowNode1">
+    <dgm:fillClrLst meth="repeat">
+      <a:schemeClr val="accent2">
+        <a:tint val="40000"/>
+        <a:alpha val="90000"/>
+      </a:schemeClr>
+      <a:schemeClr val="accent3">
+        <a:tint val="40000"/>
+        <a:alpha val="90000"/>
+      </a:schemeClr>
+      <a:schemeClr val="accent4">
+        <a:tint val="40000"/>
+        <a:alpha val="90000"/>
+      </a:schemeClr>
+      <a:schemeClr val="accent5">
+        <a:tint val="40000"/>
+        <a:alpha val="90000"/>
+      </a:schemeClr>
+      <a:schemeClr val="accent6">
+        <a:tint val="40000"/>
+        <a:alpha val="90000"/>
+      </a:schemeClr>
+    </dgm:fillClrLst>
+    <dgm:linClrLst meth="repeat">
+      <a:schemeClr val="accent2">
+        <a:tint val="40000"/>
+        <a:alpha val="90000"/>
+      </a:schemeClr>
+      <a:schemeClr val="accent3">
+        <a:tint val="40000"/>
+        <a:alpha val="90000"/>
+      </a:schemeClr>
+      <a:schemeClr val="accent4">
+        <a:tint val="40000"/>
+        <a:alpha val="90000"/>
+      </a:schemeClr>
+      <a:schemeClr val="accent5">
+        <a:tint val="40000"/>
+        <a:alpha val="90000"/>
+      </a:schemeClr>
+      <a:schemeClr val="accent6">
+        <a:tint val="40000"/>
+        <a:alpha val="90000"/>
+      </a:schemeClr>
+    </dgm:linClrLst>
+    <dgm:effectClrLst/>
+    <dgm:txLinClrLst/>
+    <dgm:txFillClrLst meth="repeat">
+      <a:schemeClr val="dk1"/>
+    </dgm:txFillClrLst>
+    <dgm:txEffectClrLst/>
+  </dgm:styleLbl>
+  <dgm:styleLbl name="fgAcc0">
+    <dgm:fillClrLst meth="repeat">
+      <a:schemeClr val="lt1">
+        <a:alpha val="90000"/>
+      </a:schemeClr>
+    </dgm:fillClrLst>
+    <dgm:linClrLst>
+      <a:schemeClr val="accent1"/>
+    </dgm:linClrLst>
+    <dgm:effectClrLst/>
+    <dgm:txLinClrLst/>
+    <dgm:txFillClrLst meth="repeat">
+      <a:schemeClr val="dk1"/>
+    </dgm:txFillClrLst>
+    <dgm:txEffectClrLst/>
+  </dgm:styleLbl>
+  <dgm:styleLbl name="fgAcc2">
+    <dgm:fillClrLst meth="repeat">
+      <a:schemeClr val="lt1">
+        <a:alpha val="90000"/>
+      </a:schemeClr>
+    </dgm:fillClrLst>
+    <dgm:linClrLst>
+      <a:schemeClr val="accent2"/>
+    </dgm:linClrLst>
+    <dgm:effectClrLst/>
+    <dgm:txLinClrLst/>
+    <dgm:txFillClrLst meth="repeat">
+      <a:schemeClr val="dk1"/>
+    </dgm:txFillClrLst>
+    <dgm:txEffectClrLst/>
+  </dgm:styleLbl>
+  <dgm:styleLbl name="fgAcc3">
+    <dgm:fillClrLst meth="repeat">
+      <a:schemeClr val="lt1">
+        <a:alpha val="90000"/>
+      </a:schemeClr>
+    </dgm:fillClrLst>
+    <dgm:linClrLst>
+      <a:schemeClr val="accent3"/>
+    </dgm:linClrLst>
+    <dgm:effectClrLst/>
+    <dgm:txLinClrLst/>
+    <dgm:txFillClrLst meth="repeat">
+      <a:schemeClr val="dk1"/>
+    </dgm:txFillClrLst>
+    <dgm:txEffectClrLst/>
+  </dgm:styleLbl>
+  <dgm:styleLbl name="fgAcc4">
+    <dgm:fillClrLst meth="repeat">
+      <a:schemeClr val="lt1">
+        <a:alpha val="90000"/>
+      </a:schemeClr>
+    </dgm:fillClrLst>
+    <dgm:linClrLst>
+      <a:schemeClr val="accent4"/>
+    </dgm:linClrLst>
+    <dgm:effectClrLst/>
+    <dgm:txLinClrLst/>
+    <dgm:txFillClrLst meth="repeat">
+      <a:schemeClr val="dk1"/>
+    </dgm:txFillClrLst>
+    <dgm:txEffectClrLst/>
+  </dgm:styleLbl>
+  <dgm:styleLbl name="bgShp">
+    <dgm:fillClrLst meth="repeat">
+      <a:schemeClr val="accent2">
+        <a:tint val="40000"/>
+      </a:schemeClr>
+    </dgm:fillClrLst>
+    <dgm:linClrLst meth="repeat">
+      <a:schemeClr val="dk1"/>
+    </dgm:linClrLst>
+    <dgm:effectClrLst/>
+    <dgm:txLinClrLst/>
+    <dgm:txFillClrLst meth="repeat">
+      <a:schemeClr val="dk1"/>
+    </dgm:txFillClrLst>
+    <dgm:txEffectClrLst/>
+  </dgm:styleLbl>
+  <dgm:styleLbl name="dkBgShp">
+    <dgm:fillClrLst meth="repeat">
+      <a:schemeClr val="accent2">
+        <a:shade val="90000"/>
+      </a:schemeClr>
+    </dgm:fillClrLst>
+    <dgm:linClrLst meth="repeat">
+      <a:schemeClr val="dk1"/>
+    </dgm:linClrLst>
+    <dgm:effectClrLst/>
+    <dgm:txLinClrLst/>
+    <dgm:txFillClrLst meth="repeat">
+      <a:schemeClr val="lt1"/>
+    </dgm:txFillClrLst>
+    <dgm:txEffectClrLst/>
+  </dgm:styleLbl>
+  <dgm:styleLbl name="trBgShp">
+    <dgm:fillClrLst meth="repeat">
+      <a:schemeClr val="accent1">
+        <a:tint val="50000"/>
+        <a:alpha val="40000"/>
+      </a:schemeClr>
+    </dgm:fillClrLst>
+    <dgm:linClrLst meth="repeat">
+      <a:schemeClr val="accent2"/>
+    </dgm:linClrLst>
+    <dgm:effectClrLst/>
+    <dgm:txLinClrLst/>
+    <dgm:txFillClrLst meth="repeat">
+      <a:schemeClr val="lt1"/>
+    </dgm:txFillClrLst>
+    <dgm:txEffectClrLst/>
+  </dgm:styleLbl>
+  <dgm:styleLbl name="fgShp">
+    <dgm:fillClrLst meth="repeat">
+      <a:schemeClr val="accent2">
+        <a:tint val="40000"/>
+      </a:schemeClr>
+    </dgm:fillClrLst>
+    <dgm:linClrLst meth="repeat">
+      <a:schemeClr val="lt1"/>
+    </dgm:linClrLst>
+    <dgm:effectClrLst/>
+    <dgm:txLinClrLst/>
+    <dgm:txFillClrLst meth="repeat">
+      <a:schemeClr val="dk1"/>
+    </dgm:txFillClrLst>
+    <dgm:txEffectClrLst/>
+  </dgm:styleLbl>
+  <dgm:styleLbl name="revTx">
+    <dgm:fillClrLst meth="repeat">
+      <a:schemeClr val="lt1">
+        <a:alpha val="0"/>
+      </a:schemeClr>
+    </dgm:fillClrLst>
+    <dgm:linClrLst meth="repeat">
+      <a:schemeClr val="dk1">
+        <a:alpha val="0"/>
+      </a:schemeClr>
+    </dgm:linClrLst>
+    <dgm:effectClrLst/>
+    <dgm:txLinClrLst/>
+    <dgm:txFillClrLst meth="repeat">
+      <a:schemeClr val="tx1"/>
+    </dgm:txFillClrLst>
+    <dgm:txEffectClrLst/>
+  </dgm:styleLbl>
+</dgm:colorsDef>
+</file>
+
+<file path=ppt/diagrams/data1.xml><?xml version="1.0" encoding="utf-8"?>
+<dgm:dataModel xmlns:dgm="http://schemas.openxmlformats.org/drawingml/2006/diagram" xmlns:a="http://schemas.openxmlformats.org/drawingml/2006/main">
+  <dgm:ptLst>
+    <dgm:pt modelId="{6BB66C6D-0F14-4901-9D44-78BDA1E15F87}" type="doc">
+      <dgm:prSet loTypeId="urn:microsoft.com/office/officeart/2008/layout/LinedList" loCatId="list" qsTypeId="urn:microsoft.com/office/officeart/2005/8/quickstyle/simple1" qsCatId="simple" csTypeId="urn:microsoft.com/office/officeart/2005/8/colors/colorful1" csCatId="colorful"/>
+      <dgm:spPr/>
+      <dgm:t>
+        <a:bodyPr/>
+        <a:lstStyle/>
+        <a:p>
+          <a:endParaRPr lang="en-US"/>
+        </a:p>
+      </dgm:t>
+    </dgm:pt>
+    <dgm:pt modelId="{0A8CDFBA-8644-4AAA-9D88-0778947A5637}">
+      <dgm:prSet/>
+      <dgm:spPr/>
+      <dgm:t>
+        <a:bodyPr/>
+        <a:lstStyle/>
+        <a:p>
+          <a:r>
+            <a:rPr lang="en-US"/>
+            <a:t>Question 1: </a:t>
+          </a:r>
+          <a:r>
+            <a:rPr lang="en-GB"/>
+            <a:t>Do discounts have a statistically significant effect on the number of products customers order? If so, at what level(s) of discount?</a:t>
+          </a:r>
+          <a:endParaRPr lang="en-US"/>
+        </a:p>
+      </dgm:t>
+    </dgm:pt>
+    <dgm:pt modelId="{62D87AA4-BE04-42FA-A27E-5E8C7BFB0219}" type="parTrans" cxnId="{D6A31F82-1712-4158-9376-7B1C5CA86162}">
+      <dgm:prSet/>
+      <dgm:spPr/>
+      <dgm:t>
+        <a:bodyPr/>
+        <a:lstStyle/>
+        <a:p>
+          <a:endParaRPr lang="en-US"/>
+        </a:p>
+      </dgm:t>
+    </dgm:pt>
+    <dgm:pt modelId="{D2B8A8F6-CC9F-441F-8D06-A7B9B0E97A8B}" type="sibTrans" cxnId="{D6A31F82-1712-4158-9376-7B1C5CA86162}">
+      <dgm:prSet/>
+      <dgm:spPr/>
+      <dgm:t>
+        <a:bodyPr/>
+        <a:lstStyle/>
+        <a:p>
+          <a:endParaRPr lang="en-US"/>
+        </a:p>
+      </dgm:t>
+    </dgm:pt>
+    <dgm:pt modelId="{0FCE37BD-7F66-4FEB-AF53-21ED58907C22}">
+      <dgm:prSet/>
+      <dgm:spPr/>
+      <dgm:t>
+        <a:bodyPr/>
+        <a:lstStyle/>
+        <a:p>
+          <a:r>
+            <a:rPr lang="en-GB"/>
+            <a:t>Question 2: Is there a significant different in the basket value (ie total sales revenue per order) when there is a discount?</a:t>
+          </a:r>
+          <a:endParaRPr lang="en-US"/>
+        </a:p>
+      </dgm:t>
+    </dgm:pt>
+    <dgm:pt modelId="{F375B832-2597-495C-BC36-6870BB96A07E}" type="parTrans" cxnId="{3B3B9DDB-48C0-4B5F-9075-88F37127C276}">
+      <dgm:prSet/>
+      <dgm:spPr/>
+      <dgm:t>
+        <a:bodyPr/>
+        <a:lstStyle/>
+        <a:p>
+          <a:endParaRPr lang="en-US"/>
+        </a:p>
+      </dgm:t>
+    </dgm:pt>
+    <dgm:pt modelId="{593E970C-C315-4597-A357-390744A6FFC7}" type="sibTrans" cxnId="{3B3B9DDB-48C0-4B5F-9075-88F37127C276}">
+      <dgm:prSet/>
+      <dgm:spPr/>
+      <dgm:t>
+        <a:bodyPr/>
+        <a:lstStyle/>
+        <a:p>
+          <a:endParaRPr lang="en-US"/>
+        </a:p>
+      </dgm:t>
+    </dgm:pt>
+    <dgm:pt modelId="{6A9B54AC-F1B2-460D-ABC8-926D10030284}">
+      <dgm:prSet/>
+      <dgm:spPr/>
+      <dgm:t>
+        <a:bodyPr/>
+        <a:lstStyle/>
+        <a:p>
+          <a:r>
+            <a:rPr lang="en-GB"/>
+            <a:t>Question3: Is the average sales value per transaction higher in UK than the rest of the world?</a:t>
+          </a:r>
+          <a:endParaRPr lang="en-US"/>
+        </a:p>
+      </dgm:t>
+    </dgm:pt>
+    <dgm:pt modelId="{BBD10F7D-D129-4E75-844F-87C0B7162BFE}" type="parTrans" cxnId="{8F7F01B5-53F6-4EEC-B948-6BD51F7D59BA}">
+      <dgm:prSet/>
+      <dgm:spPr/>
+      <dgm:t>
+        <a:bodyPr/>
+        <a:lstStyle/>
+        <a:p>
+          <a:endParaRPr lang="en-US"/>
+        </a:p>
+      </dgm:t>
+    </dgm:pt>
+    <dgm:pt modelId="{35E345D6-5652-460A-A293-CA863E82844D}" type="sibTrans" cxnId="{8F7F01B5-53F6-4EEC-B948-6BD51F7D59BA}">
+      <dgm:prSet/>
+      <dgm:spPr/>
+      <dgm:t>
+        <a:bodyPr/>
+        <a:lstStyle/>
+        <a:p>
+          <a:endParaRPr lang="en-US"/>
+        </a:p>
+      </dgm:t>
+    </dgm:pt>
+    <dgm:pt modelId="{AC5425BF-A146-4B20-83C9-86C51AEB94C9}">
+      <dgm:prSet/>
+      <dgm:spPr/>
+      <dgm:t>
+        <a:bodyPr/>
+        <a:lstStyle/>
+        <a:p>
+          <a:r>
+            <a:rPr lang="en-GB"/>
+            <a:t>Question 4: Is there a difference in sales value per order when it is executed by a younger employee vs an older employee?</a:t>
+          </a:r>
+          <a:endParaRPr lang="en-US"/>
+        </a:p>
+      </dgm:t>
+    </dgm:pt>
+    <dgm:pt modelId="{CFF59362-3A30-4933-88A7-25FE99F19A61}" type="parTrans" cxnId="{8781B6C8-4C4F-485F-BAE1-16DD0B8DDF2D}">
+      <dgm:prSet/>
+      <dgm:spPr/>
+      <dgm:t>
+        <a:bodyPr/>
+        <a:lstStyle/>
+        <a:p>
+          <a:endParaRPr lang="en-US"/>
+        </a:p>
+      </dgm:t>
+    </dgm:pt>
+    <dgm:pt modelId="{F0769F73-B182-46D6-A5B0-133E78507C9C}" type="sibTrans" cxnId="{8781B6C8-4C4F-485F-BAE1-16DD0B8DDF2D}">
+      <dgm:prSet/>
+      <dgm:spPr/>
+      <dgm:t>
+        <a:bodyPr/>
+        <a:lstStyle/>
+        <a:p>
+          <a:endParaRPr lang="en-US"/>
+        </a:p>
+      </dgm:t>
+    </dgm:pt>
+    <dgm:pt modelId="{08768344-E5E8-694B-82EA-037818ACAC07}" type="pres">
+      <dgm:prSet presAssocID="{6BB66C6D-0F14-4901-9D44-78BDA1E15F87}" presName="vert0" presStyleCnt="0">
+        <dgm:presLayoutVars>
+          <dgm:dir/>
+          <dgm:animOne val="branch"/>
+          <dgm:animLvl val="lvl"/>
+        </dgm:presLayoutVars>
+      </dgm:prSet>
+      <dgm:spPr/>
+    </dgm:pt>
+    <dgm:pt modelId="{74F94608-A201-A14D-80FB-07C41578A99E}" type="pres">
+      <dgm:prSet presAssocID="{0A8CDFBA-8644-4AAA-9D88-0778947A5637}" presName="thickLine" presStyleLbl="alignNode1" presStyleIdx="0" presStyleCnt="4"/>
+      <dgm:spPr/>
+    </dgm:pt>
+    <dgm:pt modelId="{C36A5FDA-8870-2F44-82D1-EFE4CE4CF565}" type="pres">
+      <dgm:prSet presAssocID="{0A8CDFBA-8644-4AAA-9D88-0778947A5637}" presName="horz1" presStyleCnt="0"/>
+      <dgm:spPr/>
+    </dgm:pt>
+    <dgm:pt modelId="{B7DEA974-A7A6-3D4F-82DE-D6B72CBC7F6D}" type="pres">
+      <dgm:prSet presAssocID="{0A8CDFBA-8644-4AAA-9D88-0778947A5637}" presName="tx1" presStyleLbl="revTx" presStyleIdx="0" presStyleCnt="4"/>
+      <dgm:spPr/>
+    </dgm:pt>
+    <dgm:pt modelId="{50A74E60-0145-E34D-91AB-94BEE27953E1}" type="pres">
+      <dgm:prSet presAssocID="{0A8CDFBA-8644-4AAA-9D88-0778947A5637}" presName="vert1" presStyleCnt="0"/>
+      <dgm:spPr/>
+    </dgm:pt>
+    <dgm:pt modelId="{066DCAA2-C755-8F43-BB4F-A6795BE22B51}" type="pres">
+      <dgm:prSet presAssocID="{0FCE37BD-7F66-4FEB-AF53-21ED58907C22}" presName="thickLine" presStyleLbl="alignNode1" presStyleIdx="1" presStyleCnt="4"/>
+      <dgm:spPr/>
+    </dgm:pt>
+    <dgm:pt modelId="{B26069CB-6742-9E4E-8E7C-B96B106F42A5}" type="pres">
+      <dgm:prSet presAssocID="{0FCE37BD-7F66-4FEB-AF53-21ED58907C22}" presName="horz1" presStyleCnt="0"/>
+      <dgm:spPr/>
+    </dgm:pt>
+    <dgm:pt modelId="{FFC5F503-31FF-2A4E-BB69-9002FCE9B4B9}" type="pres">
+      <dgm:prSet presAssocID="{0FCE37BD-7F66-4FEB-AF53-21ED58907C22}" presName="tx1" presStyleLbl="revTx" presStyleIdx="1" presStyleCnt="4"/>
+      <dgm:spPr/>
+    </dgm:pt>
+    <dgm:pt modelId="{22C6BE90-CC35-FC44-8187-D76DBED8C834}" type="pres">
+      <dgm:prSet presAssocID="{0FCE37BD-7F66-4FEB-AF53-21ED58907C22}" presName="vert1" presStyleCnt="0"/>
+      <dgm:spPr/>
+    </dgm:pt>
+    <dgm:pt modelId="{4AE2901F-859D-3D45-9AC0-583F2411D1C1}" type="pres">
+      <dgm:prSet presAssocID="{6A9B54AC-F1B2-460D-ABC8-926D10030284}" presName="thickLine" presStyleLbl="alignNode1" presStyleIdx="2" presStyleCnt="4"/>
+      <dgm:spPr/>
+    </dgm:pt>
+    <dgm:pt modelId="{D04BC959-BF66-2241-A9B5-BD379757DA8D}" type="pres">
+      <dgm:prSet presAssocID="{6A9B54AC-F1B2-460D-ABC8-926D10030284}" presName="horz1" presStyleCnt="0"/>
+      <dgm:spPr/>
+    </dgm:pt>
+    <dgm:pt modelId="{5F9B1B28-EC3E-E84D-81ED-FC8E8C3BB328}" type="pres">
+      <dgm:prSet presAssocID="{6A9B54AC-F1B2-460D-ABC8-926D10030284}" presName="tx1" presStyleLbl="revTx" presStyleIdx="2" presStyleCnt="4"/>
+      <dgm:spPr/>
+    </dgm:pt>
+    <dgm:pt modelId="{C0F1FE7C-8618-8242-A51A-AB45B988ECD1}" type="pres">
+      <dgm:prSet presAssocID="{6A9B54AC-F1B2-460D-ABC8-926D10030284}" presName="vert1" presStyleCnt="0"/>
+      <dgm:spPr/>
+    </dgm:pt>
+    <dgm:pt modelId="{E8D2F26C-A355-724B-9423-36912977011F}" type="pres">
+      <dgm:prSet presAssocID="{AC5425BF-A146-4B20-83C9-86C51AEB94C9}" presName="thickLine" presStyleLbl="alignNode1" presStyleIdx="3" presStyleCnt="4"/>
+      <dgm:spPr/>
+    </dgm:pt>
+    <dgm:pt modelId="{FBE941D6-6065-9241-9B72-6FFD7CD96DBF}" type="pres">
+      <dgm:prSet presAssocID="{AC5425BF-A146-4B20-83C9-86C51AEB94C9}" presName="horz1" presStyleCnt="0"/>
+      <dgm:spPr/>
+    </dgm:pt>
+    <dgm:pt modelId="{EEA82F88-9184-494A-8FA4-05042EFBDB79}" type="pres">
+      <dgm:prSet presAssocID="{AC5425BF-A146-4B20-83C9-86C51AEB94C9}" presName="tx1" presStyleLbl="revTx" presStyleIdx="3" presStyleCnt="4"/>
+      <dgm:spPr/>
+    </dgm:pt>
+    <dgm:pt modelId="{CD1620D3-F518-7743-A1F7-DE4369EB7DC4}" type="pres">
+      <dgm:prSet presAssocID="{AC5425BF-A146-4B20-83C9-86C51AEB94C9}" presName="vert1" presStyleCnt="0"/>
+      <dgm:spPr/>
+    </dgm:pt>
+  </dgm:ptLst>
+  <dgm:cxnLst>
+    <dgm:cxn modelId="{309CFD7C-FEF2-6D4B-B187-CA76DC37E93E}" type="presOf" srcId="{0A8CDFBA-8644-4AAA-9D88-0778947A5637}" destId="{B7DEA974-A7A6-3D4F-82DE-D6B72CBC7F6D}" srcOrd="0" destOrd="0" presId="urn:microsoft.com/office/officeart/2008/layout/LinedList"/>
+    <dgm:cxn modelId="{D6A31F82-1712-4158-9376-7B1C5CA86162}" srcId="{6BB66C6D-0F14-4901-9D44-78BDA1E15F87}" destId="{0A8CDFBA-8644-4AAA-9D88-0778947A5637}" srcOrd="0" destOrd="0" parTransId="{62D87AA4-BE04-42FA-A27E-5E8C7BFB0219}" sibTransId="{D2B8A8F6-CC9F-441F-8D06-A7B9B0E97A8B}"/>
+    <dgm:cxn modelId="{5F900A8C-7F07-534A-A354-7BA1C254556D}" type="presOf" srcId="{0FCE37BD-7F66-4FEB-AF53-21ED58907C22}" destId="{FFC5F503-31FF-2A4E-BB69-9002FCE9B4B9}" srcOrd="0" destOrd="0" presId="urn:microsoft.com/office/officeart/2008/layout/LinedList"/>
+    <dgm:cxn modelId="{24B010A5-110C-EC49-8A2C-B413DD75B64E}" type="presOf" srcId="{6A9B54AC-F1B2-460D-ABC8-926D10030284}" destId="{5F9B1B28-EC3E-E84D-81ED-FC8E8C3BB328}" srcOrd="0" destOrd="0" presId="urn:microsoft.com/office/officeart/2008/layout/LinedList"/>
+    <dgm:cxn modelId="{64E923A7-4016-FF4F-A5BD-5280120A8173}" type="presOf" srcId="{AC5425BF-A146-4B20-83C9-86C51AEB94C9}" destId="{EEA82F88-9184-494A-8FA4-05042EFBDB79}" srcOrd="0" destOrd="0" presId="urn:microsoft.com/office/officeart/2008/layout/LinedList"/>
+    <dgm:cxn modelId="{8F7F01B5-53F6-4EEC-B948-6BD51F7D59BA}" srcId="{6BB66C6D-0F14-4901-9D44-78BDA1E15F87}" destId="{6A9B54AC-F1B2-460D-ABC8-926D10030284}" srcOrd="2" destOrd="0" parTransId="{BBD10F7D-D129-4E75-844F-87C0B7162BFE}" sibTransId="{35E345D6-5652-460A-A293-CA863E82844D}"/>
+    <dgm:cxn modelId="{6A5691BF-7AA1-334A-951B-F0AC6302117A}" type="presOf" srcId="{6BB66C6D-0F14-4901-9D44-78BDA1E15F87}" destId="{08768344-E5E8-694B-82EA-037818ACAC07}" srcOrd="0" destOrd="0" presId="urn:microsoft.com/office/officeart/2008/layout/LinedList"/>
+    <dgm:cxn modelId="{8781B6C8-4C4F-485F-BAE1-16DD0B8DDF2D}" srcId="{6BB66C6D-0F14-4901-9D44-78BDA1E15F87}" destId="{AC5425BF-A146-4B20-83C9-86C51AEB94C9}" srcOrd="3" destOrd="0" parTransId="{CFF59362-3A30-4933-88A7-25FE99F19A61}" sibTransId="{F0769F73-B182-46D6-A5B0-133E78507C9C}"/>
+    <dgm:cxn modelId="{3B3B9DDB-48C0-4B5F-9075-88F37127C276}" srcId="{6BB66C6D-0F14-4901-9D44-78BDA1E15F87}" destId="{0FCE37BD-7F66-4FEB-AF53-21ED58907C22}" srcOrd="1" destOrd="0" parTransId="{F375B832-2597-495C-BC36-6870BB96A07E}" sibTransId="{593E970C-C315-4597-A357-390744A6FFC7}"/>
+    <dgm:cxn modelId="{61CA211A-632A-894A-AB89-028FEC564065}" type="presParOf" srcId="{08768344-E5E8-694B-82EA-037818ACAC07}" destId="{74F94608-A201-A14D-80FB-07C41578A99E}" srcOrd="0" destOrd="0" presId="urn:microsoft.com/office/officeart/2008/layout/LinedList"/>
+    <dgm:cxn modelId="{9931792A-F027-7046-87E5-937F77A29720}" type="presParOf" srcId="{08768344-E5E8-694B-82EA-037818ACAC07}" destId="{C36A5FDA-8870-2F44-82D1-EFE4CE4CF565}" srcOrd="1" destOrd="0" presId="urn:microsoft.com/office/officeart/2008/layout/LinedList"/>
+    <dgm:cxn modelId="{947FD391-906B-E74F-8D02-683D0A7566CB}" type="presParOf" srcId="{C36A5FDA-8870-2F44-82D1-EFE4CE4CF565}" destId="{B7DEA974-A7A6-3D4F-82DE-D6B72CBC7F6D}" srcOrd="0" destOrd="0" presId="urn:microsoft.com/office/officeart/2008/layout/LinedList"/>
+    <dgm:cxn modelId="{82228550-3076-6D4E-88E3-245516182E17}" type="presParOf" srcId="{C36A5FDA-8870-2F44-82D1-EFE4CE4CF565}" destId="{50A74E60-0145-E34D-91AB-94BEE27953E1}" srcOrd="1" destOrd="0" presId="urn:microsoft.com/office/officeart/2008/layout/LinedList"/>
+    <dgm:cxn modelId="{5B756C3F-51D5-1E46-B19C-B48459018528}" type="presParOf" srcId="{08768344-E5E8-694B-82EA-037818ACAC07}" destId="{066DCAA2-C755-8F43-BB4F-A6795BE22B51}" srcOrd="2" destOrd="0" presId="urn:microsoft.com/office/officeart/2008/layout/LinedList"/>
+    <dgm:cxn modelId="{5CCADB38-17CE-C345-B26F-6BAB444B5F30}" type="presParOf" srcId="{08768344-E5E8-694B-82EA-037818ACAC07}" destId="{B26069CB-6742-9E4E-8E7C-B96B106F42A5}" srcOrd="3" destOrd="0" presId="urn:microsoft.com/office/officeart/2008/layout/LinedList"/>
+    <dgm:cxn modelId="{26F85C4F-B466-AD40-8ABA-B33104C3C591}" type="presParOf" srcId="{B26069CB-6742-9E4E-8E7C-B96B106F42A5}" destId="{FFC5F503-31FF-2A4E-BB69-9002FCE9B4B9}" srcOrd="0" destOrd="0" presId="urn:microsoft.com/office/officeart/2008/layout/LinedList"/>
+    <dgm:cxn modelId="{D5065105-0276-0C41-8B1F-57B48AC10DF2}" type="presParOf" srcId="{B26069CB-6742-9E4E-8E7C-B96B106F42A5}" destId="{22C6BE90-CC35-FC44-8187-D76DBED8C834}" srcOrd="1" destOrd="0" presId="urn:microsoft.com/office/officeart/2008/layout/LinedList"/>
+    <dgm:cxn modelId="{915BDE85-1258-454C-AA1D-5C7CDA3FD224}" type="presParOf" srcId="{08768344-E5E8-694B-82EA-037818ACAC07}" destId="{4AE2901F-859D-3D45-9AC0-583F2411D1C1}" srcOrd="4" destOrd="0" presId="urn:microsoft.com/office/officeart/2008/layout/LinedList"/>
+    <dgm:cxn modelId="{0080B870-8425-1540-97AB-094CC75B84ED}" type="presParOf" srcId="{08768344-E5E8-694B-82EA-037818ACAC07}" destId="{D04BC959-BF66-2241-A9B5-BD379757DA8D}" srcOrd="5" destOrd="0" presId="urn:microsoft.com/office/officeart/2008/layout/LinedList"/>
+    <dgm:cxn modelId="{33B05727-EC61-644B-9A5B-B8B2B31F7C13}" type="presParOf" srcId="{D04BC959-BF66-2241-A9B5-BD379757DA8D}" destId="{5F9B1B28-EC3E-E84D-81ED-FC8E8C3BB328}" srcOrd="0" destOrd="0" presId="urn:microsoft.com/office/officeart/2008/layout/LinedList"/>
+    <dgm:cxn modelId="{06A2D2A3-F8D3-DD42-956B-744AA8FAEF41}" type="presParOf" srcId="{D04BC959-BF66-2241-A9B5-BD379757DA8D}" destId="{C0F1FE7C-8618-8242-A51A-AB45B988ECD1}" srcOrd="1" destOrd="0" presId="urn:microsoft.com/office/officeart/2008/layout/LinedList"/>
+    <dgm:cxn modelId="{A966511F-CD3E-7A44-8200-BB60C7D74C50}" type="presParOf" srcId="{08768344-E5E8-694B-82EA-037818ACAC07}" destId="{E8D2F26C-A355-724B-9423-36912977011F}" srcOrd="6" destOrd="0" presId="urn:microsoft.com/office/officeart/2008/layout/LinedList"/>
+    <dgm:cxn modelId="{BBE8EFEE-1462-FF47-94F6-539D4CB63DED}" type="presParOf" srcId="{08768344-E5E8-694B-82EA-037818ACAC07}" destId="{FBE941D6-6065-9241-9B72-6FFD7CD96DBF}" srcOrd="7" destOrd="0" presId="urn:microsoft.com/office/officeart/2008/layout/LinedList"/>
+    <dgm:cxn modelId="{8BA146DA-B4FC-6C44-A147-6617791862EE}" type="presParOf" srcId="{FBE941D6-6065-9241-9B72-6FFD7CD96DBF}" destId="{EEA82F88-9184-494A-8FA4-05042EFBDB79}" srcOrd="0" destOrd="0" presId="urn:microsoft.com/office/officeart/2008/layout/LinedList"/>
+    <dgm:cxn modelId="{27604FA1-B9F4-3348-BA64-1C12171C67A3}" type="presParOf" srcId="{FBE941D6-6065-9241-9B72-6FFD7CD96DBF}" destId="{CD1620D3-F518-7743-A1F7-DE4369EB7DC4}" srcOrd="1" destOrd="0" presId="urn:microsoft.com/office/officeart/2008/layout/LinedList"/>
+  </dgm:cxnLst>
+  <dgm:bg/>
+  <dgm:whole/>
+  <dgm:extLst>
+    <a:ext uri="http://schemas.microsoft.com/office/drawing/2008/diagram">
+      <dsp:dataModelExt xmlns:dsp="http://schemas.microsoft.com/office/drawing/2008/diagram" relId="rId6" minVer="http://schemas.openxmlformats.org/drawingml/2006/diagram"/>
+    </a:ext>
+  </dgm:extLst>
+</dgm:dataModel>
+</file>
+
+<file path=ppt/diagrams/drawing1.xml><?xml version="1.0" encoding="utf-8"?>
+<dsp:drawing xmlns:dgm="http://schemas.openxmlformats.org/drawingml/2006/diagram" xmlns:dsp="http://schemas.microsoft.com/office/drawing/2008/diagram" xmlns:a="http://schemas.openxmlformats.org/drawingml/2006/main">
+  <dsp:spTree>
+    <dsp:nvGrpSpPr>
+      <dsp:cNvPr id="0" name=""/>
+      <dsp:cNvGrpSpPr/>
+    </dsp:nvGrpSpPr>
+    <dsp:grpSpPr/>
+    <dsp:sp modelId="{74F94608-A201-A14D-80FB-07C41578A99E}">
+      <dsp:nvSpPr>
+        <dsp:cNvPr id="0" name=""/>
+        <dsp:cNvSpPr/>
+      </dsp:nvSpPr>
+      <dsp:spPr>
+        <a:xfrm>
+          <a:off x="0" y="0"/>
+          <a:ext cx="6089650" cy="0"/>
+        </a:xfrm>
+        <a:prstGeom prst="line">
+          <a:avLst/>
+        </a:prstGeom>
+        <a:solidFill>
+          <a:schemeClr val="accent2">
+            <a:hueOff val="0"/>
+            <a:satOff val="0"/>
+            <a:lumOff val="0"/>
+            <a:alphaOff val="0"/>
+          </a:schemeClr>
+        </a:solidFill>
+        <a:ln w="12700" cap="flat" cmpd="sng" algn="ctr">
+          <a:solidFill>
+            <a:schemeClr val="accent2">
+              <a:hueOff val="0"/>
+              <a:satOff val="0"/>
+              <a:lumOff val="0"/>
+              <a:alphaOff val="0"/>
+            </a:schemeClr>
+          </a:solidFill>
+          <a:prstDash val="solid"/>
+          <a:miter lim="800000"/>
+        </a:ln>
+        <a:effectLst/>
+      </dsp:spPr>
+      <dsp:style>
+        <a:lnRef idx="2">
+          <a:scrgbClr r="0" g="0" b="0"/>
+        </a:lnRef>
+        <a:fillRef idx="1">
+          <a:scrgbClr r="0" g="0" b="0"/>
+        </a:fillRef>
+        <a:effectRef idx="0">
+          <a:scrgbClr r="0" g="0" b="0"/>
+        </a:effectRef>
+        <a:fontRef idx="minor">
+          <a:schemeClr val="lt1"/>
+        </a:fontRef>
+      </dsp:style>
+    </dsp:sp>
+    <dsp:sp modelId="{B7DEA974-A7A6-3D4F-82DE-D6B72CBC7F6D}">
+      <dsp:nvSpPr>
+        <dsp:cNvPr id="0" name=""/>
+        <dsp:cNvSpPr/>
+      </dsp:nvSpPr>
+      <dsp:spPr>
+        <a:xfrm>
+          <a:off x="0" y="0"/>
+          <a:ext cx="6089650" cy="1393031"/>
+        </a:xfrm>
+        <a:prstGeom prst="rect">
+          <a:avLst/>
+        </a:prstGeom>
+        <a:noFill/>
+        <a:ln>
+          <a:noFill/>
+        </a:ln>
+        <a:effectLst/>
+      </dsp:spPr>
+      <dsp:style>
+        <a:lnRef idx="0">
+          <a:scrgbClr r="0" g="0" b="0"/>
+        </a:lnRef>
+        <a:fillRef idx="0">
+          <a:scrgbClr r="0" g="0" b="0"/>
+        </a:fillRef>
+        <a:effectRef idx="0">
+          <a:scrgbClr r="0" g="0" b="0"/>
+        </a:effectRef>
+        <a:fontRef idx="minor"/>
+      </dsp:style>
+      <dsp:txBody>
+        <a:bodyPr spcFirstLastPara="0" vert="horz" wrap="square" lIns="83820" tIns="83820" rIns="83820" bIns="83820" numCol="1" spcCol="1270" anchor="t" anchorCtr="0">
+          <a:noAutofit/>
+        </a:bodyPr>
+        <a:lstStyle/>
+        <a:p>
+          <a:pPr marL="0" lvl="0" indent="0" algn="l" defTabSz="977900">
+            <a:lnSpc>
+              <a:spcPct val="90000"/>
+            </a:lnSpc>
+            <a:spcBef>
+              <a:spcPct val="0"/>
+            </a:spcBef>
+            <a:spcAft>
+              <a:spcPct val="35000"/>
+            </a:spcAft>
+            <a:buNone/>
+          </a:pPr>
+          <a:r>
+            <a:rPr lang="en-US" sz="2200" kern="1200"/>
+            <a:t>Question 1: </a:t>
+          </a:r>
+          <a:r>
+            <a:rPr lang="en-GB" sz="2200" kern="1200"/>
+            <a:t>Do discounts have a statistically significant effect on the number of products customers order? If so, at what level(s) of discount?</a:t>
+          </a:r>
+          <a:endParaRPr lang="en-US" sz="2200" kern="1200"/>
+        </a:p>
+      </dsp:txBody>
+      <dsp:txXfrm>
+        <a:off x="0" y="0"/>
+        <a:ext cx="6089650" cy="1393031"/>
+      </dsp:txXfrm>
+    </dsp:sp>
+    <dsp:sp modelId="{066DCAA2-C755-8F43-BB4F-A6795BE22B51}">
+      <dsp:nvSpPr>
+        <dsp:cNvPr id="0" name=""/>
+        <dsp:cNvSpPr/>
+      </dsp:nvSpPr>
+      <dsp:spPr>
+        <a:xfrm>
+          <a:off x="0" y="1393031"/>
+          <a:ext cx="6089650" cy="0"/>
+        </a:xfrm>
+        <a:prstGeom prst="line">
+          <a:avLst/>
+        </a:prstGeom>
+        <a:solidFill>
+          <a:schemeClr val="accent3">
+            <a:hueOff val="0"/>
+            <a:satOff val="0"/>
+            <a:lumOff val="0"/>
+            <a:alphaOff val="0"/>
+          </a:schemeClr>
+        </a:solidFill>
+        <a:ln w="12700" cap="flat" cmpd="sng" algn="ctr">
+          <a:solidFill>
+            <a:schemeClr val="accent3">
+              <a:hueOff val="0"/>
+              <a:satOff val="0"/>
+              <a:lumOff val="0"/>
+              <a:alphaOff val="0"/>
+            </a:schemeClr>
+          </a:solidFill>
+          <a:prstDash val="solid"/>
+          <a:miter lim="800000"/>
+        </a:ln>
+        <a:effectLst/>
+      </dsp:spPr>
+      <dsp:style>
+        <a:lnRef idx="2">
+          <a:scrgbClr r="0" g="0" b="0"/>
+        </a:lnRef>
+        <a:fillRef idx="1">
+          <a:scrgbClr r="0" g="0" b="0"/>
+        </a:fillRef>
+        <a:effectRef idx="0">
+          <a:scrgbClr r="0" g="0" b="0"/>
+        </a:effectRef>
+        <a:fontRef idx="minor">
+          <a:schemeClr val="lt1"/>
+        </a:fontRef>
+      </dsp:style>
+    </dsp:sp>
+    <dsp:sp modelId="{FFC5F503-31FF-2A4E-BB69-9002FCE9B4B9}">
+      <dsp:nvSpPr>
+        <dsp:cNvPr id="0" name=""/>
+        <dsp:cNvSpPr/>
+      </dsp:nvSpPr>
+      <dsp:spPr>
+        <a:xfrm>
+          <a:off x="0" y="1393031"/>
+          <a:ext cx="6089650" cy="1393031"/>
+        </a:xfrm>
+        <a:prstGeom prst="rect">
+          <a:avLst/>
+        </a:prstGeom>
+        <a:noFill/>
+        <a:ln>
+          <a:noFill/>
+        </a:ln>
+        <a:effectLst/>
+      </dsp:spPr>
+      <dsp:style>
+        <a:lnRef idx="0">
+          <a:scrgbClr r="0" g="0" b="0"/>
+        </a:lnRef>
+        <a:fillRef idx="0">
+          <a:scrgbClr r="0" g="0" b="0"/>
+        </a:fillRef>
+        <a:effectRef idx="0">
+          <a:scrgbClr r="0" g="0" b="0"/>
+        </a:effectRef>
+        <a:fontRef idx="minor"/>
+      </dsp:style>
+      <dsp:txBody>
+        <a:bodyPr spcFirstLastPara="0" vert="horz" wrap="square" lIns="83820" tIns="83820" rIns="83820" bIns="83820" numCol="1" spcCol="1270" anchor="t" anchorCtr="0">
+          <a:noAutofit/>
+        </a:bodyPr>
+        <a:lstStyle/>
+        <a:p>
+          <a:pPr marL="0" lvl="0" indent="0" algn="l" defTabSz="977900">
+            <a:lnSpc>
+              <a:spcPct val="90000"/>
+            </a:lnSpc>
+            <a:spcBef>
+              <a:spcPct val="0"/>
+            </a:spcBef>
+            <a:spcAft>
+              <a:spcPct val="35000"/>
+            </a:spcAft>
+            <a:buNone/>
+          </a:pPr>
+          <a:r>
+            <a:rPr lang="en-GB" sz="2200" kern="1200"/>
+            <a:t>Question 2: Is there a significant different in the basket value (ie total sales revenue per order) when there is a discount?</a:t>
+          </a:r>
+          <a:endParaRPr lang="en-US" sz="2200" kern="1200"/>
+        </a:p>
+      </dsp:txBody>
+      <dsp:txXfrm>
+        <a:off x="0" y="1393031"/>
+        <a:ext cx="6089650" cy="1393031"/>
+      </dsp:txXfrm>
+    </dsp:sp>
+    <dsp:sp modelId="{4AE2901F-859D-3D45-9AC0-583F2411D1C1}">
+      <dsp:nvSpPr>
+        <dsp:cNvPr id="0" name=""/>
+        <dsp:cNvSpPr/>
+      </dsp:nvSpPr>
+      <dsp:spPr>
+        <a:xfrm>
+          <a:off x="0" y="2786062"/>
+          <a:ext cx="6089650" cy="0"/>
+        </a:xfrm>
+        <a:prstGeom prst="line">
+          <a:avLst/>
+        </a:prstGeom>
+        <a:solidFill>
+          <a:schemeClr val="accent4">
+            <a:hueOff val="0"/>
+            <a:satOff val="0"/>
+            <a:lumOff val="0"/>
+            <a:alphaOff val="0"/>
+          </a:schemeClr>
+        </a:solidFill>
+        <a:ln w="12700" cap="flat" cmpd="sng" algn="ctr">
+          <a:solidFill>
+            <a:schemeClr val="accent4">
+              <a:hueOff val="0"/>
+              <a:satOff val="0"/>
+              <a:lumOff val="0"/>
+              <a:alphaOff val="0"/>
+            </a:schemeClr>
+          </a:solidFill>
+          <a:prstDash val="solid"/>
+          <a:miter lim="800000"/>
+        </a:ln>
+        <a:effectLst/>
+      </dsp:spPr>
+      <dsp:style>
+        <a:lnRef idx="2">
+          <a:scrgbClr r="0" g="0" b="0"/>
+        </a:lnRef>
+        <a:fillRef idx="1">
+          <a:scrgbClr r="0" g="0" b="0"/>
+        </a:fillRef>
+        <a:effectRef idx="0">
+          <a:scrgbClr r="0" g="0" b="0"/>
+        </a:effectRef>
+        <a:fontRef idx="minor">
+          <a:schemeClr val="lt1"/>
+        </a:fontRef>
+      </dsp:style>
+    </dsp:sp>
+    <dsp:sp modelId="{5F9B1B28-EC3E-E84D-81ED-FC8E8C3BB328}">
+      <dsp:nvSpPr>
+        <dsp:cNvPr id="0" name=""/>
+        <dsp:cNvSpPr/>
+      </dsp:nvSpPr>
+      <dsp:spPr>
+        <a:xfrm>
+          <a:off x="0" y="2786062"/>
+          <a:ext cx="6089650" cy="1393031"/>
+        </a:xfrm>
+        <a:prstGeom prst="rect">
+          <a:avLst/>
+        </a:prstGeom>
+        <a:noFill/>
+        <a:ln>
+          <a:noFill/>
+        </a:ln>
+        <a:effectLst/>
+      </dsp:spPr>
+      <dsp:style>
+        <a:lnRef idx="0">
+          <a:scrgbClr r="0" g="0" b="0"/>
+        </a:lnRef>
+        <a:fillRef idx="0">
+          <a:scrgbClr r="0" g="0" b="0"/>
+        </a:fillRef>
+        <a:effectRef idx="0">
+          <a:scrgbClr r="0" g="0" b="0"/>
+        </a:effectRef>
+        <a:fontRef idx="minor"/>
+      </dsp:style>
+      <dsp:txBody>
+        <a:bodyPr spcFirstLastPara="0" vert="horz" wrap="square" lIns="83820" tIns="83820" rIns="83820" bIns="83820" numCol="1" spcCol="1270" anchor="t" anchorCtr="0">
+          <a:noAutofit/>
+        </a:bodyPr>
+        <a:lstStyle/>
+        <a:p>
+          <a:pPr marL="0" lvl="0" indent="0" algn="l" defTabSz="977900">
+            <a:lnSpc>
+              <a:spcPct val="90000"/>
+            </a:lnSpc>
+            <a:spcBef>
+              <a:spcPct val="0"/>
+            </a:spcBef>
+            <a:spcAft>
+              <a:spcPct val="35000"/>
+            </a:spcAft>
+            <a:buNone/>
+          </a:pPr>
+          <a:r>
+            <a:rPr lang="en-GB" sz="2200" kern="1200"/>
+            <a:t>Question3: Is the average sales value per transaction higher in UK than the rest of the world?</a:t>
+          </a:r>
+          <a:endParaRPr lang="en-US" sz="2200" kern="1200"/>
+        </a:p>
+      </dsp:txBody>
+      <dsp:txXfrm>
+        <a:off x="0" y="2786062"/>
+        <a:ext cx="6089650" cy="1393031"/>
+      </dsp:txXfrm>
+    </dsp:sp>
+    <dsp:sp modelId="{E8D2F26C-A355-724B-9423-36912977011F}">
+      <dsp:nvSpPr>
+        <dsp:cNvPr id="0" name=""/>
+        <dsp:cNvSpPr/>
+      </dsp:nvSpPr>
+      <dsp:spPr>
+        <a:xfrm>
+          <a:off x="0" y="4179093"/>
+          <a:ext cx="6089650" cy="0"/>
+        </a:xfrm>
+        <a:prstGeom prst="line">
+          <a:avLst/>
+        </a:prstGeom>
+        <a:solidFill>
+          <a:schemeClr val="accent5">
+            <a:hueOff val="0"/>
+            <a:satOff val="0"/>
+            <a:lumOff val="0"/>
+            <a:alphaOff val="0"/>
+          </a:schemeClr>
+        </a:solidFill>
+        <a:ln w="12700" cap="flat" cmpd="sng" algn="ctr">
+          <a:solidFill>
+            <a:schemeClr val="accent5">
+              <a:hueOff val="0"/>
+              <a:satOff val="0"/>
+              <a:lumOff val="0"/>
+              <a:alphaOff val="0"/>
+            </a:schemeClr>
+          </a:solidFill>
+          <a:prstDash val="solid"/>
+          <a:miter lim="800000"/>
+        </a:ln>
+        <a:effectLst/>
+      </dsp:spPr>
+      <dsp:style>
+        <a:lnRef idx="2">
+          <a:scrgbClr r="0" g="0" b="0"/>
+        </a:lnRef>
+        <a:fillRef idx="1">
+          <a:scrgbClr r="0" g="0" b="0"/>
+        </a:fillRef>
+        <a:effectRef idx="0">
+          <a:scrgbClr r="0" g="0" b="0"/>
+        </a:effectRef>
+        <a:fontRef idx="minor">
+          <a:schemeClr val="lt1"/>
+        </a:fontRef>
+      </dsp:style>
+    </dsp:sp>
+    <dsp:sp modelId="{EEA82F88-9184-494A-8FA4-05042EFBDB79}">
+      <dsp:nvSpPr>
+        <dsp:cNvPr id="0" name=""/>
+        <dsp:cNvSpPr/>
+      </dsp:nvSpPr>
+      <dsp:spPr>
+        <a:xfrm>
+          <a:off x="0" y="4179093"/>
+          <a:ext cx="6089650" cy="1393031"/>
+        </a:xfrm>
+        <a:prstGeom prst="rect">
+          <a:avLst/>
+        </a:prstGeom>
+        <a:noFill/>
+        <a:ln>
+          <a:noFill/>
+        </a:ln>
+        <a:effectLst/>
+      </dsp:spPr>
+      <dsp:style>
+        <a:lnRef idx="0">
+          <a:scrgbClr r="0" g="0" b="0"/>
+        </a:lnRef>
+        <a:fillRef idx="0">
+          <a:scrgbClr r="0" g="0" b="0"/>
+        </a:fillRef>
+        <a:effectRef idx="0">
+          <a:scrgbClr r="0" g="0" b="0"/>
+        </a:effectRef>
+        <a:fontRef idx="minor"/>
+      </dsp:style>
+      <dsp:txBody>
+        <a:bodyPr spcFirstLastPara="0" vert="horz" wrap="square" lIns="83820" tIns="83820" rIns="83820" bIns="83820" numCol="1" spcCol="1270" anchor="t" anchorCtr="0">
+          <a:noAutofit/>
+        </a:bodyPr>
+        <a:lstStyle/>
+        <a:p>
+          <a:pPr marL="0" lvl="0" indent="0" algn="l" defTabSz="977900">
+            <a:lnSpc>
+              <a:spcPct val="90000"/>
+            </a:lnSpc>
+            <a:spcBef>
+              <a:spcPct val="0"/>
+            </a:spcBef>
+            <a:spcAft>
+              <a:spcPct val="35000"/>
+            </a:spcAft>
+            <a:buNone/>
+          </a:pPr>
+          <a:r>
+            <a:rPr lang="en-GB" sz="2200" kern="1200"/>
+            <a:t>Question 4: Is there a difference in sales value per order when it is executed by a younger employee vs an older employee?</a:t>
+          </a:r>
+          <a:endParaRPr lang="en-US" sz="2200" kern="1200"/>
+        </a:p>
+      </dsp:txBody>
+      <dsp:txXfrm>
+        <a:off x="0" y="4179093"/>
+        <a:ext cx="6089650" cy="1393031"/>
+      </dsp:txXfrm>
+    </dsp:sp>
+  </dsp:spTree>
+</dsp:drawing>
+</file>
+
+<file path=ppt/diagrams/layout1.xml><?xml version="1.0" encoding="utf-8"?>
+<dgm:layoutDef xmlns:dgm="http://schemas.openxmlformats.org/drawingml/2006/diagram" xmlns:a="http://schemas.openxmlformats.org/drawingml/2006/main" uniqueId="urn:microsoft.com/office/officeart/2008/layout/LinedList">
+  <dgm:title val=""/>
+  <dgm:desc val=""/>
+  <dgm:catLst>
+    <dgm:cat type="hierarchy" pri="8000"/>
+    <dgm:cat type="list" pri="2500"/>
+  </dgm:catLst>
+  <dgm:sampData>
+    <dgm:dataModel>
+      <dgm:ptLst>
+        <dgm:pt modelId="0" type="doc"/>
+        <dgm:pt modelId="1">
+          <dgm:prSet phldr="1"/>
+        </dgm:pt>
+        <dgm:pt modelId="11">
+          <dgm:prSet phldr="1"/>
+        </dgm:pt>
+        <dgm:pt modelId="12">
+          <dgm:prSet phldr="1"/>
+        </dgm:pt>
+        <dgm:pt modelId="13">
+          <dgm:prSet phldr="1"/>
+        </dgm:pt>
+      </dgm:ptLst>
+      <dgm:cxnLst>
+        <dgm:cxn modelId="2" srcId="0" destId="1" srcOrd="0" destOrd="0"/>
+        <dgm:cxn modelId="3" srcId="1" destId="11" srcOrd="0" destOrd="0"/>
+        <dgm:cxn modelId="4" srcId="1" destId="12" srcOrd="1" destOrd="0"/>
+        <dgm:cxn modelId="5" srcId="1" destId="13" srcOrd="2" destOrd="0"/>
+      </dgm:cxnLst>
+      <dgm:bg/>
+      <dgm:whole/>
+    </dgm:dataModel>
+  </dgm:sampData>
+  <dgm:styleData>
+    <dgm:dataModel>
+      <dgm:ptLst>
+        <dgm:pt modelId="0" type="doc"/>
+        <dgm:pt modelId="1">
+          <dgm:prSet phldr="1"/>
+        </dgm:pt>
+        <dgm:pt modelId="11">
+          <dgm:prSet phldr="1"/>
+        </dgm:pt>
+        <dgm:pt modelId="12">
+          <dgm:prSet phldr="1"/>
+        </dgm:pt>
+      </dgm:ptLst>
+      <dgm:cxnLst>
+        <dgm:cxn modelId="2" srcId="0" destId="1" srcOrd="0" destOrd="0"/>
+        <dgm:cxn modelId="3" srcId="1" destId="11" srcOrd="0" destOrd="0"/>
+        <dgm:cxn modelId="4" srcId="1" destId="12" srcOrd="1" destOrd="0"/>
+      </dgm:cxnLst>
+      <dgm:bg/>
+      <dgm:whole/>
+    </dgm:dataModel>
+  </dgm:styleData>
+  <dgm:clrData>
+    <dgm:dataModel>
+      <dgm:ptLst>
+        <dgm:pt modelId="0" type="doc"/>
+        <dgm:pt modelId="1">
+          <dgm:prSet phldr="1"/>
+        </dgm:pt>
+        <dgm:pt modelId="11">
+          <dgm:prSet phldr="1"/>
+        </dgm:pt>
+        <dgm:pt modelId="12">
+          <dgm:prSet phldr="1"/>
+        </dgm:pt>
+      </dgm:ptLst>
+      <dgm:cxnLst>
+        <dgm:cxn modelId="2" srcId="0" destId="1" srcOrd="0" destOrd="0"/>
+        <dgm:cxn modelId="3" srcId="1" destId="11" srcOrd="0" destOrd="0"/>
+        <dgm:cxn modelId="4" srcId="1" destId="12" srcOrd="1" destOrd="0"/>
+      </dgm:cxnLst>
+      <dgm:bg/>
+      <dgm:whole/>
+    </dgm:dataModel>
+  </dgm:clrData>
+  <dgm:layoutNode name="vert0">
+    <dgm:varLst>
+      <dgm:dir/>
+      <dgm:animOne val="branch"/>
+      <dgm:animLvl val="lvl"/>
+    </dgm:varLst>
+    <dgm:choose name="Name0">
+      <dgm:if name="Name1" func="var" arg="dir" op="equ" val="norm">
+        <dgm:alg type="lin">
+          <dgm:param type="linDir" val="fromT"/>
+          <dgm:param type="nodeHorzAlign" val="l"/>
+        </dgm:alg>
+      </dgm:if>
+      <dgm:else name="Name2">
+        <dgm:alg type="lin">
+          <dgm:param type="linDir" val="fromT"/>
+          <dgm:param type="nodeHorzAlign" val="r"/>
+        </dgm:alg>
+      </dgm:else>
+    </dgm:choose>
+    <dgm:shape xmlns:r="http://schemas.openxmlformats.org/officeDocument/2006/relationships" r:blip="">
+      <dgm:adjLst/>
+    </dgm:shape>
+    <dgm:presOf/>
+    <dgm:constrLst>
+      <dgm:constr type="w" for="ch" forName="horz1" refType="w"/>
+      <dgm:constr type="h" for="ch" forName="horz1" refType="h"/>
+      <dgm:constr type="h" for="des" forName="vert1" refType="h"/>
+      <dgm:constr type="h" for="des" forName="tx1" refType="h"/>
+      <dgm:constr type="h" for="des" forName="horz2" refType="h"/>
+      <dgm:constr type="h" for="des" forName="vert2" refType="h"/>
+      <dgm:constr type="h" for="des" forName="horz3" refType="h"/>
+      <dgm:constr type="h" for="des" forName="vert3" refType="h"/>
+      <dgm:constr type="h" for="des" forName="horz4" refType="h"/>
+      <dgm:constr type="h" for="des" ptType="node" refType="h"/>
+      <dgm:constr type="primFontSz" for="des" forName="tx1" op="equ" val="65"/>
+      <dgm:constr type="primFontSz" for="des" forName="tx2" op="equ" val="65"/>
+      <dgm:constr type="primFontSz" for="des" forName="tx3" op="equ" val="65"/>
+      <dgm:constr type="primFontSz" for="des" forName="tx4" op="equ" val="65"/>
+      <dgm:constr type="w" for="des" forName="thickLine" refType="w"/>
+      <dgm:constr type="h" for="des" forName="thickLine"/>
+      <dgm:constr type="h" for="des" forName="thinLine1"/>
+      <dgm:constr type="h" for="des" forName="thinLine2b"/>
+      <dgm:constr type="h" for="des" forName="thinLine3"/>
+      <dgm:constr type="h" for="des" forName="vertSpace2a" refType="h" fact="0.05"/>
+      <dgm:constr type="h" for="des" forName="vertSpace2b" refType="h" refFor="des" refForName="vertSpace2a"/>
+    </dgm:constrLst>
+    <dgm:forEach name="Name3" axis="ch" ptType="node">
+      <dgm:layoutNode name="thickLine" styleLbl="alignNode1">
+        <dgm:alg type="sp"/>
+        <dgm:shape xmlns:r="http://schemas.openxmlformats.org/officeDocument/2006/relationships" type="line" r:blip="">
+          <dgm:adjLst/>
+        </dgm:shape>
+        <dgm:presOf/>
+      </dgm:layoutNode>
+      <dgm:layoutNode name="horz1">
+        <dgm:choose name="Name4">
+          <dgm:if name="Name5" func="var" arg="dir" op="equ" val="norm">
+            <dgm:alg type="lin">
+              <dgm:param type="linDir" val="fromL"/>
+              <dgm:param type="nodeVertAlign" val="t"/>
+            </dgm:alg>
+          </dgm:if>
+          <dgm:else name="Name6">
+            <dgm:alg type="lin">
+              <dgm:param type="linDir" val="fromR"/>
+              <dgm:param type="nodeVertAlign" val="t"/>
+            </dgm:alg>
+          </dgm:else>
+        </dgm:choose>
+        <dgm:shape xmlns:r="http://schemas.openxmlformats.org/officeDocument/2006/relationships" r:blip="">
+          <dgm:adjLst/>
+        </dgm:shape>
+        <dgm:presOf/>
+        <dgm:choose name="Name7">
+          <dgm:if name="Name8" axis="root des" func="maxDepth" op="equ" val="1">
+            <dgm:constrLst>
+              <dgm:constr type="w" for="ch" forName="tx1" refType="w"/>
+            </dgm:constrLst>
+          </dgm:if>
+          <dgm:if name="Name9" axis="root des" func="maxDepth" op="equ" val="2">
+            <dgm:constrLst>
+              <dgm:constr type="w" for="ch" forName="tx1" refType="w" fact="0.2"/>
+              <dgm:constr type="w" for="des" forName="tx2" refType="w" fact="0.785"/>
+              <dgm:constr type="w" for="des" forName="horzSpace2" refType="w" fact="0.015"/>
+              <dgm:constr type="w" for="des" forName="thinLine2b" refType="w" fact="0.8"/>
+            </dgm:constrLst>
+          </dgm:if>
+          <dgm:if name="Name10" axis="root des" func="maxDepth" op="equ" val="3">
+            <dgm:constrLst>
+              <dgm:constr type="w" for="ch" forName="tx1" refType="w" fact="0.2"/>
+              <dgm:constr type="w" for="des" forName="tx2" refType="w" fact="0.385"/>
+              <dgm:constr type="w" for="des" forName="tx3" refType="w" fact="0.385"/>
+              <dgm:constr type="w" for="des" forName="horzSpace2" refType="w" fact="0.015"/>
+              <dgm:constr type="w" for="des" forName="horzSpace3" refType="w" fact="0.015"/>
+              <dgm:constr type="w" for="des" forName="thinLine2b" refType="w" fact="0.8"/>
+              <dgm:constr type="w" for="des" forName="thinLine3" refType="w" fact="0.385"/>
+            </dgm:constrLst>
+          </dgm:if>
+          <dgm:if name="Name11" axis="root des" func="maxDepth" op="gte" val="4">
+            <dgm:constrLst>
+              <dgm:constr type="w" for="ch" forName="tx1" refType="w" fact="0.2"/>
+              <dgm:constr type="w" for="des" forName="tx2" refType="w" fact="0.2516"/>
+              <dgm:constr type="w" for="des" forName="tx3" refType="w" fact="0.2516"/>
+              <dgm:constr type="w" for="des" forName="tx4" refType="w" fact="0.2516"/>
+              <dgm:constr type="w" for="des" forName="horzSpace2" refType="w" fact="0.015"/>
+              <dgm:constr type="w" for="des" forName="horzSpace3" refType="w" fact="0.015"/>
+              <dgm:constr type="w" for="des" forName="horzSpace4" refType="w" fact="0.015"/>
+              <dgm:constr type="w" for="des" forName="thinLine2b" refType="w" fact="0.8"/>
+              <dgm:constr type="w" for="des" forName="thinLine3" refType="w" fact="0.5332"/>
+            </dgm:constrLst>
+          </dgm:if>
+          <dgm:else name="Name12"/>
+        </dgm:choose>
+        <dgm:layoutNode name="tx1" styleLbl="revTx">
+          <dgm:alg type="tx">
+            <dgm:param type="parTxLTRAlign" val="l"/>
+            <dgm:param type="parTxRTLAlign" val="r"/>
+            <dgm:param type="txAnchorVert" val="t"/>
+          </dgm:alg>
+          <dgm:shape xmlns:r="http://schemas.openxmlformats.org/officeDocument/2006/relationships" type="rect" r:blip="">
+            <dgm:adjLst/>
+          </dgm:shape>
+          <dgm:presOf axis="self"/>
+          <dgm:constrLst>
+            <dgm:constr type="tMarg" refType="primFontSz" fact="0.3"/>
+            <dgm:constr type="bMarg" refType="primFontSz" fact="0.3"/>
+            <dgm:constr type="lMarg" refType="primFontSz" fact="0.3"/>
+            <dgm:constr type="rMarg" refType="primFontSz" fact="0.3"/>
+          </dgm:constrLst>
+          <dgm:ruleLst>
+            <dgm:rule type="primFontSz" val="5" fact="NaN" max="NaN"/>
+          </dgm:ruleLst>
+        </dgm:layoutNode>
+        <dgm:layoutNode name="vert1">
+          <dgm:choose name="Name13">
+            <dgm:if name="Name14" func="var" arg="dir" op="equ" val="norm">
+              <dgm:alg type="lin">
+                <dgm:param type="linDir" val="fromT"/>
+                <dgm:param type="nodeHorzAlign" val="l"/>
+              </dgm:alg>
+            </dgm:if>
+            <dgm:else name="Name15">
+              <dgm:alg type="lin">
+                <dgm:param type="linDir" val="fromT"/>
+                <dgm:param type="nodeHorzAlign" val="r"/>
+              </dgm:alg>
+            </dgm:else>
+          </dgm:choose>
+          <dgm:shape xmlns:r="http://schemas.openxmlformats.org/officeDocument/2006/relationships" r:blip="">
+            <dgm:adjLst/>
+          </dgm:shape>
+          <dgm:presOf/>
+          <dgm:forEach name="Name16" axis="ch" ptType="node">
+            <dgm:choose name="Name17">
+              <dgm:if name="Name18" axis="self" ptType="node" func="pos" op="equ" val="1">
+                <dgm:layoutNode name="vertSpace2a">
+                  <dgm:alg type="sp"/>
+                  <dgm:shape xmlns:r="http://schemas.openxmlformats.org/officeDocument/2006/relationships" r:blip="">
+                    <dgm:adjLst/>
+                  </dgm:shape>
+                  <dgm:presOf/>
+                </dgm:layoutNode>
+              </dgm:if>
+              <dgm:else name="Name19"/>
+            </dgm:choose>
+            <dgm:layoutNode name="horz2">
+              <dgm:choose name="Name20">
+                <dgm:if name="Name21" func="var" arg="dir" op="equ" val="norm">
+                  <dgm:alg type="lin">
+                    <dgm:param type="linDir" val="fromL"/>
+                    <dgm:param type="nodeVertAlign" val="t"/>
+                  </dgm:alg>
+                </dgm:if>
+                <dgm:else name="Name22">
+                  <dgm:alg type="lin">
+                    <dgm:param type="linDir" val="fromR"/>
+                    <dgm:param type="nodeVertAlign" val="t"/>
+                  </dgm:alg>
+                </dgm:else>
+              </dgm:choose>
+              <dgm:shape xmlns:r="http://schemas.openxmlformats.org/officeDocument/2006/relationships" r:blip="">
+                <dgm:adjLst/>
+              </dgm:shape>
+              <dgm:presOf/>
+              <dgm:layoutNode name="horzSpace2">
+                <dgm:alg type="sp"/>
+                <dgm:shape xmlns:r="http://schemas.openxmlformats.org/officeDocument/2006/relationships" r:blip="">
+                  <dgm:adjLst/>
+                </dgm:shape>
+                <dgm:presOf/>
+              </dgm:layoutNode>
+              <dgm:layoutNode name="tx2" styleLbl="revTx">
+                <dgm:alg type="tx">
+                  <dgm:param type="parTxLTRAlign" val="l"/>
+                  <dgm:param type="parTxRTLAlign" val="r"/>
+                  <dgm:param type="txAnchorVert" val="t"/>
+                </dgm:alg>
+                <dgm:shape xmlns:r="http://schemas.openxmlformats.org/officeDocument/2006/relationships" type="rect" r:blip="">
+                  <dgm:adjLst/>
+                </dgm:shape>
+                <dgm:presOf axis="self"/>
+                <dgm:constrLst>
+                  <dgm:constr type="tMarg" refType="primFontSz" fact="0.3"/>
+                  <dgm:constr type="bMarg" refType="primFontSz" fact="0.3"/>
+                  <dgm:constr type="lMarg" refType="primFontSz" fact="0.3"/>
+                  <dgm:constr type="rMarg" refType="primFontSz" fact="0.3"/>
+                </dgm:constrLst>
+                <dgm:ruleLst>
+                  <dgm:rule type="primFontSz" val="5" fact="NaN" max="NaN"/>
+                </dgm:ruleLst>
+              </dgm:layoutNode>
+              <dgm:layoutNode name="vert2">
+                <dgm:choose name="Name23">
+                  <dgm:if name="Name24" func="var" arg="dir" op="equ" val="norm">
+                    <dgm:alg type="lin">
+                      <dgm:param type="linDir" val="fromT"/>
+                      <dgm:param type="nodeHorzAlign" val="l"/>
+                    </dgm:alg>
+                  </dgm:if>
+                  <dgm:else name="Name25">
+                    <dgm:alg type="lin">
+                      <dgm:param type="linDir" val="fromT"/>
+                      <dgm:param type="nodeHorzAlign" val="r"/>
+                    </dgm:alg>
+                  </dgm:else>
+                </dgm:choose>
+                <dgm:shape xmlns:r="http://schemas.openxmlformats.org/officeDocument/2006/relationships" r:blip="">
+                  <dgm:adjLst/>
+                </dgm:shape>
+                <dgm:presOf/>
+                <dgm:forEach name="Name26" axis="ch" ptType="node">
+                  <dgm:layoutNode name="horz3">
+                    <dgm:choose name="Name27">
+                      <dgm:if name="Name28" func="var" arg="dir" op="equ" val="norm">
+                        <dgm:alg type="lin">
+                          <dgm:param type="linDir" val="fromL"/>
+                          <dgm:param type="nodeVertAlign" val="t"/>
+                        </dgm:alg>
+                      </dgm:if>
+                      <dgm:else name="Name29">
+                        <dgm:alg type="lin">
+                          <dgm:param type="linDir" val="fromR"/>
+                          <dgm:param type="nodeVertAlign" val="t"/>
+                        </dgm:alg>
+                      </dgm:else>
+                    </dgm:choose>
+                    <dgm:shape xmlns:r="http://schemas.openxmlformats.org/officeDocument/2006/relationships" r:blip="">
+                      <dgm:adjLst/>
+                    </dgm:shape>
+                    <dgm:presOf/>
+                    <dgm:layoutNode name="horzSpace3">
+                      <dgm:alg type="sp"/>
+                      <dgm:shape xmlns:r="http://schemas.openxmlformats.org/officeDocument/2006/relationships" r:blip="">
+                        <dgm:adjLst/>
+                      </dgm:shape>
+                      <dgm:presOf/>
+                    </dgm:layoutNode>
+                    <dgm:layoutNode name="tx3" styleLbl="revTx">
+                      <dgm:alg type="tx">
+                        <dgm:param type="parTxLTRAlign" val="l"/>
+                        <dgm:param type="parTxRTLAlign" val="r"/>
+                        <dgm:param type="txAnchorVert" val="t"/>
+                      </dgm:alg>
+                      <dgm:shape xmlns:r="http://schemas.openxmlformats.org/officeDocument/2006/relationships" type="rect" r:blip="">
+                        <dgm:adjLst/>
+                      </dgm:shape>
+                      <dgm:presOf axis="self"/>
+                      <dgm:constrLst>
+                        <dgm:constr type="tMarg" refType="primFontSz" fact="0.3"/>
+                        <dgm:constr type="bMarg" refType="primFontSz" fact="0.3"/>
+                        <dgm:constr type="lMarg" refType="primFontSz" fact="0.3"/>
+                        <dgm:constr type="rMarg" refType="primFontSz" fact="0.3"/>
+                      </dgm:constrLst>
+                      <dgm:ruleLst>
+                        <dgm:rule type="primFontSz" val="5" fact="NaN" max="NaN"/>
+                      </dgm:ruleLst>
+                    </dgm:layoutNode>
+                    <dgm:layoutNode name="vert3">
+                      <dgm:choose name="Name30">
+                        <dgm:if name="Name31" func="var" arg="dir" op="equ" val="norm">
+                          <dgm:alg type="lin">
+                            <dgm:param type="linDir" val="fromT"/>
+                            <dgm:param type="nodeHorzAlign" val="l"/>
+                          </dgm:alg>
+                        </dgm:if>
+                        <dgm:else name="Name32">
+                          <dgm:alg type="lin">
+                            <dgm:param type="linDir" val="fromT"/>
+                            <dgm:param type="nodeHorzAlign" val="r"/>
+                          </dgm:alg>
+                        </dgm:else>
+                      </dgm:choose>
+                      <dgm:shape xmlns:r="http://schemas.openxmlformats.org/officeDocument/2006/relationships" r:blip="">
+                        <dgm:adjLst/>
+                      </dgm:shape>
+                      <dgm:presOf/>
+                      <dgm:forEach name="Name33" axis="ch" ptType="node">
+                        <dgm:layoutNode name="horz4">
+                          <dgm:choose name="Name34">
+                            <dgm:if name="Name35" func="var" arg="dir" op="equ" val="norm">
+                              <dgm:alg type="lin">
+                                <dgm:param type="linDir" val="fromL"/>
+                                <dgm:param type="nodeVertAlign" val="t"/>
+                              </dgm:alg>
+                            </dgm:if>
+                            <dgm:else name="Name36">
+                              <dgm:alg type="lin">
+                                <dgm:param type="linDir" val="fromR"/>
+                                <dgm:param type="nodeVertAlign" val="t"/>
+                              </dgm:alg>
+                            </dgm:else>
+                          </dgm:choose>
+                          <dgm:shape xmlns:r="http://schemas.openxmlformats.org/officeDocument/2006/relationships" r:blip="">
+                            <dgm:adjLst/>
+                          </dgm:shape>
+                          <dgm:presOf/>
+                          <dgm:layoutNode name="horzSpace4">
+                            <dgm:alg type="sp"/>
+                            <dgm:shape xmlns:r="http://schemas.openxmlformats.org/officeDocument/2006/relationships" r:blip="">
+                              <dgm:adjLst/>
+                            </dgm:shape>
+                            <dgm:presOf/>
+                          </dgm:layoutNode>
+                          <dgm:layoutNode name="tx4" styleLbl="revTx">
+                            <dgm:varLst>
+                              <dgm:bulletEnabled val="1"/>
+                            </dgm:varLst>
+                            <dgm:alg type="tx">
+                              <dgm:param type="parTxLTRAlign" val="l"/>
+                              <dgm:param type="parTxRTLAlign" val="r"/>
+                              <dgm:param type="txAnchorVert" val="t"/>
+                            </dgm:alg>
+                            <dgm:shape xmlns:r="http://schemas.openxmlformats.org/officeDocument/2006/relationships" type="rect" r:blip="">
+                              <dgm:adjLst/>
+                            </dgm:shape>
+                            <dgm:presOf axis="desOrSelf" ptType="node"/>
+                            <dgm:constrLst>
+                              <dgm:constr type="tMarg" refType="primFontSz" fact="0.3"/>
+                              <dgm:constr type="bMarg" refType="primFontSz" fact="0.3"/>
+                              <dgm:constr type="lMarg" refType="primFontSz" fact="0.3"/>
+                              <dgm:constr type="rMarg" refType="primFontSz" fact="0.3"/>
+                            </dgm:constrLst>
+                            <dgm:ruleLst>
+                              <dgm:rule type="primFontSz" val="5" fact="NaN" max="NaN"/>
+                            </dgm:ruleLst>
+                          </dgm:layoutNode>
+                        </dgm:layoutNode>
+                      </dgm:forEach>
+                    </dgm:layoutNode>
+                  </dgm:layoutNode>
+                  <dgm:forEach name="Name37" axis="followSib" ptType="sibTrans" cnt="1">
+                    <dgm:layoutNode name="thinLine3" styleLbl="callout">
+                      <dgm:alg type="sp"/>
+                      <dgm:shape xmlns:r="http://schemas.openxmlformats.org/officeDocument/2006/relationships" type="line" r:blip="">
+                        <dgm:adjLst/>
+                      </dgm:shape>
+                      <dgm:presOf/>
+                    </dgm:layoutNode>
+                  </dgm:forEach>
+                </dgm:forEach>
+              </dgm:layoutNode>
+            </dgm:layoutNode>
+            <dgm:layoutNode name="thinLine2b" styleLbl="callout">
+              <dgm:alg type="sp"/>
+              <dgm:shape xmlns:r="http://schemas.openxmlformats.org/officeDocument/2006/relationships" type="line" r:blip="">
+                <dgm:adjLst/>
+              </dgm:shape>
+              <dgm:presOf/>
+            </dgm:layoutNode>
+            <dgm:layoutNode name="vertSpace2b">
+              <dgm:alg type="sp"/>
+              <dgm:shape xmlns:r="http://schemas.openxmlformats.org/officeDocument/2006/relationships" r:blip="">
+                <dgm:adjLst/>
+              </dgm:shape>
+              <dgm:presOf/>
+            </dgm:layoutNode>
+          </dgm:forEach>
+        </dgm:layoutNode>
+      </dgm:layoutNode>
+    </dgm:forEach>
+  </dgm:layoutNode>
+</dgm:layoutDef>
+</file>
+
+<file path=ppt/diagrams/quickStyle1.xml><?xml version="1.0" encoding="utf-8"?>
+<dgm:styleDef xmlns:dgm="http://schemas.openxmlformats.org/drawingml/2006/diagram" xmlns:a="http://schemas.openxmlformats.org/drawingml/2006/main" uniqueId="urn:microsoft.com/office/officeart/2005/8/quickstyle/simple1">
+  <dgm:title val=""/>
+  <dgm:desc val=""/>
+  <dgm:catLst>
+    <dgm:cat type="simple" pri="10100"/>
+  </dgm:catLst>
+  <dgm:scene3d>
+    <a:camera prst="orthographicFront"/>
+    <a:lightRig rig="threePt" dir="t"/>
+  </dgm:scene3d>
+  <dgm:styleLbl name="node0">
+    <dgm:scene3d>
+      <a:camera prst="orthographicFront"/>
+      <a:lightRig rig="threePt" dir="t"/>
+    </dgm:scene3d>
+    <dgm:sp3d/>
+    <dgm:txPr/>
+    <dgm:style>
+      <a:lnRef idx="2">
+        <a:scrgbClr r="0" g="0" b="0"/>
+      </a:lnRef>
+      <a:fillRef idx="1">
+        <a:scrgbClr r="0" g="0" b="0"/>
+      </a:fillRef>
+      <a:effectRef idx="0">
+        <a:scrgbClr r="0" g="0" b="0"/>
+      </a:effectRef>
+      <a:fontRef idx="minor">
+        <a:schemeClr val="lt1"/>
+      </a:fontRef>
+    </dgm:style>
+  </dgm:styleLbl>
+  <dgm:styleLbl name="lnNode1">
+    <dgm:scene3d>
+      <a:camera prst="orthographicFront"/>
+      <a:lightRig rig="threePt" dir="t"/>
+    </dgm:scene3d>
+    <dgm:sp3d/>
+    <dgm:txPr/>
+    <dgm:style>
+      <a:lnRef idx="2">
+        <a:scrgbClr r="0" g="0" b="0"/>
+      </a:lnRef>
+      <a:fillRef idx="1">
+        <a:scrgbClr r="0" g="0" b="0"/>
+      </a:fillRef>
+      <a:effectRef idx="0">
+        <a:scrgbClr r="0" g="0" b="0"/>
+      </a:effectRef>
+      <a:fontRef idx="minor">
+        <a:schemeClr val="lt1"/>
+      </a:fontRef>
+    </dgm:style>
+  </dgm:styleLbl>
+  <dgm:styleLbl name="vennNode1">
+    <dgm:scene3d>
+      <a:camera prst="orthographicFront"/>
+      <a:lightRig rig="threePt" dir="t"/>
+    </dgm:scene3d>
+    <dgm:sp3d/>
+    <dgm:txPr/>
+    <dgm:style>
+      <a:lnRef idx="2">
+        <a:scrgbClr r="0" g="0" b="0"/>
+      </a:lnRef>
+      <a:fillRef idx="1">
+        <a:scrgbClr r="0" g="0" b="0"/>
+      </a:fillRef>
+      <a:effectRef idx="0">
+        <a:scrgbClr r="0" g="0" b="0"/>
+      </a:effectRef>
+      <a:fontRef idx="minor">
+        <a:schemeClr val="tx1"/>
+      </a:fontRef>
+    </dgm:style>
+  </dgm:styleLbl>
+  <dgm:styleLbl name="alignNode1">
+    <dgm:scene3d>
+      <a:camera prst="orthographicFront"/>
+      <a:lightRig rig="threePt" dir="t"/>
+    </dgm:scene3d>
+    <dgm:sp3d/>
+    <dgm:txPr/>
+    <dgm:style>
+      <a:lnRef idx="2">
+        <a:scrgbClr r="0" g="0" b="0"/>
+      </a:lnRef>
+      <a:fillRef idx="1">
+        <a:scrgbClr r="0" g="0" b="0"/>
+      </a:fillRef>
+      <a:effectRef idx="0">
+        <a:scrgbClr r="0" g="0" b="0"/>
+      </a:effectRef>
+      <a:fontRef idx="minor">
+        <a:schemeClr val="lt1"/>
+      </a:fontRef>
+    </dgm:style>
+  </dgm:styleLbl>
+  <dgm:styleLbl name="node1">
+    <dgm:scene3d>
+      <a:camera prst="orthographicFront"/>
+      <a:lightRig rig="threePt" dir="t"/>
+    </dgm:scene3d>
+    <dgm:sp3d/>
+    <dgm:txPr/>
+    <dgm:style>
+      <a:lnRef idx="2">
+        <a:scrgbClr r="0" g="0" b="0"/>
+      </a:lnRef>
+      <a:fillRef idx="1">
+        <a:scrgbClr r="0" g="0" b="0"/>
+      </a:fillRef>
+      <a:effectRef idx="0">
+        <a:scrgbClr r="0" g="0" b="0"/>
+      </a:effectRef>
+      <a:fontRef idx="minor">
+        <a:schemeClr val="lt1"/>
+      </a:fontRef>
+    </dgm:style>
+  </dgm:styleLbl>
+  <dgm:styleLbl name="node2">
+    <dgm:scene3d>
+      <a:camera prst="orthographicFront"/>
+      <a:lightRig rig="threePt" dir="t"/>
+    </dgm:scene3d>
+    <dgm:sp3d/>
+    <dgm:txPr/>
+    <dgm:style>
+      <a:lnRef idx="2">
+        <a:scrgbClr r="0" g="0" b="0"/>
+      </a:lnRef>
+      <a:fillRef idx="1">
+        <a:scrgbClr r="0" g="0" b="0"/>
+      </a:fillRef>
+      <a:effectRef idx="0">
+        <a:scrgbClr r="0" g="0" b="0"/>
+      </a:effectRef>
+      <a:fontRef idx="minor">
+        <a:schemeClr val="lt1"/>
+      </a:fontRef>
+    </dgm:style>
+  </dgm:styleLbl>
+  <dgm:styleLbl name="node3">
+    <dgm:scene3d>
+      <a:camera prst="orthographicFront"/>
+      <a:lightRig rig="threePt" dir="t"/>
+    </dgm:scene3d>
+    <dgm:sp3d/>
+    <dgm:txPr/>
+    <dgm:style>
+      <a:lnRef idx="2">
+        <a:scrgbClr r="0" g="0" b="0"/>
+      </a:lnRef>
+      <a:fillRef idx="1">
+        <a:scrgbClr r="0" g="0" b="0"/>
+      </a:fillRef>
+      <a:effectRef idx="0">
+        <a:scrgbClr r="0" g="0" b="0"/>
+      </a:effectRef>
+      <a:fontRef idx="minor">
+        <a:schemeClr val="lt1"/>
+      </a:fontRef>
+    </dgm:style>
+  </dgm:styleLbl>
+  <dgm:styleLbl name="node4">
+    <dgm:scene3d>
+      <a:camera prst="orthographicFront"/>
+      <a:lightRig rig="threePt" dir="t"/>
+    </dgm:scene3d>
+    <dgm:sp3d/>
+    <dgm:txPr/>
+    <dgm:style>
+      <a:lnRef idx="2">
+        <a:scrgbClr r="0" g="0" b="0"/>
+      </a:lnRef>
+      <a:fillRef idx="1">
+        <a:scrgbClr r="0" g="0" b="0"/>
+      </a:fillRef>
+      <a:effectRef idx="0">
+        <a:scrgbClr r="0" g="0" b="0"/>
+      </a:effectRef>
+      <a:fontRef idx="minor">
+        <a:schemeClr val="lt1"/>
+      </a:fontRef>
+    </dgm:style>
+  </dgm:styleLbl>
+  <dgm:styleLbl name="fgImgPlace1">
+    <dgm:scene3d>
+      <a:camera prst="orthographicFront"/>
+      <a:lightRig rig="threePt" dir="t"/>
+    </dgm:scene3d>
+    <dgm:sp3d/>
+    <dgm:txPr/>
+    <dgm:style>
+      <a:lnRef idx="2">
+        <a:scrgbClr r="0" g="0" b="0"/>
+      </a:lnRef>
+      <a:fillRef idx="1">
+        <a:scrgbClr r="0" g="0" b="0"/>
+      </a:fillRef>
+      <a:effectRef idx="0">
+        <a:scrgbClr r="0" g="0" b="0"/>
+      </a:effectRef>
+      <a:fontRef idx="minor"/>
+    </dgm:style>
+  </dgm:styleLbl>
+  <dgm:styleLbl name="alignImgPlace1">
+    <dgm:scene3d>
+      <a:camera prst="orthographicFront"/>
+      <a:lightRig rig="threePt" dir="t"/>
+    </dgm:scene3d>
+    <dgm:sp3d/>
+    <dgm:txPr/>
+    <dgm:style>
+      <a:lnRef idx="2">
+        <a:scrgbClr r="0" g="0" b="0"/>
+      </a:lnRef>
+      <a:fillRef idx="1">
+        <a:scrgbClr r="0" g="0" b="0"/>
+      </a:fillRef>
+      <a:effectRef idx="0">
+        <a:scrgbClr r="0" g="0" b="0"/>
+      </a:effectRef>
+      <a:fontRef idx="minor"/>
+    </dgm:style>
+  </dgm:styleLbl>
+  <dgm:styleLbl name="bgImgPlace1">
+    <dgm:scene3d>
+      <a:camera prst="orthographicFront"/>
+      <a:lightRig rig="threePt" dir="t"/>
+    </dgm:scene3d>
+    <dgm:sp3d/>
+    <dgm:txPr/>
+    <dgm:style>
+      <a:lnRef idx="2">
+        <a:scrgbClr r="0" g="0" b="0"/>
+      </a:lnRef>
+      <a:fillRef idx="1">
+        <a:scrgbClr r="0" g="0" b="0"/>
+      </a:fillRef>
+      <a:effectRef idx="0">
+        <a:scrgbClr r="0" g="0" b="0"/>
+      </a:effectRef>
+      <a:fontRef idx="minor"/>
+    </dgm:style>
+  </dgm:styleLbl>
+  <dgm:styleLbl name="sibTrans2D1">
+    <dgm:scene3d>
+      <a:camera prst="orthographicFront"/>
+      <a:lightRig rig="threePt" dir="t"/>
+    </dgm:scene3d>
+    <dgm:sp3d/>
+    <dgm:txPr/>
+    <dgm:style>
+      <a:lnRef idx="0">
+        <a:scrgbClr r="0" g="0" b="0"/>
+      </a:lnRef>
+      <a:fillRef idx="1">
+        <a:scrgbClr r="0" g="0" b="0"/>
+      </a:fillRef>
+      <a:effectRef idx="0">
+        <a:scrgbClr r="0" g="0" b="0"/>
+      </a:effectRef>
+      <a:fontRef idx="minor">
+        <a:schemeClr val="lt1"/>
+      </a:fontRef>
+    </dgm:style>
+  </dgm:styleLbl>
+  <dgm:styleLbl name="fgSibTrans2D1">
+    <dgm:scene3d>
+      <a:camera prst="orthographicFront"/>
+      <a:lightRig rig="threePt" dir="t"/>
+    </dgm:scene3d>
+    <dgm:sp3d/>
+    <dgm:txPr/>
+    <dgm:style>
+      <a:lnRef idx="0">
+        <a:scrgbClr r="0" g="0" b="0"/>
+      </a:lnRef>
+      <a:fillRef idx="1">
+        <a:scrgbClr r="0" g="0" b="0"/>
+      </a:fillRef>
+      <a:effectRef idx="0">
+        <a:scrgbClr r="0" g="0" b="0"/>
+      </a:effectRef>
+      <a:fontRef idx="minor">
+        <a:schemeClr val="lt1"/>
+      </a:fontRef>
+    </dgm:style>
+  </dgm:styleLbl>
+  <dgm:styleLbl name="bgSibTrans2D1">
+    <dgm:scene3d>
+      <a:camera prst="orthographicFront"/>
+      <a:lightRig rig="threePt" dir="t"/>
+    </dgm:scene3d>
+    <dgm:sp3d/>
+    <dgm:txPr/>
+    <dgm:style>
+      <a:lnRef idx="0">
+        <a:scrgbClr r="0" g="0" b="0"/>
+      </a:lnRef>
+      <a:fillRef idx="1">
+        <a:scrgbClr r="0" g="0" b="0"/>
+      </a:fillRef>
+      <a:effectRef idx="0">
+        <a:scrgbClr r="0" g="0" b="0"/>
+      </a:effectRef>
+      <a:fontRef idx="minor">
+        <a:schemeClr val="lt1"/>
+      </a:fontRef>
+    </dgm:style>
+  </dgm:styleLbl>
+  <dgm:styleLbl name="sibTrans1D1">
+    <dgm:scene3d>
+      <a:camera prst="orthographicFront"/>
+      <a:lightRig rig="threePt" dir="t"/>
+    </dgm:scene3d>
+    <dgm:sp3d/>
+    <dgm:txPr/>
+    <dgm:style>
+      <a:lnRef idx="1">
+        <a:scrgbClr r="0" g="0" b="0"/>
+      </a:lnRef>
+      <a:fillRef idx="0">
+        <a:scrgbClr r="0" g="0" b="0"/>
+      </a:fillRef>
+      <a:effectRef idx="0">
+        <a:scrgbClr r="0" g="0" b="0"/>
+      </a:effectRef>
+      <a:fontRef idx="minor"/>
+    </dgm:style>
+  </dgm:styleLbl>
+  <dgm:styleLbl name="callout">
+    <dgm:scene3d>
+      <a:camera prst="orthographicFront"/>
+      <a:lightRig rig="threePt" dir="t"/>
+    </dgm:scene3d>
+    <dgm:sp3d/>
+    <dgm:txPr/>
+    <dgm:style>
+      <a:lnRef idx="2">
+        <a:scrgbClr r="0" g="0" b="0"/>
+      </a:lnRef>
+      <a:fillRef idx="1">
+        <a:scrgbClr r="0" g="0" b="0"/>
+      </a:fillRef>
+      <a:effectRef idx="0">
+        <a:scrgbClr r="0" g="0" b="0"/>
+      </a:effectRef>
+      <a:fontRef idx="minor"/>
+    </dgm:style>
+  </dgm:styleLbl>
+  <dgm:styleLbl name="asst0">
+    <dgm:scene3d>
+      <a:camera prst="orthographicFront"/>
+      <a:lightRig rig="threePt" dir="t"/>
+    </dgm:scene3d>
+    <dgm:sp3d/>
+    <dgm:txPr/>
+    <dgm:style>
+      <a:lnRef idx="2">
+        <a:scrgbClr r="0" g="0" b="0"/>
+      </a:lnRef>
+      <a:fillRef idx="1">
+        <a:scrgbClr r="0" g="0" b="0"/>
+      </a:fillRef>
+      <a:effectRef idx="0">
+        <a:scrgbClr r="0" g="0" b="0"/>
+      </a:effectRef>
+      <a:fontRef idx="minor">
+        <a:schemeClr val="lt1"/>
+      </a:fontRef>
+    </dgm:style>
+  </dgm:styleLbl>
+  <dgm:styleLbl name="asst1">
+    <dgm:scene3d>
+      <a:camera prst="orthographicFront"/>
+      <a:lightRig rig="threePt" dir="t"/>
+    </dgm:scene3d>
+    <dgm:sp3d/>
+    <dgm:txPr/>
+    <dgm:style>
+      <a:lnRef idx="2">
+        <a:scrgbClr r="0" g="0" b="0"/>
+      </a:lnRef>
+      <a:fillRef idx="1">
+        <a:scrgbClr r="0" g="0" b="0"/>
+      </a:fillRef>
+      <a:effectRef idx="0">
+        <a:scrgbClr r="0" g="0" b="0"/>
+      </a:effectRef>
+      <a:fontRef idx="minor">
+        <a:schemeClr val="lt1"/>
+      </a:fontRef>
+    </dgm:style>
+  </dgm:styleLbl>
+  <dgm:styleLbl name="asst2">
+    <dgm:scene3d>
+      <a:camera prst="orthographicFront"/>
+      <a:lightRig rig="threePt" dir="t"/>
+    </dgm:scene3d>
+    <dgm:sp3d/>
+    <dgm:txPr/>
+    <dgm:style>
+      <a:lnRef idx="2">
+        <a:scrgbClr r="0" g="0" b="0"/>
+      </a:lnRef>
+      <a:fillRef idx="1">
+        <a:scrgbClr r="0" g="0" b="0"/>
+      </a:fillRef>
+      <a:effectRef idx="0">
+        <a:scrgbClr r="0" g="0" b="0"/>
+      </a:effectRef>
+      <a:fontRef idx="minor">
+        <a:schemeClr val="lt1"/>
+      </a:fontRef>
+    </dgm:style>
+  </dgm:styleLbl>
+  <dgm:styleLbl name="asst3">
+    <dgm:scene3d>
+      <a:camera prst="orthographicFront"/>
+      <a:lightRig rig="threePt" dir="t"/>
+    </dgm:scene3d>
+    <dgm:sp3d/>
+    <dgm:txPr/>
+    <dgm:style>
+      <a:lnRef idx="2">
+        <a:scrgbClr r="0" g="0" b="0"/>
+      </a:lnRef>
+      <a:fillRef idx="1">
+        <a:scrgbClr r="0" g="0" b="0"/>
+      </a:fillRef>
+      <a:effectRef idx="0">
+        <a:scrgbClr r="0" g="0" b="0"/>
+      </a:effectRef>
+      <a:fontRef idx="minor">
+        <a:schemeClr val="lt1"/>
+      </a:fontRef>
+    </dgm:style>
+  </dgm:styleLbl>
+  <dgm:styleLbl name="asst4">
+    <dgm:scene3d>
+      <a:camera prst="orthographicFront"/>
+      <a:lightRig rig="threePt" dir="t"/>
+    </dgm:scene3d>
+    <dgm:sp3d/>
+    <dgm:txPr/>
+    <dgm:style>
+      <a:lnRef idx="2">
+        <a:scrgbClr r="0" g="0" b="0"/>
+      </a:lnRef>
+      <a:fillRef idx="1">
+        <a:scrgbClr r="0" g="0" b="0"/>
+      </a:fillRef>
+      <a:effectRef idx="0">
+        <a:scrgbClr r="0" g="0" b="0"/>
+      </a:effectRef>
+      <a:fontRef idx="minor">
+        <a:schemeClr val="lt1"/>
+      </a:fontRef>
+    </dgm:style>
+  </dgm:styleLbl>
+  <dgm:styleLbl name="parChTrans2D1">
+    <dgm:scene3d>
+      <a:camera prst="orthographicFront"/>
+      <a:lightRig rig="threePt" dir="t"/>
+    </dgm:scene3d>
+    <dgm:sp3d/>
+    <dgm:txPr/>
+    <dgm:style>
+      <a:lnRef idx="2">
+        <a:scrgbClr r="0" g="0" b="0"/>
+      </a:lnRef>
+      <a:fillRef idx="1">
+        <a:scrgbClr r="0" g="0" b="0"/>
+      </a:fillRef>
+      <a:effectRef idx="0">
+        <a:scrgbClr r="0" g="0" b="0"/>
+      </a:effectRef>
+      <a:fontRef idx="minor">
+        <a:schemeClr val="lt1"/>
+      </a:fontRef>
+    </dgm:style>
+  </dgm:styleLbl>
+  <dgm:styleLbl name="parChTrans2D2">
+    <dgm:scene3d>
+      <a:camera prst="orthographicFront"/>
+      <a:lightRig rig="threePt" dir="t"/>
+    </dgm:scene3d>
+    <dgm:sp3d/>
+    <dgm:txPr/>
+    <dgm:style>
+      <a:lnRef idx="2">
+        <a:scrgbClr r="0" g="0" b="0"/>
+      </a:lnRef>
+      <a:fillRef idx="1">
+        <a:scrgbClr r="0" g="0" b="0"/>
+      </a:fillRef>
+      <a:effectRef idx="0">
+        <a:scrgbClr r="0" g="0" b="0"/>
+      </a:effectRef>
+      <a:fontRef idx="minor">
+        <a:schemeClr val="lt1"/>
+      </a:fontRef>
+    </dgm:style>
+  </dgm:styleLbl>
+  <dgm:styleLbl name="parChTrans2D3">
+    <dgm:scene3d>
+      <a:camera prst="orthographicFront"/>
+      <a:lightRig rig="threePt" dir="t"/>
+    </dgm:scene3d>
+    <dgm:sp3d/>
+    <dgm:txPr/>
+    <dgm:style>
+      <a:lnRef idx="2">
+        <a:scrgbClr r="0" g="0" b="0"/>
+      </a:lnRef>
+      <a:fillRef idx="1">
+        <a:scrgbClr r="0" g="0" b="0"/>
+      </a:fillRef>
+      <a:effectRef idx="0">
+        <a:scrgbClr r="0" g="0" b="0"/>
+      </a:effectRef>
+      <a:fontRef idx="minor">
+        <a:schemeClr val="lt1"/>
+      </a:fontRef>
+    </dgm:style>
+  </dgm:styleLbl>
+  <dgm:styleLbl name="parChTrans2D4">
+    <dgm:scene3d>
+      <a:camera prst="orthographicFront"/>
+      <a:lightRig rig="threePt" dir="t"/>
+    </dgm:scene3d>
+    <dgm:sp3d/>
+    <dgm:txPr/>
+    <dgm:style>
+      <a:lnRef idx="2">
+        <a:scrgbClr r="0" g="0" b="0"/>
+      </a:lnRef>
+      <a:fillRef idx="1">
+        <a:scrgbClr r="0" g="0" b="0"/>
+      </a:fillRef>
+      <a:effectRef idx="0">
+        <a:scrgbClr r="0" g="0" b="0"/>
+      </a:effectRef>
+      <a:fontRef idx="minor">
+        <a:schemeClr val="lt1"/>
+      </a:fontRef>
+    </dgm:style>
+  </dgm:styleLbl>
+  <dgm:styleLbl name="parChTrans1D1">
+    <dgm:scene3d>
+      <a:camera prst="orthographicFront"/>
+      <a:lightRig rig="threePt" dir="t"/>
+    </dgm:scene3d>
+    <dgm:sp3d/>
+    <dgm:txPr/>
+    <dgm:style>
+      <a:lnRef idx="2">
+        <a:scrgbClr r="0" g="0" b="0"/>
+      </a:lnRef>
+      <a:fillRef idx="0">
+        <a:scrgbClr r="0" g="0" b="0"/>
+      </a:fillRef>
+      <a:effectRef idx="0">
+        <a:scrgbClr r="0" g="0" b="0"/>
+      </a:effectRef>
+      <a:fontRef idx="minor"/>
+    </dgm:style>
+  </dgm:styleLbl>
+  <dgm:styleLbl name="parChTrans1D2">
+    <dgm:scene3d>
+      <a:camera prst="orthographicFront"/>
+      <a:lightRig rig="threePt" dir="t"/>
+    </dgm:scene3d>
+    <dgm:sp3d/>
+    <dgm:txPr/>
+    <dgm:style>
+      <a:lnRef idx="2">
+        <a:scrgbClr r="0" g="0" b="0"/>
+      </a:lnRef>
+      <a:fillRef idx="0">
+        <a:scrgbClr r="0" g="0" b="0"/>
+      </a:fillRef>
+      <a:effectRef idx="0">
+        <a:scrgbClr r="0" g="0" b="0"/>
+      </a:effectRef>
+      <a:fontRef idx="minor"/>
+    </dgm:style>
+  </dgm:styleLbl>
+  <dgm:styleLbl name="parChTrans1D3">
+    <dgm:scene3d>
+      <a:camera prst="orthographicFront"/>
+      <a:lightRig rig="threePt" dir="t"/>
+    </dgm:scene3d>
+    <dgm:sp3d/>
+    <dgm:txPr/>
+    <dgm:style>
+      <a:lnRef idx="2">
+        <a:scrgbClr r="0" g="0" b="0"/>
+      </a:lnRef>
+      <a:fillRef idx="0">
+        <a:scrgbClr r="0" g="0" b="0"/>
+      </a:fillRef>
+      <a:effectRef idx="0">
+        <a:scrgbClr r="0" g="0" b="0"/>
+      </a:effectRef>
+      <a:fontRef idx="minor"/>
+    </dgm:style>
+  </dgm:styleLbl>
+  <dgm:styleLbl name="parChTrans1D4">
+    <dgm:scene3d>
+      <a:camera prst="orthographicFront"/>
+      <a:lightRig rig="threePt" dir="t"/>
+    </dgm:scene3d>
+    <dgm:sp3d/>
+    <dgm:txPr/>
+    <dgm:style>
+      <a:lnRef idx="2">
+        <a:scrgbClr r="0" g="0" b="0"/>
+      </a:lnRef>
+      <a:fillRef idx="0">
+        <a:scrgbClr r="0" g="0" b="0"/>
+      </a:fillRef>
+      <a:effectRef idx="0">
+        <a:scrgbClr r="0" g="0" b="0"/>
+      </a:effectRef>
+      <a:fontRef idx="minor"/>
+    </dgm:style>
+  </dgm:styleLbl>
+  <dgm:styleLbl name="fgAcc1">
+    <dgm:scene3d>
+      <a:camera prst="orthographicFront"/>
+      <a:lightRig rig="threePt" dir="t"/>
+    </dgm:scene3d>
+    <dgm:sp3d/>
+    <dgm:txPr/>
+    <dgm:style>
+      <a:lnRef idx="2">
+        <a:scrgbClr r="0" g="0" b="0"/>
+      </a:lnRef>
+      <a:fillRef idx="1">
+        <a:scrgbClr r="0" g="0" b="0"/>
+      </a:fillRef>
+      <a:effectRef idx="0">
+        <a:scrgbClr r="0" g="0" b="0"/>
+      </a:effectRef>
+      <a:fontRef idx="minor"/>
+    </dgm:style>
+  </dgm:styleLbl>
+  <dgm:styleLbl name="conFgAcc1">
+    <dgm:scene3d>
+      <a:camera prst="orthographicFront"/>
+      <a:lightRig rig="threePt" dir="t"/>
+    </dgm:scene3d>
+    <dgm:sp3d/>
+    <dgm:txPr/>
+    <dgm:style>
+      <a:lnRef idx="2">
+        <a:scrgbClr r="0" g="0" b="0"/>
+      </a:lnRef>
+      <a:fillRef idx="1">
+        <a:scrgbClr r="0" g="0" b="0"/>
+      </a:fillRef>
+      <a:effectRef idx="0">
+        <a:scrgbClr r="0" g="0" b="0"/>
+      </a:effectRef>
+      <a:fontRef idx="minor"/>
+    </dgm:style>
+  </dgm:styleLbl>
+  <dgm:styleLbl name="alignAcc1">
+    <dgm:scene3d>
+      <a:camera prst="orthographicFront"/>
+      <a:lightRig rig="threePt" dir="t"/>
+    </dgm:scene3d>
+    <dgm:sp3d/>
+    <dgm:txPr/>
+    <dgm:style>
+      <a:lnRef idx="2">
+        <a:scrgbClr r="0" g="0" b="0"/>
+      </a:lnRef>
+      <a:fillRef idx="1">
+        <a:scrgbClr r="0" g="0" b="0"/>
+      </a:fillRef>
+      <a:effectRef idx="0">
+        <a:scrgbClr r="0" g="0" b="0"/>
+      </a:effectRef>
+      <a:fontRef idx="minor"/>
+    </dgm:style>
+  </dgm:styleLbl>
+  <dgm:styleLbl name="trAlignAcc1">
+    <dgm:scene3d>
+      <a:camera prst="orthographicFront"/>
+      <a:lightRig rig="threePt" dir="t"/>
+    </dgm:scene3d>
+    <dgm:sp3d/>
+    <dgm:txPr/>
+    <dgm:style>
+      <a:lnRef idx="1">
+        <a:scrgbClr r="0" g="0" b="0"/>
+      </a:lnRef>
+      <a:fillRef idx="1">
+        <a:scrgbClr r="0" g="0" b="0"/>
+      </a:fillRef>
+      <a:effectRef idx="0">
+        <a:scrgbClr r="0" g="0" b="0"/>
+      </a:effectRef>
+      <a:fontRef idx="minor"/>
+    </dgm:style>
+  </dgm:styleLbl>
+  <dgm:styleLbl name="bgAcc1">
+    <dgm:scene3d>
+      <a:camera prst="orthographicFront"/>
+      <a:lightRig rig="threePt" dir="t"/>
+    </dgm:scene3d>
+    <dgm:sp3d/>
+    <dgm:txPr/>
+    <dgm:style>
+      <a:lnRef idx="2">
+        <a:scrgbClr r="0" g="0" b="0"/>
+      </a:lnRef>
+      <a:fillRef idx="1">
+        <a:scrgbClr r="0" g="0" b="0"/>
+      </a:fillRef>
+      <a:effectRef idx="0">
+        <a:scrgbClr r="0" g="0" b="0"/>
+      </a:effectRef>
+      <a:fontRef idx="minor"/>
+    </dgm:style>
+  </dgm:styleLbl>
+  <dgm:styleLbl name="solidFgAcc1">
+    <dgm:scene3d>
+      <a:camera prst="orthographicFront"/>
+      <a:lightRig rig="threePt" dir="t"/>
+    </dgm:scene3d>
+    <dgm:sp3d/>
+    <dgm:txPr/>
+    <dgm:style>
+      <a:lnRef idx="2">
+        <a:scrgbClr r="0" g="0" b="0"/>
+      </a:lnRef>
+      <a:fillRef idx="1">
+        <a:scrgbClr r="0" g="0" b="0"/>
+      </a:fillRef>
+      <a:effectRef idx="0">
+        <a:scrgbClr r="0" g="0" b="0"/>
+      </a:effectRef>
+      <a:fontRef idx="minor"/>
+    </dgm:style>
+  </dgm:styleLbl>
+  <dgm:styleLbl name="solidAlignAcc1">
+    <dgm:scene3d>
+      <a:camera prst="orthographicFront"/>
+      <a:lightRig rig="threePt" dir="t"/>
+    </dgm:scene3d>
+    <dgm:sp3d/>
+    <dgm:txPr/>
+    <dgm:style>
+      <a:lnRef idx="2">
+        <a:scrgbClr r="0" g="0" b="0"/>
+      </a:lnRef>
+      <a:fillRef idx="1">
+        <a:scrgbClr r="0" g="0" b="0"/>
+      </a:fillRef>
+      <a:effectRef idx="0">
+        <a:scrgbClr r="0" g="0" b="0"/>
+      </a:effectRef>
+      <a:fontRef idx="minor"/>
+    </dgm:style>
+  </dgm:styleLbl>
+  <dgm:styleLbl name="solidBgAcc1">
+    <dgm:scene3d>
+      <a:camera prst="orthographicFront"/>
+      <a:lightRig rig="threePt" dir="t"/>
+    </dgm:scene3d>
+    <dgm:sp3d/>
+    <dgm:txPr/>
+    <dgm:style>
+      <a:lnRef idx="2">
+        <a:scrgbClr r="0" g="0" b="0"/>
+      </a:lnRef>
+      <a:fillRef idx="1">
+        <a:scrgbClr r="0" g="0" b="0"/>
+      </a:fillRef>
+      <a:effectRef idx="0">
+        <a:scrgbClr r="0" g="0" b="0"/>
+      </a:effectRef>
+      <a:fontRef idx="minor"/>
+    </dgm:style>
+  </dgm:styleLbl>
+  <dgm:styleLbl name="fgAccFollowNode1">
+    <dgm:scene3d>
+      <a:camera prst="orthographicFront"/>
+      <a:lightRig rig="threePt" dir="t"/>
+    </dgm:scene3d>
+    <dgm:sp3d/>
+    <dgm:txPr/>
+    <dgm:style>
+      <a:lnRef idx="2">
+        <a:scrgbClr r="0" g="0" b="0"/>
+      </a:lnRef>
+      <a:fillRef idx="1">
+        <a:scrgbClr r="0" g="0" b="0"/>
+      </a:fillRef>
+      <a:effectRef idx="0">
+        <a:scrgbClr r="0" g="0" b="0"/>
+      </a:effectRef>
+      <a:fontRef idx="minor"/>
+    </dgm:style>
+  </dgm:styleLbl>
+  <dgm:styleLbl name="alignAccFollowNode1">
+    <dgm:scene3d>
+      <a:camera prst="orthographicFront"/>
+      <a:lightRig rig="threePt" dir="t"/>
+    </dgm:scene3d>
+    <dgm:sp3d/>
+    <dgm:txPr/>
+    <dgm:style>
+      <a:lnRef idx="2">
+        <a:scrgbClr r="0" g="0" b="0"/>
+      </a:lnRef>
+      <a:fillRef idx="1">
+        <a:scrgbClr r="0" g="0" b="0"/>
+      </a:fillRef>
+      <a:effectRef idx="0">
+        <a:scrgbClr r="0" g="0" b="0"/>
+      </a:effectRef>
+      <a:fontRef idx="minor"/>
+    </dgm:style>
+  </dgm:styleLbl>
+  <dgm:styleLbl name="bgAccFollowNode1">
+    <dgm:scene3d>
+      <a:camera prst="orthographicFront"/>
+      <a:lightRig rig="threePt" dir="t"/>
+    </dgm:scene3d>
+    <dgm:sp3d/>
+    <dgm:txPr/>
+    <dgm:style>
+      <a:lnRef idx="2">
+        <a:scrgbClr r="0" g="0" b="0"/>
+      </a:lnRef>
+      <a:fillRef idx="1">
+        <a:scrgbClr r="0" g="0" b="0"/>
+      </a:fillRef>
+      <a:effectRef idx="0">
+        <a:scrgbClr r="0" g="0" b="0"/>
+      </a:effectRef>
+      <a:fontRef idx="minor"/>
+    </dgm:style>
+  </dgm:styleLbl>
+  <dgm:styleLbl name="fgAcc0">
+    <dgm:scene3d>
+      <a:camera prst="orthographicFront"/>
+      <a:lightRig rig="threePt" dir="t"/>
+    </dgm:scene3d>
+    <dgm:sp3d/>
+    <dgm:txPr/>
+    <dgm:style>
+      <a:lnRef idx="2">
+        <a:scrgbClr r="0" g="0" b="0"/>
+      </a:lnRef>
+      <a:fillRef idx="1">
+        <a:scrgbClr r="0" g="0" b="0"/>
+      </a:fillRef>
+      <a:effectRef idx="0">
+        <a:scrgbClr r="0" g="0" b="0"/>
+      </a:effectRef>
+      <a:fontRef idx="minor"/>
+    </dgm:style>
+  </dgm:styleLbl>
+  <dgm:styleLbl name="fgAcc2">
+    <dgm:scene3d>
+      <a:camera prst="orthographicFront"/>
+      <a:lightRig rig="threePt" dir="t"/>
+    </dgm:scene3d>
+    <dgm:sp3d/>
+    <dgm:txPr/>
+    <dgm:style>
+      <a:lnRef idx="2">
+        <a:scrgbClr r="0" g="0" b="0"/>
+      </a:lnRef>
+      <a:fillRef idx="1">
+        <a:scrgbClr r="0" g="0" b="0"/>
+      </a:fillRef>
+      <a:effectRef idx="0">
+        <a:scrgbClr r="0" g="0" b="0"/>
+      </a:effectRef>
+      <a:fontRef idx="minor"/>
+    </dgm:style>
+  </dgm:styleLbl>
+  <dgm:styleLbl name="fgAcc3">
+    <dgm:scene3d>
+      <a:camera prst="orthographicFront"/>
+      <a:lightRig rig="threePt" dir="t"/>
+    </dgm:scene3d>
+    <dgm:sp3d/>
+    <dgm:txPr/>
+    <dgm:style>
+      <a:lnRef idx="2">
+        <a:scrgbClr r="0" g="0" b="0"/>
+      </a:lnRef>
+      <a:fillRef idx="1">
+        <a:scrgbClr r="0" g="0" b="0"/>
+      </a:fillRef>
+      <a:effectRef idx="0">
+        <a:scrgbClr r="0" g="0" b="0"/>
+      </a:effectRef>
+      <a:fontRef idx="minor"/>
+    </dgm:style>
+  </dgm:styleLbl>
+  <dgm:styleLbl name="fgAcc4">
+    <dgm:scene3d>
+      <a:camera prst="orthographicFront"/>
+      <a:lightRig rig="threePt" dir="t"/>
+    </dgm:scene3d>
+    <dgm:sp3d/>
+    <dgm:txPr/>
+    <dgm:style>
+      <a:lnRef idx="2">
+        <a:scrgbClr r="0" g="0" b="0"/>
+      </a:lnRef>
+      <a:fillRef idx="1">
+        <a:scrgbClr r="0" g="0" b="0"/>
+      </a:fillRef>
+      <a:effectRef idx="0">
+        <a:scrgbClr r="0" g="0" b="0"/>
+      </a:effectRef>
+      <a:fontRef idx="minor"/>
+    </dgm:style>
+  </dgm:styleLbl>
+  <dgm:styleLbl name="bgShp">
+    <dgm:scene3d>
+      <a:camera prst="orthographicFront"/>
+      <a:lightRig rig="threePt" dir="t"/>
+    </dgm:scene3d>
+    <dgm:sp3d/>
+    <dgm:txPr/>
+    <dgm:style>
+      <a:lnRef idx="0">
+        <a:scrgbClr r="0" g="0" b="0"/>
+      </a:lnRef>
+      <a:fillRef idx="1">
+        <a:scrgbClr r="0" g="0" b="0"/>
+      </a:fillRef>
+      <a:effectRef idx="0">
+        <a:scrgbClr r="0" g="0" b="0"/>
+      </a:effectRef>
+      <a:fontRef idx="minor"/>
+    </dgm:style>
+  </dgm:styleLbl>
+  <dgm:styleLbl name="dkBgShp">
+    <dgm:scene3d>
+      <a:camera prst="orthographicFront"/>
+      <a:lightRig rig="threePt" dir="t"/>
+    </dgm:scene3d>
+    <dgm:sp3d/>
+    <dgm:txPr/>
+    <dgm:style>
+      <a:lnRef idx="0">
+        <a:scrgbClr r="0" g="0" b="0"/>
+      </a:lnRef>
+      <a:fillRef idx="1">
+        <a:scrgbClr r="0" g="0" b="0"/>
+      </a:fillRef>
+      <a:effectRef idx="0">
+        <a:scrgbClr r="0" g="0" b="0"/>
+      </a:effectRef>
+      <a:fontRef idx="minor"/>
+    </dgm:style>
+  </dgm:styleLbl>
+  <dgm:styleLbl name="trBgShp">
+    <dgm:scene3d>
+      <a:camera prst="orthographicFront"/>
+      <a:lightRig rig="threePt" dir="t"/>
+    </dgm:scene3d>
+    <dgm:sp3d/>
+    <dgm:txPr/>
+    <dgm:style>
+      <a:lnRef idx="0">
+        <a:scrgbClr r="0" g="0" b="0"/>
+      </a:lnRef>
+      <a:fillRef idx="1">
+        <a:scrgbClr r="0" g="0" b="0"/>
+      </a:fillRef>
+      <a:effectRef idx="0">
+        <a:scrgbClr r="0" g="0" b="0"/>
+      </a:effectRef>
+      <a:fontRef idx="minor"/>
+    </dgm:style>
+  </dgm:styleLbl>
+  <dgm:styleLbl name="fgShp">
+    <dgm:scene3d>
+      <a:camera prst="orthographicFront"/>
+      <a:lightRig rig="threePt" dir="t"/>
+    </dgm:scene3d>
+    <dgm:sp3d/>
+    <dgm:txPr/>
+    <dgm:style>
+      <a:lnRef idx="2">
+        <a:scrgbClr r="0" g="0" b="0"/>
+      </a:lnRef>
+      <a:fillRef idx="1">
+        <a:scrgbClr r="0" g="0" b="0"/>
+      </a:fillRef>
+      <a:effectRef idx="0">
+        <a:scrgbClr r="0" g="0" b="0"/>
+      </a:effectRef>
+      <a:fontRef idx="minor"/>
+    </dgm:style>
+  </dgm:styleLbl>
+  <dgm:styleLbl name="revTx">
+    <dgm:scene3d>
+      <a:camera prst="orthographicFront"/>
+      <a:lightRig rig="threePt" dir="t"/>
+    </dgm:scene3d>
+    <dgm:sp3d/>
+    <dgm:txPr/>
+    <dgm:style>
+      <a:lnRef idx="0">
+        <a:scrgbClr r="0" g="0" b="0"/>
+      </a:lnRef>
+      <a:fillRef idx="0">
+        <a:scrgbClr r="0" g="0" b="0"/>
+      </a:fillRef>
+      <a:effectRef idx="0">
+        <a:scrgbClr r="0" g="0" b="0"/>
+      </a:effectRef>
+      <a:fontRef idx="minor"/>
+    </dgm:style>
+  </dgm:styleLbl>
+</dgm:styleDef>
 </file>
 
 <file path=ppt/slideLayouts/slideLayout1.xml><?xml version="1.0" encoding="utf-8"?>
@@ -3313,6 +6474,14 @@
 <file path=ppt/slides/slide1.xml><?xml version="1.0" encoding="utf-8"?>
 <p:sld xmlns:a="http://schemas.openxmlformats.org/drawingml/2006/main" xmlns:r="http://schemas.openxmlformats.org/officeDocument/2006/relationships" xmlns:p="http://schemas.openxmlformats.org/presentationml/2006/main">
   <p:cSld>
+    <p:bg>
+      <p:bgPr>
+        <a:solidFill>
+          <a:schemeClr val="bg1"/>
+        </a:solidFill>
+        <a:effectLst/>
+      </p:bgPr>
+    </p:bg>
     <p:spTree>
       <p:nvGrpSpPr>
         <p:cNvPr id="1" name=""/>
@@ -3329,6 +6498,72 @@
       </p:grpSpPr>
       <p:sp>
         <p:nvSpPr>
+          <p:cNvPr id="8" name="Rectangle 7">
+            <a:extLst>
+              <a:ext uri="{FF2B5EF4-FFF2-40B4-BE49-F238E27FC236}">
+                <a16:creationId xmlns:a16="http://schemas.microsoft.com/office/drawing/2014/main" id="{3EDD119B-6BFA-4C3F-90CE-97DAFD604ECC}"/>
+              </a:ext>
+              <a:ext uri="{C183D7F6-B498-43B3-948B-1728B52AA6E4}">
+                <adec:decorative xmlns:adec="http://schemas.microsoft.com/office/drawing/2017/decorative" val="1"/>
+              </a:ext>
+            </a:extLst>
+          </p:cNvPr>
+          <p:cNvSpPr>
+            <a:spLocks noGrp="1" noRot="1" noChangeAspect="1" noMove="1" noResize="1" noEditPoints="1" noAdjustHandles="1" noChangeArrowheads="1" noChangeShapeType="1" noTextEdit="1"/>
+          </p:cNvSpPr>
+          <p:nvPr>
+            <p:extLst>
+              <p:ext uri="{386F3935-93C4-4BCD-93E2-E3B085C9AB24}">
+                <p16:designElem xmlns:p16="http://schemas.microsoft.com/office/powerpoint/2015/main" val="1"/>
+              </p:ext>
+            </p:extLst>
+          </p:nvPr>
+        </p:nvSpPr>
+        <p:spPr bwMode="ltGray">
+          <a:xfrm>
+            <a:off x="321564" y="320040"/>
+            <a:ext cx="11548872" cy="6217920"/>
+          </a:xfrm>
+          <a:prstGeom prst="rect">
+            <a:avLst/>
+          </a:prstGeom>
+          <a:solidFill>
+            <a:schemeClr val="tx1">
+              <a:lumMod val="75000"/>
+              <a:lumOff val="25000"/>
+            </a:schemeClr>
+          </a:solidFill>
+          <a:ln w="127000" cap="sq" cmpd="thinThick">
+            <a:noFill/>
+          </a:ln>
+        </p:spPr>
+        <p:style>
+          <a:lnRef idx="2">
+            <a:schemeClr val="accent1">
+              <a:shade val="50000"/>
+            </a:schemeClr>
+          </a:lnRef>
+          <a:fillRef idx="1">
+            <a:schemeClr val="accent1"/>
+          </a:fillRef>
+          <a:effectRef idx="0">
+            <a:schemeClr val="accent1"/>
+          </a:effectRef>
+          <a:fontRef idx="minor">
+            <a:schemeClr val="lt1"/>
+          </a:fontRef>
+        </p:style>
+        <p:txBody>
+          <a:bodyPr rtlCol="0" anchor="ctr"/>
+          <a:lstStyle/>
+          <a:p>
+            <a:pPr algn="ctr"/>
+            <a:endParaRPr lang="en-US"/>
+          </a:p>
+        </p:txBody>
+      </p:sp>
+      <p:sp>
+        <p:nvSpPr>
           <p:cNvPr id="2" name="Title 1">
             <a:extLst>
               <a:ext uri="{FF2B5EF4-FFF2-40B4-BE49-F238E27FC236}">
@@ -3343,13 +6578,25 @@
             <p:ph type="ctrTitle"/>
           </p:nvPr>
         </p:nvSpPr>
-        <p:spPr/>
+        <p:spPr>
+          <a:xfrm>
+            <a:off x="4380588" y="965199"/>
+            <a:ext cx="6766078" cy="4927601"/>
+          </a:xfrm>
+        </p:spPr>
         <p:txBody>
-          <a:bodyPr/>
+          <a:bodyPr anchor="ctr">
+            <a:normAutofit/>
+          </a:bodyPr>
           <a:lstStyle/>
           <a:p>
-            <a:r>
-              <a:rPr lang="en-US" dirty="0"/>
+            <a:pPr algn="l"/>
+            <a:r>
+              <a:rPr lang="en-US" sz="4800" dirty="0">
+                <a:solidFill>
+                  <a:schemeClr val="bg1"/>
+                </a:solidFill>
+              </a:rPr>
               <a:t>Project 2</a:t>
             </a:r>
           </a:p>
@@ -3371,27 +6618,101 @@
             <p:ph type="subTitle" idx="1"/>
           </p:nvPr>
         </p:nvSpPr>
-        <p:spPr/>
+        <p:spPr>
+          <a:xfrm>
+            <a:off x="1023257" y="965198"/>
+            <a:ext cx="2707937" cy="4927602"/>
+          </a:xfrm>
+        </p:spPr>
         <p:txBody>
-          <a:bodyPr/>
+          <a:bodyPr anchor="ctr">
+            <a:normAutofit/>
+          </a:bodyPr>
           <a:lstStyle/>
           <a:p>
-            <a:endParaRPr lang="en-US" dirty="0"/>
-          </a:p>
-          <a:p>
-            <a:r>
-              <a:rPr lang="en-US" dirty="0"/>
+            <a:pPr algn="r"/>
+            <a:endParaRPr lang="en-US" sz="2000" dirty="0">
+              <a:solidFill>
+                <a:srgbClr val="FFC000"/>
+              </a:solidFill>
+            </a:endParaRPr>
+          </a:p>
+          <a:p>
+            <a:pPr algn="r"/>
+            <a:r>
+              <a:rPr lang="en-US" sz="2000" dirty="0">
+                <a:solidFill>
+                  <a:srgbClr val="FFC000"/>
+                </a:solidFill>
+              </a:rPr>
               <a:t>By Alex Lu</a:t>
             </a:r>
           </a:p>
           <a:p>
-            <a:r>
-              <a:rPr lang="en-US" dirty="0"/>
-              <a:t>April 11, 2019</a:t>
+            <a:pPr algn="r"/>
+            <a:r>
+              <a:rPr lang="en-US" sz="2000" dirty="0">
+                <a:solidFill>
+                  <a:srgbClr val="FFC000"/>
+                </a:solidFill>
+              </a:rPr>
+              <a:t>April 2019</a:t>
             </a:r>
           </a:p>
         </p:txBody>
       </p:sp>
+      <p:cxnSp>
+        <p:nvCxnSpPr>
+          <p:cNvPr id="10" name="Straight Connector 9">
+            <a:extLst>
+              <a:ext uri="{FF2B5EF4-FFF2-40B4-BE49-F238E27FC236}">
+                <a16:creationId xmlns:a16="http://schemas.microsoft.com/office/drawing/2014/main" id="{DC1572D0-F0FD-4D84-8F82-DC59140EB9BB}"/>
+              </a:ext>
+              <a:ext uri="{C183D7F6-B498-43B3-948B-1728B52AA6E4}">
+                <adec:decorative xmlns:adec="http://schemas.microsoft.com/office/drawing/2017/decorative" val="1"/>
+              </a:ext>
+            </a:extLst>
+          </p:cNvPr>
+          <p:cNvCxnSpPr>
+            <a:cxnSpLocks noGrp="1" noRot="1" noChangeAspect="1" noMove="1" noResize="1" noEditPoints="1" noAdjustHandles="1" noChangeArrowheads="1" noChangeShapeType="1"/>
+          </p:cNvCxnSpPr>
+          <p:nvPr>
+            <p:extLst>
+              <p:ext uri="{386F3935-93C4-4BCD-93E2-E3B085C9AB24}">
+                <p16:designElem xmlns:p16="http://schemas.microsoft.com/office/powerpoint/2015/main" val="1"/>
+              </p:ext>
+            </p:extLst>
+          </p:nvPr>
+        </p:nvCxnSpPr>
+        <p:spPr>
+          <a:xfrm>
+            <a:off x="4055891" y="2057399"/>
+            <a:ext cx="0" cy="2743200"/>
+          </a:xfrm>
+          <a:prstGeom prst="line">
+            <a:avLst/>
+          </a:prstGeom>
+          <a:ln w="19050">
+            <a:solidFill>
+              <a:schemeClr val="bg1"/>
+            </a:solidFill>
+          </a:ln>
+        </p:spPr>
+        <p:style>
+          <a:lnRef idx="1">
+            <a:schemeClr val="accent1"/>
+          </a:lnRef>
+          <a:fillRef idx="0">
+            <a:schemeClr val="accent1"/>
+          </a:fillRef>
+          <a:effectRef idx="0">
+            <a:schemeClr val="accent1"/>
+          </a:effectRef>
+          <a:fontRef idx="minor">
+            <a:schemeClr val="tx1"/>
+          </a:fontRef>
+        </p:style>
+      </p:cxnSp>
     </p:spTree>
     <p:extLst>
       <p:ext uri="{BB962C8B-B14F-4D97-AF65-F5344CB8AC3E}">
@@ -3405,7 +6726,262 @@
 </p:sld>
 </file>
 
-<file path=ppt/slides/slide2.xml><?xml version="1.0" encoding="utf-8"?>
+<file path=ppt/slides/slide10.xml><?xml version="1.0" encoding="utf-8"?>
+<p:sld xmlns:a="http://schemas.openxmlformats.org/drawingml/2006/main" xmlns:r="http://schemas.openxmlformats.org/officeDocument/2006/relationships" xmlns:p="http://schemas.openxmlformats.org/presentationml/2006/main">
+  <p:cSld>
+    <p:bg>
+      <p:bgPr>
+        <a:solidFill>
+          <a:schemeClr val="bg1"/>
+        </a:solidFill>
+        <a:effectLst/>
+      </p:bgPr>
+    </p:bg>
+    <p:spTree>
+      <p:nvGrpSpPr>
+        <p:cNvPr id="1" name=""/>
+        <p:cNvGrpSpPr/>
+        <p:nvPr/>
+      </p:nvGrpSpPr>
+      <p:grpSpPr>
+        <a:xfrm>
+          <a:off x="0" y="0"/>
+          <a:ext cx="0" cy="0"/>
+          <a:chOff x="0" y="0"/>
+          <a:chExt cx="0" cy="0"/>
+        </a:xfrm>
+      </p:grpSpPr>
+      <p:sp>
+        <p:nvSpPr>
+          <p:cNvPr id="9" name="Rectangle 8">
+            <a:extLst>
+              <a:ext uri="{FF2B5EF4-FFF2-40B4-BE49-F238E27FC236}">
+                <a16:creationId xmlns:a16="http://schemas.microsoft.com/office/drawing/2014/main" id="{867D4867-5BA7-4462-B2F6-A23F4A622AA7}"/>
+              </a:ext>
+              <a:ext uri="{C183D7F6-B498-43B3-948B-1728B52AA6E4}">
+                <adec:decorative xmlns:adec="http://schemas.microsoft.com/office/drawing/2017/decorative" val="1"/>
+              </a:ext>
+            </a:extLst>
+          </p:cNvPr>
+          <p:cNvSpPr>
+            <a:spLocks noGrp="1" noRot="1" noChangeAspect="1" noMove="1" noResize="1" noEditPoints="1" noAdjustHandles="1" noChangeArrowheads="1" noChangeShapeType="1" noTextEdit="1"/>
+          </p:cNvSpPr>
+          <p:nvPr>
+            <p:extLst>
+              <p:ext uri="{386F3935-93C4-4BCD-93E2-E3B085C9AB24}">
+                <p16:designElem xmlns:p16="http://schemas.microsoft.com/office/powerpoint/2015/main" val="1"/>
+              </p:ext>
+            </p:extLst>
+          </p:nvPr>
+        </p:nvSpPr>
+        <p:spPr>
+          <a:xfrm>
+            <a:off x="0" y="0"/>
+            <a:ext cx="4654296" cy="6858000"/>
+          </a:xfrm>
+          <a:prstGeom prst="rect">
+            <a:avLst/>
+          </a:prstGeom>
+          <a:solidFill>
+            <a:schemeClr val="tx1">
+              <a:lumMod val="75000"/>
+              <a:lumOff val="25000"/>
+            </a:schemeClr>
+          </a:solidFill>
+          <a:ln>
+            <a:noFill/>
+          </a:ln>
+        </p:spPr>
+        <p:style>
+          <a:lnRef idx="0">
+            <a:scrgbClr r="0" g="0" b="0"/>
+          </a:lnRef>
+          <a:fillRef idx="0">
+            <a:scrgbClr r="0" g="0" b="0"/>
+          </a:fillRef>
+          <a:effectRef idx="0">
+            <a:scrgbClr r="0" g="0" b="0"/>
+          </a:effectRef>
+          <a:fontRef idx="minor">
+            <a:schemeClr val="lt1"/>
+          </a:fontRef>
+        </p:style>
+        <p:txBody>
+          <a:bodyPr rtlCol="0" anchor="ctr"/>
+          <a:lstStyle/>
+          <a:p>
+            <a:pPr algn="ctr"/>
+            <a:endParaRPr lang="en-US"/>
+          </a:p>
+        </p:txBody>
+      </p:sp>
+      <p:sp>
+        <p:nvSpPr>
+          <p:cNvPr id="2" name="Title 1">
+            <a:extLst>
+              <a:ext uri="{FF2B5EF4-FFF2-40B4-BE49-F238E27FC236}">
+                <a16:creationId xmlns:a16="http://schemas.microsoft.com/office/drawing/2014/main" id="{21CEAF9A-7599-5C4F-9549-7DF09DAC1AD6}"/>
+              </a:ext>
+            </a:extLst>
+          </p:cNvPr>
+          <p:cNvSpPr>
+            <a:spLocks noGrp="1"/>
+          </p:cNvSpPr>
+          <p:nvPr>
+            <p:ph type="title"/>
+          </p:nvPr>
+        </p:nvSpPr>
+        <p:spPr>
+          <a:xfrm>
+            <a:off x="643466" y="643467"/>
+            <a:ext cx="3814231" cy="1597315"/>
+          </a:xfrm>
+          <a:noFill/>
+          <a:ln w="19050">
+            <a:solidFill>
+              <a:schemeClr val="bg1"/>
+            </a:solidFill>
+          </a:ln>
+        </p:spPr>
+        <p:txBody>
+          <a:bodyPr wrap="square">
+            <a:normAutofit/>
+          </a:bodyPr>
+          <a:lstStyle/>
+          <a:p>
+            <a:pPr algn="ctr"/>
+            <a:r>
+              <a:rPr lang="en-GB" sz="2800">
+                <a:solidFill>
+                  <a:schemeClr val="bg1"/>
+                </a:solidFill>
+              </a:rPr>
+              <a:t>Question4</a:t>
+            </a:r>
+            <a:endParaRPr lang="en-US" sz="2800">
+              <a:solidFill>
+                <a:schemeClr val="bg1"/>
+              </a:solidFill>
+            </a:endParaRPr>
+          </a:p>
+        </p:txBody>
+      </p:sp>
+      <p:sp>
+        <p:nvSpPr>
+          <p:cNvPr id="3" name="Content Placeholder 2">
+            <a:extLst>
+              <a:ext uri="{FF2B5EF4-FFF2-40B4-BE49-F238E27FC236}">
+                <a16:creationId xmlns:a16="http://schemas.microsoft.com/office/drawing/2014/main" id="{B4B39A84-FC95-B84D-83D3-7C41F8A411DA}"/>
+              </a:ext>
+            </a:extLst>
+          </p:cNvPr>
+          <p:cNvSpPr>
+            <a:spLocks noGrp="1"/>
+          </p:cNvSpPr>
+          <p:nvPr>
+            <p:ph idx="1"/>
+          </p:nvPr>
+        </p:nvSpPr>
+        <p:spPr>
+          <a:xfrm>
+            <a:off x="643468" y="2638044"/>
+            <a:ext cx="3814232" cy="3415622"/>
+          </a:xfrm>
+        </p:spPr>
+        <p:txBody>
+          <a:bodyPr>
+            <a:normAutofit/>
+          </a:bodyPr>
+          <a:lstStyle/>
+          <a:p>
+            <a:pPr marL="0" indent="0">
+              <a:buNone/>
+            </a:pPr>
+            <a:r>
+              <a:rPr lang="en-GB" sz="1700" dirty="0">
+                <a:solidFill>
+                  <a:schemeClr val="bg1"/>
+                </a:solidFill>
+              </a:rPr>
+              <a:t>Is there a difference in sales value per order when it is executed by a younger employee vs an older employee? </a:t>
+            </a:r>
+          </a:p>
+          <a:p>
+            <a:r>
+              <a:rPr lang="en-GB" sz="1700" dirty="0">
+                <a:solidFill>
+                  <a:schemeClr val="bg1"/>
+                </a:solidFill>
+              </a:rPr>
+              <a:t>H0: mu of sales value per order executed by a younger employee (under 30) = mu of sales value per order executed by an older employee (above 30)</a:t>
+            </a:r>
+          </a:p>
+          <a:p>
+            <a:r>
+              <a:rPr lang="en-GB" sz="1700" dirty="0">
+                <a:solidFill>
+                  <a:schemeClr val="bg1"/>
+                </a:solidFill>
+              </a:rPr>
+              <a:t>H1: mu of sales value per order executed by a younger employee != mu of sales value per order executed by an older employee </a:t>
+            </a:r>
+          </a:p>
+          <a:p>
+            <a:pPr marL="0" indent="0">
+              <a:buNone/>
+            </a:pPr>
+            <a:endParaRPr lang="en-GB" sz="1700" dirty="0">
+              <a:solidFill>
+                <a:schemeClr val="bg1"/>
+              </a:solidFill>
+            </a:endParaRPr>
+          </a:p>
+        </p:txBody>
+      </p:sp>
+      <p:pic>
+        <p:nvPicPr>
+          <p:cNvPr id="4" name="Picture 3">
+            <a:extLst>
+              <a:ext uri="{FF2B5EF4-FFF2-40B4-BE49-F238E27FC236}">
+                <a16:creationId xmlns:a16="http://schemas.microsoft.com/office/drawing/2014/main" id="{EB5D93D8-4AAF-0F47-8EFA-AF5963334BFE}"/>
+              </a:ext>
+            </a:extLst>
+          </p:cNvPr>
+          <p:cNvPicPr>
+            <a:picLocks noChangeAspect="1"/>
+          </p:cNvPicPr>
+          <p:nvPr/>
+        </p:nvPicPr>
+        <p:blipFill>
+          <a:blip r:embed="rId2"/>
+          <a:stretch>
+            <a:fillRect/>
+          </a:stretch>
+        </p:blipFill>
+        <p:spPr>
+          <a:xfrm>
+            <a:off x="4655479" y="1785875"/>
+            <a:ext cx="6893053" cy="3446525"/>
+          </a:xfrm>
+          <a:prstGeom prst="rect">
+            <a:avLst/>
+          </a:prstGeom>
+        </p:spPr>
+      </p:pic>
+    </p:spTree>
+    <p:extLst>
+      <p:ext uri="{BB962C8B-B14F-4D97-AF65-F5344CB8AC3E}">
+        <p14:creationId xmlns:p14="http://schemas.microsoft.com/office/powerpoint/2010/main" val="4200563979"/>
+      </p:ext>
+    </p:extLst>
+  </p:cSld>
+  <p:clrMapOvr>
+    <a:masterClrMapping/>
+  </p:clrMapOvr>
+</p:sld>
+</file>
+
+<file path=ppt/slides/slide11.xml><?xml version="1.0" encoding="utf-8"?>
 <p:sld xmlns:a="http://schemas.openxmlformats.org/drawingml/2006/main" xmlns:r="http://schemas.openxmlformats.org/officeDocument/2006/relationships" xmlns:p="http://schemas.openxmlformats.org/presentationml/2006/main">
   <p:cSld>
     <p:spTree>
@@ -3427,7 +7003,7 @@
           <p:cNvPr id="2" name="Title 1">
             <a:extLst>
               <a:ext uri="{FF2B5EF4-FFF2-40B4-BE49-F238E27FC236}">
-                <a16:creationId xmlns:a16="http://schemas.microsoft.com/office/drawing/2014/main" id="{6768D0BD-09F5-2044-9DD1-EC4B7B3DE4CE}"/>
+                <a16:creationId xmlns:a16="http://schemas.microsoft.com/office/drawing/2014/main" id="{2D58D633-4591-1E45-8BC0-C2F067BAE01C}"/>
               </a:ext>
             </a:extLst>
           </p:cNvPr>
@@ -3445,7 +7021,7 @@
           <a:p>
             <a:r>
               <a:rPr lang="en-US" dirty="0"/>
-              <a:t>Problem</a:t>
+              <a:t>Question4: Results</a:t>
             </a:r>
           </a:p>
         </p:txBody>
@@ -3455,7 +7031,7 @@
           <p:cNvPr id="3" name="Content Placeholder 2">
             <a:extLst>
               <a:ext uri="{FF2B5EF4-FFF2-40B4-BE49-F238E27FC236}">
-                <a16:creationId xmlns:a16="http://schemas.microsoft.com/office/drawing/2014/main" id="{C0F85668-2625-AD40-827B-A241AA28DF7C}"/>
+                <a16:creationId xmlns:a16="http://schemas.microsoft.com/office/drawing/2014/main" id="{DA5D8285-D3D0-2442-81F2-B48557C3A88C}"/>
               </a:ext>
             </a:extLst>
           </p:cNvPr>
@@ -3468,47 +7044,350 @@
         </p:nvSpPr>
         <p:spPr/>
         <p:txBody>
-          <a:bodyPr/>
+          <a:bodyPr>
+            <a:normAutofit/>
+          </a:bodyPr>
           <a:lstStyle/>
           <a:p>
-            <a:r>
-              <a:rPr lang="en-US" dirty="0"/>
-              <a:t>Question 1: </a:t>
-            </a:r>
-            <a:r>
-              <a:rPr lang="en-GB" dirty="0"/>
-              <a:t>Do discounts have a statistically significant effect on the number of products customers order? If so, at what level(s) of discount?</a:t>
-            </a:r>
-          </a:p>
-          <a:p>
-            <a:r>
-              <a:rPr lang="en-GB" dirty="0"/>
-              <a:t>Question 2: Is there a significant different in the basket value (</a:t>
-            </a:r>
-            <a:r>
-              <a:rPr lang="en-GB" dirty="0" err="1"/>
-              <a:t>ie</a:t>
-            </a:r>
-            <a:r>
-              <a:rPr lang="en-GB" dirty="0"/>
-              <a:t> total sales revenue per order) when there is a discount?</a:t>
-            </a:r>
-          </a:p>
-          <a:p>
-            <a:r>
-              <a:rPr lang="en-GB" dirty="0"/>
-              <a:t>Question3: Is the average sales value per transaction higher in UK than the rest of the world?</a:t>
-            </a:r>
-          </a:p>
-          <a:p>
-            <a:r>
-              <a:rPr lang="en-GB" dirty="0"/>
-              <a:t>Question 4: Is there a difference in sales value per order when it is executed by a younger employee vs an older employee?</a:t>
-            </a:r>
-            <a:endParaRPr lang="en-US" dirty="0"/>
+            <a:pPr marL="0" indent="0">
+              <a:buNone/>
+            </a:pPr>
+            <a:r>
+              <a:rPr lang="en-GB" sz="1800" b="1" dirty="0"/>
+              <a:t>1) p-value = 0.97</a:t>
+            </a:r>
+          </a:p>
+          <a:p>
+            <a:pPr marL="0" indent="0">
+              <a:buNone/>
+            </a:pPr>
+            <a:r>
+              <a:rPr lang="en-GB" sz="1800" dirty="0" err="1"/>
+              <a:t>Pvalue</a:t>
+            </a:r>
+            <a:r>
+              <a:rPr lang="en-GB" sz="1800" dirty="0"/>
+              <a:t> is greater than alpha 0.05, hence we accept our null hypothesis there is no difference in sales value per order when it is executed by a younger employee vs an older employee.. </a:t>
+            </a:r>
+          </a:p>
+          <a:p>
+            <a:pPr marL="0" indent="0">
+              <a:buNone/>
+            </a:pPr>
+            <a:r>
+              <a:rPr lang="en-GB" sz="1800" b="1" dirty="0"/>
+              <a:t>2) Business Implication</a:t>
+            </a:r>
+          </a:p>
+          <a:p>
+            <a:pPr marL="0" indent="0">
+              <a:buNone/>
+            </a:pPr>
+            <a:r>
+              <a:rPr lang="en-GB" sz="1800" dirty="0"/>
+              <a:t>From business' prospective, if it is cheaper to hire younger employee, then they should do so.</a:t>
+            </a:r>
+            <a:endParaRPr lang="en-US" sz="1800" dirty="0"/>
+          </a:p>
+          <a:p>
+            <a:endParaRPr lang="en-US" sz="1800" dirty="0"/>
           </a:p>
         </p:txBody>
       </p:sp>
+    </p:spTree>
+    <p:extLst>
+      <p:ext uri="{BB962C8B-B14F-4D97-AF65-F5344CB8AC3E}">
+        <p14:creationId xmlns:p14="http://schemas.microsoft.com/office/powerpoint/2010/main" val="4066070577"/>
+      </p:ext>
+    </p:extLst>
+  </p:cSld>
+  <p:clrMapOvr>
+    <a:masterClrMapping/>
+  </p:clrMapOvr>
+</p:sld>
+</file>
+
+<file path=ppt/slides/slide2.xml><?xml version="1.0" encoding="utf-8"?>
+<p:sld xmlns:a="http://schemas.openxmlformats.org/drawingml/2006/main" xmlns:r="http://schemas.openxmlformats.org/officeDocument/2006/relationships" xmlns:p="http://schemas.openxmlformats.org/presentationml/2006/main">
+  <p:cSld>
+    <p:bg>
+      <p:bgPr>
+        <a:solidFill>
+          <a:schemeClr val="bg1"/>
+        </a:solidFill>
+        <a:effectLst/>
+      </p:bgPr>
+    </p:bg>
+    <p:spTree>
+      <p:nvGrpSpPr>
+        <p:cNvPr id="1" name=""/>
+        <p:cNvGrpSpPr/>
+        <p:nvPr/>
+      </p:nvGrpSpPr>
+      <p:grpSpPr>
+        <a:xfrm>
+          <a:off x="0" y="0"/>
+          <a:ext cx="0" cy="0"/>
+          <a:chOff x="0" y="0"/>
+          <a:chExt cx="0" cy="0"/>
+        </a:xfrm>
+      </p:grpSpPr>
+      <p:sp>
+        <p:nvSpPr>
+          <p:cNvPr id="10" name="Rectangle 9">
+            <a:extLst>
+              <a:ext uri="{FF2B5EF4-FFF2-40B4-BE49-F238E27FC236}">
+                <a16:creationId xmlns:a16="http://schemas.microsoft.com/office/drawing/2014/main" id="{BE95D989-81FA-4BAD-9AD5-E46CEDA91B36}"/>
+              </a:ext>
+              <a:ext uri="{C183D7F6-B498-43B3-948B-1728B52AA6E4}">
+                <adec:decorative xmlns:adec="http://schemas.microsoft.com/office/drawing/2017/decorative" val="1"/>
+              </a:ext>
+            </a:extLst>
+          </p:cNvPr>
+          <p:cNvSpPr>
+            <a:spLocks noGrp="1" noRot="1" noChangeAspect="1" noMove="1" noResize="1" noEditPoints="1" noAdjustHandles="1" noChangeArrowheads="1" noChangeShapeType="1" noTextEdit="1"/>
+          </p:cNvSpPr>
+          <p:nvPr>
+            <p:extLst>
+              <p:ext uri="{386F3935-93C4-4BCD-93E2-E3B085C9AB24}">
+                <p16:designElem xmlns:p16="http://schemas.microsoft.com/office/powerpoint/2015/main" val="1"/>
+              </p:ext>
+            </p:extLst>
+          </p:nvPr>
+        </p:nvSpPr>
+        <p:spPr>
+          <a:xfrm>
+            <a:off x="0" y="0"/>
+            <a:ext cx="4654293" cy="6858000"/>
+          </a:xfrm>
+          <a:prstGeom prst="rect">
+            <a:avLst/>
+          </a:prstGeom>
+          <a:solidFill>
+            <a:srgbClr val="404040"/>
+          </a:solidFill>
+          <a:ln>
+            <a:noFill/>
+          </a:ln>
+        </p:spPr>
+        <p:style>
+          <a:lnRef idx="2">
+            <a:schemeClr val="accent1">
+              <a:shade val="50000"/>
+            </a:schemeClr>
+          </a:lnRef>
+          <a:fillRef idx="1">
+            <a:schemeClr val="accent1"/>
+          </a:fillRef>
+          <a:effectRef idx="0">
+            <a:schemeClr val="accent1"/>
+          </a:effectRef>
+          <a:fontRef idx="minor">
+            <a:schemeClr val="lt1"/>
+          </a:fontRef>
+        </p:style>
+        <p:txBody>
+          <a:bodyPr rtlCol="0" anchor="ctr"/>
+          <a:lstStyle/>
+          <a:p>
+            <a:pPr marL="0" marR="0" lvl="0" indent="0" algn="ctr" defTabSz="914400" rtl="0" eaLnBrk="1" fontAlgn="auto" latinLnBrk="0" hangingPunct="1">
+              <a:lnSpc>
+                <a:spcPct val="100000"/>
+              </a:lnSpc>
+              <a:spcBef>
+                <a:spcPts val="0"/>
+              </a:spcBef>
+              <a:spcAft>
+                <a:spcPts val="0"/>
+              </a:spcAft>
+              <a:buClrTx/>
+              <a:buSzTx/>
+              <a:buFontTx/>
+              <a:buNone/>
+              <a:tabLst/>
+              <a:defRPr/>
+            </a:pPr>
+            <a:endParaRPr kumimoji="0" lang="en-US" sz="1800" b="0" i="0" u="none" strike="noStrike" kern="1200" cap="none" spc="0" normalizeH="0" baseline="0" noProof="0">
+              <a:ln>
+                <a:noFill/>
+              </a:ln>
+              <a:solidFill>
+                <a:prstClr val="white"/>
+              </a:solidFill>
+              <a:effectLst/>
+              <a:uLnTx/>
+              <a:uFillTx/>
+              <a:latin typeface="Calibri" panose="020F0502020204030204"/>
+              <a:ea typeface="+mn-ea"/>
+              <a:cs typeface="+mn-cs"/>
+            </a:endParaRPr>
+          </a:p>
+        </p:txBody>
+      </p:sp>
+      <p:sp>
+        <p:nvSpPr>
+          <p:cNvPr id="2" name="Title 1">
+            <a:extLst>
+              <a:ext uri="{FF2B5EF4-FFF2-40B4-BE49-F238E27FC236}">
+                <a16:creationId xmlns:a16="http://schemas.microsoft.com/office/drawing/2014/main" id="{6768D0BD-09F5-2044-9DD1-EC4B7B3DE4CE}"/>
+              </a:ext>
+            </a:extLst>
+          </p:cNvPr>
+          <p:cNvSpPr>
+            <a:spLocks noGrp="1"/>
+          </p:cNvSpPr>
+          <p:nvPr>
+            <p:ph type="title"/>
+          </p:nvPr>
+        </p:nvSpPr>
+        <p:spPr>
+          <a:xfrm>
+            <a:off x="838200" y="811161"/>
+            <a:ext cx="3335594" cy="5403370"/>
+          </a:xfrm>
+        </p:spPr>
+        <p:txBody>
+          <a:bodyPr>
+            <a:normAutofit/>
+          </a:bodyPr>
+          <a:lstStyle/>
+          <a:p>
+            <a:r>
+              <a:rPr lang="en-US">
+                <a:solidFill>
+                  <a:srgbClr val="FFFFFF"/>
+                </a:solidFill>
+              </a:rPr>
+              <a:t>Problem</a:t>
+            </a:r>
+          </a:p>
+        </p:txBody>
+      </p:sp>
+      <p:sp>
+        <p:nvSpPr>
+          <p:cNvPr id="12" name="Rectangle 11">
+            <a:extLst>
+              <a:ext uri="{FF2B5EF4-FFF2-40B4-BE49-F238E27FC236}">
+                <a16:creationId xmlns:a16="http://schemas.microsoft.com/office/drawing/2014/main" id="{156189E5-8A3E-4CFD-B71B-CCD0F8495E56}"/>
+              </a:ext>
+              <a:ext uri="{C183D7F6-B498-43B3-948B-1728B52AA6E4}">
+                <adec:decorative xmlns:adec="http://schemas.microsoft.com/office/drawing/2017/decorative" val="1"/>
+              </a:ext>
+            </a:extLst>
+          </p:cNvPr>
+          <p:cNvSpPr>
+            <a:spLocks noGrp="1" noRot="1" noChangeAspect="1" noMove="1" noResize="1" noEditPoints="1" noAdjustHandles="1" noChangeArrowheads="1" noChangeShapeType="1" noTextEdit="1"/>
+          </p:cNvSpPr>
+          <p:nvPr>
+            <p:extLst>
+              <p:ext uri="{386F3935-93C4-4BCD-93E2-E3B085C9AB24}">
+                <p16:designElem xmlns:p16="http://schemas.microsoft.com/office/powerpoint/2015/main" val="1"/>
+              </p:ext>
+            </p:extLst>
+          </p:nvPr>
+        </p:nvSpPr>
+        <p:spPr>
+          <a:xfrm>
+            <a:off x="4654293" y="0"/>
+            <a:ext cx="142074" cy="6858000"/>
+          </a:xfrm>
+          <a:prstGeom prst="rect">
+            <a:avLst/>
+          </a:prstGeom>
+          <a:solidFill>
+            <a:schemeClr val="tx1">
+              <a:alpha val="20000"/>
+            </a:schemeClr>
+          </a:solidFill>
+          <a:ln>
+            <a:noFill/>
+          </a:ln>
+        </p:spPr>
+        <p:style>
+          <a:lnRef idx="2">
+            <a:schemeClr val="accent1">
+              <a:shade val="50000"/>
+            </a:schemeClr>
+          </a:lnRef>
+          <a:fillRef idx="1">
+            <a:schemeClr val="accent1"/>
+          </a:fillRef>
+          <a:effectRef idx="0">
+            <a:schemeClr val="accent1"/>
+          </a:effectRef>
+          <a:fontRef idx="minor">
+            <a:schemeClr val="lt1"/>
+          </a:fontRef>
+        </p:style>
+        <p:txBody>
+          <a:bodyPr rtlCol="0" anchor="ctr"/>
+          <a:lstStyle/>
+          <a:p>
+            <a:pPr marL="0" marR="0" lvl="0" indent="0" algn="ctr" defTabSz="914400" rtl="0" eaLnBrk="1" fontAlgn="auto" latinLnBrk="0" hangingPunct="1">
+              <a:lnSpc>
+                <a:spcPct val="100000"/>
+              </a:lnSpc>
+              <a:spcBef>
+                <a:spcPts val="0"/>
+              </a:spcBef>
+              <a:spcAft>
+                <a:spcPts val="0"/>
+              </a:spcAft>
+              <a:buClrTx/>
+              <a:buSzTx/>
+              <a:buFontTx/>
+              <a:buNone/>
+              <a:tabLst/>
+              <a:defRPr/>
+            </a:pPr>
+            <a:endParaRPr kumimoji="0" lang="en-US" sz="1800" b="0" i="0" u="none" strike="noStrike" kern="1200" cap="none" spc="0" normalizeH="0" baseline="0" noProof="0">
+              <a:ln>
+                <a:noFill/>
+              </a:ln>
+              <a:solidFill>
+                <a:prstClr val="white"/>
+              </a:solidFill>
+              <a:effectLst/>
+              <a:uLnTx/>
+              <a:uFillTx/>
+              <a:latin typeface="Calibri" panose="020F0502020204030204"/>
+              <a:ea typeface="+mn-ea"/>
+              <a:cs typeface="+mn-cs"/>
+            </a:endParaRPr>
+          </a:p>
+        </p:txBody>
+      </p:sp>
+      <p:graphicFrame>
+        <p:nvGraphicFramePr>
+          <p:cNvPr id="5" name="Content Placeholder 2">
+            <a:extLst>
+              <a:ext uri="{FF2B5EF4-FFF2-40B4-BE49-F238E27FC236}">
+                <a16:creationId xmlns:a16="http://schemas.microsoft.com/office/drawing/2014/main" id="{D261005C-62DA-4F7B-BB58-4A097DC9429B}"/>
+              </a:ext>
+            </a:extLst>
+          </p:cNvPr>
+          <p:cNvGraphicFramePr>
+            <a:graphicFrameLocks noGrp="1"/>
+          </p:cNvGraphicFramePr>
+          <p:nvPr>
+            <p:ph idx="1"/>
+            <p:extLst>
+              <p:ext uri="{D42A27DB-BD31-4B8C-83A1-F6EECF244321}">
+                <p14:modId xmlns:p14="http://schemas.microsoft.com/office/powerpoint/2010/main" val="3047848549"/>
+              </p:ext>
+            </p:extLst>
+          </p:nvPr>
+        </p:nvGraphicFramePr>
+        <p:xfrm>
+          <a:off x="5459413" y="642938"/>
+          <a:ext cx="6089650" cy="5572125"/>
+        </p:xfrm>
+        <a:graphic>
+          <a:graphicData uri="http://schemas.openxmlformats.org/drawingml/2006/diagram">
+            <dgm:relIds xmlns:dgm="http://schemas.openxmlformats.org/drawingml/2006/diagram" xmlns:r="http://schemas.openxmlformats.org/officeDocument/2006/relationships" r:dm="rId2" r:lo="rId3" r:qs="rId4" r:cs="rId5"/>
+          </a:graphicData>
+        </a:graphic>
+      </p:graphicFrame>
     </p:spTree>
     <p:extLst>
       <p:ext uri="{BB962C8B-B14F-4D97-AF65-F5344CB8AC3E}">
@@ -3615,6 +7494,14 @@
 <file path=ppt/slides/slide4.xml><?xml version="1.0" encoding="utf-8"?>
 <p:sld xmlns:a="http://schemas.openxmlformats.org/drawingml/2006/main" xmlns:r="http://schemas.openxmlformats.org/officeDocument/2006/relationships" xmlns:p="http://schemas.openxmlformats.org/presentationml/2006/main">
   <p:cSld>
+    <p:bg>
+      <p:bgPr>
+        <a:solidFill>
+          <a:schemeClr val="bg1"/>
+        </a:solidFill>
+        <a:effectLst/>
+      </p:bgPr>
+    </p:bg>
     <p:spTree>
       <p:nvGrpSpPr>
         <p:cNvPr id="1" name=""/>
@@ -3631,6 +7518,70 @@
       </p:grpSpPr>
       <p:sp>
         <p:nvSpPr>
+          <p:cNvPr id="16" name="Rectangle 15">
+            <a:extLst>
+              <a:ext uri="{FF2B5EF4-FFF2-40B4-BE49-F238E27FC236}">
+                <a16:creationId xmlns:a16="http://schemas.microsoft.com/office/drawing/2014/main" id="{867D4867-5BA7-4462-B2F6-A23F4A622AA7}"/>
+              </a:ext>
+              <a:ext uri="{C183D7F6-B498-43B3-948B-1728B52AA6E4}">
+                <adec:decorative xmlns:adec="http://schemas.microsoft.com/office/drawing/2017/decorative" val="1"/>
+              </a:ext>
+            </a:extLst>
+          </p:cNvPr>
+          <p:cNvSpPr>
+            <a:spLocks noGrp="1" noRot="1" noChangeAspect="1" noMove="1" noResize="1" noEditPoints="1" noAdjustHandles="1" noChangeArrowheads="1" noChangeShapeType="1" noTextEdit="1"/>
+          </p:cNvSpPr>
+          <p:nvPr>
+            <p:extLst>
+              <p:ext uri="{386F3935-93C4-4BCD-93E2-E3B085C9AB24}">
+                <p16:designElem xmlns:p16="http://schemas.microsoft.com/office/powerpoint/2015/main" val="1"/>
+              </p:ext>
+            </p:extLst>
+          </p:nvPr>
+        </p:nvSpPr>
+        <p:spPr>
+          <a:xfrm>
+            <a:off x="0" y="0"/>
+            <a:ext cx="4654296" cy="6858000"/>
+          </a:xfrm>
+          <a:prstGeom prst="rect">
+            <a:avLst/>
+          </a:prstGeom>
+          <a:solidFill>
+            <a:schemeClr val="tx1">
+              <a:lumMod val="75000"/>
+              <a:lumOff val="25000"/>
+            </a:schemeClr>
+          </a:solidFill>
+          <a:ln>
+            <a:noFill/>
+          </a:ln>
+        </p:spPr>
+        <p:style>
+          <a:lnRef idx="0">
+            <a:scrgbClr r="0" g="0" b="0"/>
+          </a:lnRef>
+          <a:fillRef idx="0">
+            <a:scrgbClr r="0" g="0" b="0"/>
+          </a:fillRef>
+          <a:effectRef idx="0">
+            <a:scrgbClr r="0" g="0" b="0"/>
+          </a:effectRef>
+          <a:fontRef idx="minor">
+            <a:schemeClr val="lt1"/>
+          </a:fontRef>
+        </p:style>
+        <p:txBody>
+          <a:bodyPr rtlCol="0" anchor="ctr"/>
+          <a:lstStyle/>
+          <a:p>
+            <a:pPr algn="ctr"/>
+            <a:endParaRPr lang="en-US"/>
+          </a:p>
+        </p:txBody>
+      </p:sp>
+      <p:sp>
+        <p:nvSpPr>
           <p:cNvPr id="2" name="Title 1">
             <a:extLst>
               <a:ext uri="{FF2B5EF4-FFF2-40B4-BE49-F238E27FC236}">
@@ -3645,13 +7596,31 @@
             <p:ph type="title"/>
           </p:nvPr>
         </p:nvSpPr>
-        <p:spPr/>
+        <p:spPr>
+          <a:xfrm>
+            <a:off x="643466" y="643467"/>
+            <a:ext cx="3865031" cy="1452033"/>
+          </a:xfrm>
+          <a:noFill/>
+          <a:ln w="19050">
+            <a:solidFill>
+              <a:schemeClr val="bg1"/>
+            </a:solidFill>
+          </a:ln>
+        </p:spPr>
         <p:txBody>
-          <a:bodyPr/>
+          <a:bodyPr wrap="square">
+            <a:normAutofit/>
+          </a:bodyPr>
           <a:lstStyle/>
           <a:p>
-            <a:r>
-              <a:rPr lang="en-US" dirty="0"/>
+            <a:pPr algn="ctr"/>
+            <a:r>
+              <a:rPr lang="en-US" sz="2800">
+                <a:solidFill>
+                  <a:schemeClr val="bg1"/>
+                </a:solidFill>
+              </a:rPr>
               <a:t>Question1</a:t>
             </a:r>
           </a:p>
@@ -3675,8 +7644,8 @@
         </p:nvSpPr>
         <p:spPr>
           <a:xfrm>
-            <a:off x="838200" y="1596980"/>
-            <a:ext cx="10515600" cy="4579983"/>
+            <a:off x="643468" y="2638044"/>
+            <a:ext cx="4010828" cy="3406391"/>
           </a:xfrm>
         </p:spPr>
         <p:txBody>
@@ -3689,156 +7658,165 @@
               <a:buNone/>
             </a:pPr>
             <a:r>
-              <a:rPr lang="en-GB" sz="1300" dirty="0"/>
+              <a:rPr lang="en-GB" sz="1600" dirty="0">
+                <a:solidFill>
+                  <a:schemeClr val="bg1"/>
+                </a:solidFill>
+              </a:rPr>
               <a:t>Do discounts have a statistically significant effect on the number of products customers order? If so, at what level(s) of discount?</a:t>
             </a:r>
           </a:p>
           <a:p>
             <a:r>
-              <a:rPr lang="en-GB" sz="1300" dirty="0"/>
+              <a:rPr lang="en-GB" sz="1600" dirty="0">
+                <a:solidFill>
+                  <a:schemeClr val="bg1"/>
+                </a:solidFill>
+              </a:rPr>
               <a:t>Null Hypothesis (H0): Discount has no statistical significant relationship to number of products customer orders. </a:t>
             </a:r>
             <a:r>
-              <a:rPr lang="en-GB" sz="1300" dirty="0" err="1"/>
+              <a:rPr lang="en-GB" sz="1600" dirty="0" err="1">
+                <a:solidFill>
+                  <a:schemeClr val="bg1"/>
+                </a:solidFill>
+              </a:rPr>
               <a:t>mu_fp</a:t>
             </a:r>
             <a:r>
-              <a:rPr lang="en-GB" sz="1300" dirty="0"/>
+              <a:rPr lang="en-GB" sz="1600" dirty="0">
+                <a:solidFill>
+                  <a:schemeClr val="bg1"/>
+                </a:solidFill>
+              </a:rPr>
               <a:t>=</a:t>
             </a:r>
             <a:r>
-              <a:rPr lang="en-GB" sz="1300" dirty="0" err="1"/>
+              <a:rPr lang="en-GB" sz="1600" dirty="0" err="1">
+                <a:solidFill>
+                  <a:schemeClr val="bg1"/>
+                </a:solidFill>
+              </a:rPr>
               <a:t>mu_disc</a:t>
             </a:r>
             <a:r>
-              <a:rPr lang="en-GB" sz="1300" dirty="0"/>
+              <a:rPr lang="en-GB" sz="1600" dirty="0">
+                <a:solidFill>
+                  <a:schemeClr val="bg1"/>
+                </a:solidFill>
+              </a:rPr>
               <a:t> (</a:t>
             </a:r>
             <a:r>
-              <a:rPr lang="en-GB" sz="1300" dirty="0" err="1"/>
+              <a:rPr lang="en-GB" sz="1600" dirty="0" err="1">
+                <a:solidFill>
+                  <a:schemeClr val="bg1"/>
+                </a:solidFill>
+              </a:rPr>
               <a:t>mu_fp</a:t>
             </a:r>
             <a:r>
-              <a:rPr lang="en-GB" sz="1300" dirty="0"/>
+              <a:rPr lang="en-GB" sz="1600" dirty="0">
+                <a:solidFill>
+                  <a:schemeClr val="bg1"/>
+                </a:solidFill>
+              </a:rPr>
               <a:t> is the mean of full price quantity. </a:t>
             </a:r>
             <a:r>
-              <a:rPr lang="en-GB" sz="1300" dirty="0" err="1"/>
+              <a:rPr lang="en-GB" sz="1600" dirty="0" err="1">
+                <a:solidFill>
+                  <a:schemeClr val="bg1"/>
+                </a:solidFill>
+              </a:rPr>
               <a:t>mu_disc</a:t>
             </a:r>
             <a:r>
-              <a:rPr lang="en-GB" sz="1300" dirty="0"/>
+              <a:rPr lang="en-GB" sz="1600" dirty="0">
+                <a:solidFill>
+                  <a:schemeClr val="bg1"/>
+                </a:solidFill>
+              </a:rPr>
               <a:t> is the mean of discount quantity.) </a:t>
             </a:r>
           </a:p>
           <a:p>
             <a:r>
-              <a:rPr lang="en-GB" sz="1300" dirty="0"/>
+              <a:rPr lang="en-GB" sz="1600" dirty="0">
+                <a:solidFill>
+                  <a:schemeClr val="bg1"/>
+                </a:solidFill>
+              </a:rPr>
               <a:t>Alternative(H-alpha): Discount has a statistically significant impact to the number of products customer orders. Alpha is set to 0.05. </a:t>
             </a:r>
             <a:r>
-              <a:rPr lang="en-GB" sz="1300" dirty="0" err="1"/>
+              <a:rPr lang="en-GB" sz="1600" dirty="0" err="1">
+                <a:solidFill>
+                  <a:schemeClr val="bg1"/>
+                </a:solidFill>
+              </a:rPr>
               <a:t>mu_fp</a:t>
             </a:r>
             <a:r>
-              <a:rPr lang="en-GB" sz="1300" dirty="0"/>
+              <a:rPr lang="en-GB" sz="1600" dirty="0">
+                <a:solidFill>
+                  <a:schemeClr val="bg1"/>
+                </a:solidFill>
+              </a:rPr>
               <a:t>!=</a:t>
             </a:r>
             <a:r>
-              <a:rPr lang="en-GB" sz="1300" dirty="0" err="1"/>
+              <a:rPr lang="en-GB" sz="1600" dirty="0" err="1">
+                <a:solidFill>
+                  <a:schemeClr val="bg1"/>
+                </a:solidFill>
+              </a:rPr>
               <a:t>mu_disc</a:t>
             </a:r>
-            <a:endParaRPr lang="en-GB" sz="1300" dirty="0"/>
-          </a:p>
-          <a:p>
-            <a:r>
-              <a:rPr lang="en-GB" sz="1300" dirty="0"/>
-              <a:t>Result: </a:t>
-            </a:r>
-          </a:p>
-          <a:p>
-            <a:pPr marL="0" indent="0">
-              <a:buNone/>
-            </a:pPr>
-            <a:r>
-              <a:rPr lang="en-GB" sz="1300" dirty="0"/>
-              <a:t>1) p-value=1.1e-10</a:t>
-            </a:r>
-          </a:p>
-          <a:p>
-            <a:pPr marL="0" indent="0">
-              <a:buNone/>
-            </a:pPr>
-            <a:r>
-              <a:rPr lang="en-GB" sz="1300" dirty="0"/>
-              <a:t>p&lt; alpha: reject null hypothesis. there is a statistical </a:t>
-            </a:r>
-            <a:r>
-              <a:rPr lang="en-GB" sz="1300" dirty="0" err="1"/>
-              <a:t>signficance</a:t>
-            </a:r>
-            <a:r>
-              <a:rPr lang="en-GB" sz="1300" dirty="0"/>
-              <a:t> between discount and quantity purchase</a:t>
-            </a:r>
-          </a:p>
-          <a:p>
-            <a:pPr marL="0" indent="0">
-              <a:buNone/>
-            </a:pPr>
-            <a:r>
-              <a:rPr lang="en-GB" sz="1300" dirty="0"/>
-              <a:t>2) Cohen D test =0.286 </a:t>
-            </a:r>
-          </a:p>
-          <a:p>
-            <a:pPr marL="0" indent="0">
-              <a:buNone/>
-            </a:pPr>
-            <a:r>
-              <a:rPr lang="en-GB" sz="1300" dirty="0"/>
-              <a:t>Cohen d value seems to suggest that there is a small to medium effect difference.</a:t>
-            </a:r>
-          </a:p>
-          <a:p>
-            <a:pPr marL="0" indent="0">
-              <a:buNone/>
-            </a:pPr>
-            <a:r>
-              <a:rPr lang="en-GB" sz="1300" dirty="0"/>
-              <a:t>3) Tukey Test</a:t>
-            </a:r>
-          </a:p>
-          <a:p>
-            <a:pPr marL="0" indent="0">
-              <a:buNone/>
-            </a:pPr>
-            <a:r>
-              <a:rPr lang="en-GB" sz="1300" dirty="0"/>
-              <a:t>From the Tukey test,  only 5%, 15%, 20% and 25% are significant. among those, the mean difference in 15% is the greatest, so it is saying that 15% makes the biggest difference, however it is marginal. </a:t>
-            </a:r>
-          </a:p>
-          <a:p>
-            <a:pPr marL="0" indent="0">
-              <a:buNone/>
-            </a:pPr>
-            <a:r>
-              <a:rPr lang="en-GB" sz="1300" dirty="0"/>
-              <a:t>4) Business implication: </a:t>
-            </a:r>
-          </a:p>
-          <a:p>
-            <a:pPr marL="0" indent="0">
-              <a:buNone/>
-            </a:pPr>
-            <a:r>
-              <a:rPr lang="en-GB" sz="1300" dirty="0"/>
-              <a:t>If the company's KPI is to sell as much quantity as possible, then they should certainly apply discount promotion, and 15% seems to be the most effective. However without knowing the net profit margin after discount (or amount of mark up before discount), it is difficult to make a recommendation to what discount should be applied. The company should further investigate what % discount would have the greatest effect and yet bring in the highest net profit.</a:t>
-            </a:r>
-            <a:endParaRPr lang="en-US" sz="1300" dirty="0"/>
+            <a:endParaRPr lang="en-GB" sz="1600" dirty="0">
+              <a:solidFill>
+                <a:schemeClr val="bg1"/>
+              </a:solidFill>
+            </a:endParaRPr>
+          </a:p>
+          <a:p>
+            <a:endParaRPr lang="en-GB" sz="1600" dirty="0">
+              <a:solidFill>
+                <a:schemeClr val="bg1"/>
+              </a:solidFill>
+            </a:endParaRPr>
           </a:p>
         </p:txBody>
       </p:sp>
+      <p:pic>
+        <p:nvPicPr>
+          <p:cNvPr id="4" name="Picture 3" descr="A picture containing screenshot&#10;&#10;Description automatically generated">
+            <a:extLst>
+              <a:ext uri="{FF2B5EF4-FFF2-40B4-BE49-F238E27FC236}">
+                <a16:creationId xmlns:a16="http://schemas.microsoft.com/office/drawing/2014/main" id="{C118B0C3-C70B-0E41-9629-0565929DCE7A}"/>
+              </a:ext>
+            </a:extLst>
+          </p:cNvPr>
+          <p:cNvPicPr>
+            <a:picLocks noChangeAspect="1"/>
+          </p:cNvPicPr>
+          <p:nvPr/>
+        </p:nvPicPr>
+        <p:blipFill rotWithShape="1">
+          <a:blip r:embed="rId2"/>
+          <a:srcRect r="11501" b="1"/>
+          <a:stretch/>
+        </p:blipFill>
+        <p:spPr>
+          <a:xfrm>
+            <a:off x="4811437" y="2095500"/>
+            <a:ext cx="6786032" cy="3948935"/>
+          </a:xfrm>
+          <a:prstGeom prst="rect">
+            <a:avLst/>
+          </a:prstGeom>
+        </p:spPr>
+      </p:pic>
     </p:spTree>
     <p:extLst>
       <p:ext uri="{BB962C8B-B14F-4D97-AF65-F5344CB8AC3E}">
@@ -3874,7 +7852,7 @@
           <p:cNvPr id="2" name="Title 1">
             <a:extLst>
               <a:ext uri="{FF2B5EF4-FFF2-40B4-BE49-F238E27FC236}">
-                <a16:creationId xmlns:a16="http://schemas.microsoft.com/office/drawing/2014/main" id="{AFB1DB4A-97ED-F54F-988C-D169627AD82C}"/>
+                <a16:creationId xmlns:a16="http://schemas.microsoft.com/office/drawing/2014/main" id="{C825F1F0-7335-F240-9BE5-569F87E1A9AF}"/>
               </a:ext>
             </a:extLst>
           </p:cNvPr>
@@ -3885,16 +7863,20 @@
             <p:ph type="title"/>
           </p:nvPr>
         </p:nvSpPr>
-        <p:spPr/>
+        <p:spPr>
+          <a:xfrm>
+            <a:off x="838200" y="365125"/>
+            <a:ext cx="10515600" cy="1325563"/>
+          </a:xfrm>
+        </p:spPr>
         <p:txBody>
           <a:bodyPr/>
           <a:lstStyle/>
           <a:p>
             <a:r>
-              <a:rPr lang="en-GB" dirty="0"/>
-              <a:t>Question2</a:t>
-            </a:r>
-            <a:endParaRPr lang="en-US" dirty="0"/>
+              <a:rPr lang="en-US" dirty="0"/>
+              <a:t>Question1: Results</a:t>
+            </a:r>
           </a:p>
         </p:txBody>
       </p:sp>
@@ -3903,7 +7885,7 @@
           <p:cNvPr id="3" name="Content Placeholder 2">
             <a:extLst>
               <a:ext uri="{FF2B5EF4-FFF2-40B4-BE49-F238E27FC236}">
-                <a16:creationId xmlns:a16="http://schemas.microsoft.com/office/drawing/2014/main" id="{41108A00-ACCF-FC45-AFC5-155252E0D116}"/>
+                <a16:creationId xmlns:a16="http://schemas.microsoft.com/office/drawing/2014/main" id="{B109C0FD-35BA-FF47-B2CD-70B3BDA87491}"/>
               </a:ext>
             </a:extLst>
           </p:cNvPr>
@@ -3916,13 +7898,13 @@
         </p:nvSpPr>
         <p:spPr>
           <a:xfrm>
-            <a:off x="838200" y="1558344"/>
-            <a:ext cx="10515600" cy="4618619"/>
+            <a:off x="838200" y="1825625"/>
+            <a:ext cx="10515600" cy="4351338"/>
           </a:xfrm>
         </p:spPr>
         <p:txBody>
-          <a:bodyPr>
-            <a:normAutofit/>
+          <a:bodyPr lIns="90000">
+            <a:noAutofit/>
           </a:bodyPr>
           <a:lstStyle/>
           <a:p>
@@ -3930,50 +7912,8 @@
               <a:buNone/>
             </a:pPr>
             <a:r>
-              <a:rPr lang="en-GB" sz="1400" dirty="0"/>
-              <a:t>Is there a significant different in the basket value (</a:t>
-            </a:r>
-            <a:r>
-              <a:rPr lang="en-GB" sz="1400" dirty="0" err="1"/>
-              <a:t>ie</a:t>
-            </a:r>
-            <a:r>
-              <a:rPr lang="en-GB" sz="1400" dirty="0"/>
-              <a:t> total sales revenue per order) when there is a discount?</a:t>
-            </a:r>
-          </a:p>
-          <a:p>
-            <a:r>
-              <a:rPr lang="en-GB" sz="1400" dirty="0"/>
-              <a:t> H0: total sales per order is not influenced by any discount. </a:t>
-            </a:r>
-            <a:r>
-              <a:rPr lang="en-GB" sz="1400" dirty="0" err="1"/>
-              <a:t>ie</a:t>
-            </a:r>
-            <a:r>
-              <a:rPr lang="en-GB" sz="1400" dirty="0"/>
-              <a:t>. mu (total sales per order in the absence of any discount) = mu(total sales per order with presence of any discount) </a:t>
-            </a:r>
-          </a:p>
-          <a:p>
-            <a:r>
-              <a:rPr lang="en-GB" sz="1400" dirty="0"/>
-              <a:t>H1: total sales per order is influenced by presence of any discount. </a:t>
-            </a:r>
-            <a:r>
-              <a:rPr lang="en-GB" sz="1400" dirty="0" err="1"/>
-              <a:t>ie</a:t>
-            </a:r>
-            <a:r>
-              <a:rPr lang="en-GB" sz="1400" dirty="0"/>
-              <a:t>. mu (total sales per order in the absence of any discount) != mu(total sales per order with presence of any discount)</a:t>
-            </a:r>
-          </a:p>
-          <a:p>
-            <a:r>
-              <a:rPr lang="en-GB" sz="1400" dirty="0"/>
-              <a:t>Result: </a:t>
+              <a:rPr lang="en-GB" sz="1800" b="1" dirty="0"/>
+              <a:t>1) p-value=1.1e-10</a:t>
             </a:r>
           </a:p>
           <a:p>
@@ -3981,8 +7921,8 @@
               <a:buNone/>
             </a:pPr>
             <a:r>
-              <a:rPr lang="en-GB" sz="1400" dirty="0"/>
-              <a:t>1) P-value=0.01</a:t>
+              <a:rPr lang="en-GB" sz="1800" dirty="0"/>
+              <a:t>p&lt; alpha: reject null hypothesis. there is a statistical significance between discount and quantity purchase</a:t>
             </a:r>
           </a:p>
           <a:p>
@@ -3990,20 +7930,8 @@
               <a:buNone/>
             </a:pPr>
             <a:r>
-              <a:rPr lang="en-GB" sz="1400" dirty="0" err="1"/>
-              <a:t>pvalue</a:t>
-            </a:r>
-            <a:r>
-              <a:rPr lang="en-GB" sz="1400" dirty="0"/>
-              <a:t> suggests that there is a statistical significance in the total purchase value when there is a presence of discount. (</a:t>
-            </a:r>
-            <a:r>
-              <a:rPr lang="en-GB" sz="1400" dirty="0" err="1"/>
-              <a:t>ie</a:t>
-            </a:r>
-            <a:r>
-              <a:rPr lang="en-GB" sz="1400" dirty="0"/>
-              <a:t> people are buying more per transaction.)</a:t>
+              <a:rPr lang="en-GB" sz="1800" b="1" dirty="0"/>
+              <a:t>2) Cohen D test =0.286 </a:t>
             </a:r>
           </a:p>
           <a:p>
@@ -4011,8 +7939,8 @@
               <a:buNone/>
             </a:pPr>
             <a:r>
-              <a:rPr lang="en-GB" sz="1400" dirty="0"/>
-              <a:t>2) Cohen D=0.18</a:t>
+              <a:rPr lang="en-GB" sz="1800" dirty="0"/>
+              <a:t>Cohen d value seems to suggest that there is a small to medium effect difference.</a:t>
             </a:r>
           </a:p>
           <a:p>
@@ -4020,8 +7948,8 @@
               <a:buNone/>
             </a:pPr>
             <a:r>
-              <a:rPr lang="en-GB" sz="1400" dirty="0"/>
-              <a:t>Cohen D test number suggests that the difference in the total transaction value is small, despite that there is a statistic significance when there is a presence of discount.</a:t>
+              <a:rPr lang="en-GB" sz="1800" b="1" dirty="0"/>
+              <a:t>3) Tukey Test</a:t>
             </a:r>
           </a:p>
           <a:p>
@@ -4029,8 +7957,8 @@
               <a:buNone/>
             </a:pPr>
             <a:r>
-              <a:rPr lang="en-GB" sz="1400" dirty="0"/>
-              <a:t>3) Business Implication: </a:t>
+              <a:rPr lang="en-GB" sz="1800" dirty="0"/>
+              <a:t>From the Tukey test,  only 5%, 15%, 20% and 25% are significant. among those, the mean difference in 15% is the greatest, so it is saying that 15% makes the biggest difference, however it is marginal. </a:t>
             </a:r>
           </a:p>
           <a:p>
@@ -4038,22 +7966,29 @@
               <a:buNone/>
             </a:pPr>
             <a:r>
-              <a:rPr lang="en-GB" sz="1400" dirty="0"/>
-              <a:t>The total sales revenue per order does seem to increase when there is presence of discount, but not significant. This suggests that if the company’s KPI is to increase top line revenue, then they should always be running some sort of discount. However, if the KPI is to increase net profitability, further investigation is needed.</a:t>
+              <a:rPr lang="en-GB" sz="1800" b="1" dirty="0"/>
+              <a:t>4) Business implication</a:t>
             </a:r>
           </a:p>
           <a:p>
             <a:pPr marL="0" indent="0">
               <a:buNone/>
             </a:pPr>
-            <a:endParaRPr lang="en-GB" sz="1400" dirty="0"/>
+            <a:r>
+              <a:rPr lang="en-GB" sz="1800" dirty="0"/>
+              <a:t>If the company's KPI is to sell as much quantity as possible, then they should certainly apply discount promotion, and 15% seems to be the most effective. However without knowing the net profit margin after discount (or amount of mark up before discount), it is difficult to make a recommendation to what discount should be applied. The company should further investigate what % discount would have the greatest effect and yet bring in the highest net profit.</a:t>
+            </a:r>
+            <a:endParaRPr lang="en-US" sz="1800" dirty="0"/>
+          </a:p>
+          <a:p>
+            <a:endParaRPr lang="en-US" sz="1800" dirty="0"/>
           </a:p>
         </p:txBody>
       </p:sp>
     </p:spTree>
     <p:extLst>
       <p:ext uri="{BB962C8B-B14F-4D97-AF65-F5344CB8AC3E}">
-        <p14:creationId xmlns:p14="http://schemas.microsoft.com/office/powerpoint/2010/main" val="1282852459"/>
+        <p14:creationId xmlns:p14="http://schemas.microsoft.com/office/powerpoint/2010/main" val="3233147957"/>
       </p:ext>
     </p:extLst>
   </p:cSld>
@@ -4066,6 +8001,14 @@
 <file path=ppt/slides/slide6.xml><?xml version="1.0" encoding="utf-8"?>
 <p:sld xmlns:a="http://schemas.openxmlformats.org/drawingml/2006/main" xmlns:r="http://schemas.openxmlformats.org/officeDocument/2006/relationships" xmlns:p="http://schemas.openxmlformats.org/presentationml/2006/main">
   <p:cSld>
+    <p:bg>
+      <p:bgPr>
+        <a:solidFill>
+          <a:schemeClr val="bg1"/>
+        </a:solidFill>
+        <a:effectLst/>
+      </p:bgPr>
+    </p:bg>
     <p:spTree>
       <p:nvGrpSpPr>
         <p:cNvPr id="1" name=""/>
@@ -4082,10 +8025,74 @@
       </p:grpSpPr>
       <p:sp>
         <p:nvSpPr>
+          <p:cNvPr id="9" name="Rectangle 8">
+            <a:extLst>
+              <a:ext uri="{FF2B5EF4-FFF2-40B4-BE49-F238E27FC236}">
+                <a16:creationId xmlns:a16="http://schemas.microsoft.com/office/drawing/2014/main" id="{867D4867-5BA7-4462-B2F6-A23F4A622AA7}"/>
+              </a:ext>
+              <a:ext uri="{C183D7F6-B498-43B3-948B-1728B52AA6E4}">
+                <adec:decorative xmlns:adec="http://schemas.microsoft.com/office/drawing/2017/decorative" val="1"/>
+              </a:ext>
+            </a:extLst>
+          </p:cNvPr>
+          <p:cNvSpPr>
+            <a:spLocks noGrp="1" noRot="1" noChangeAspect="1" noMove="1" noResize="1" noEditPoints="1" noAdjustHandles="1" noChangeArrowheads="1" noChangeShapeType="1" noTextEdit="1"/>
+          </p:cNvSpPr>
+          <p:nvPr>
+            <p:extLst>
+              <p:ext uri="{386F3935-93C4-4BCD-93E2-E3B085C9AB24}">
+                <p16:designElem xmlns:p16="http://schemas.microsoft.com/office/powerpoint/2015/main" val="1"/>
+              </p:ext>
+            </p:extLst>
+          </p:nvPr>
+        </p:nvSpPr>
+        <p:spPr>
+          <a:xfrm>
+            <a:off x="0" y="0"/>
+            <a:ext cx="4654296" cy="6858000"/>
+          </a:xfrm>
+          <a:prstGeom prst="rect">
+            <a:avLst/>
+          </a:prstGeom>
+          <a:solidFill>
+            <a:schemeClr val="tx1">
+              <a:lumMod val="75000"/>
+              <a:lumOff val="25000"/>
+            </a:schemeClr>
+          </a:solidFill>
+          <a:ln>
+            <a:noFill/>
+          </a:ln>
+        </p:spPr>
+        <p:style>
+          <a:lnRef idx="0">
+            <a:scrgbClr r="0" g="0" b="0"/>
+          </a:lnRef>
+          <a:fillRef idx="0">
+            <a:scrgbClr r="0" g="0" b="0"/>
+          </a:fillRef>
+          <a:effectRef idx="0">
+            <a:scrgbClr r="0" g="0" b="0"/>
+          </a:effectRef>
+          <a:fontRef idx="minor">
+            <a:schemeClr val="lt1"/>
+          </a:fontRef>
+        </p:style>
+        <p:txBody>
+          <a:bodyPr rtlCol="0" anchor="ctr"/>
+          <a:lstStyle/>
+          <a:p>
+            <a:pPr algn="ctr"/>
+            <a:endParaRPr lang="en-US"/>
+          </a:p>
+        </p:txBody>
+      </p:sp>
+      <p:sp>
+        <p:nvSpPr>
           <p:cNvPr id="2" name="Title 1">
             <a:extLst>
               <a:ext uri="{FF2B5EF4-FFF2-40B4-BE49-F238E27FC236}">
-                <a16:creationId xmlns:a16="http://schemas.microsoft.com/office/drawing/2014/main" id="{21CEAF9A-7599-5C4F-9549-7DF09DAC1AD6}"/>
+                <a16:creationId xmlns:a16="http://schemas.microsoft.com/office/drawing/2014/main" id="{AFB1DB4A-97ED-F54F-988C-D169627AD82C}"/>
               </a:ext>
             </a:extLst>
           </p:cNvPr>
@@ -4096,16 +8103,38 @@
             <p:ph type="title"/>
           </p:nvPr>
         </p:nvSpPr>
-        <p:spPr/>
+        <p:spPr>
+          <a:xfrm>
+            <a:off x="643466" y="643467"/>
+            <a:ext cx="3877731" cy="1597315"/>
+          </a:xfrm>
+          <a:noFill/>
+          <a:ln w="19050">
+            <a:solidFill>
+              <a:schemeClr val="bg1"/>
+            </a:solidFill>
+          </a:ln>
+        </p:spPr>
         <p:txBody>
-          <a:bodyPr/>
+          <a:bodyPr wrap="square">
+            <a:normAutofit/>
+          </a:bodyPr>
           <a:lstStyle/>
           <a:p>
-            <a:r>
-              <a:rPr lang="en-GB" dirty="0"/>
-              <a:t>Question3</a:t>
-            </a:r>
-            <a:endParaRPr lang="en-US" dirty="0"/>
+            <a:pPr algn="ctr"/>
+            <a:r>
+              <a:rPr lang="en-GB" sz="2800">
+                <a:solidFill>
+                  <a:schemeClr val="bg1"/>
+                </a:solidFill>
+              </a:rPr>
+              <a:t>Question2</a:t>
+            </a:r>
+            <a:endParaRPr lang="en-US" sz="2800">
+              <a:solidFill>
+                <a:schemeClr val="bg1"/>
+              </a:solidFill>
+            </a:endParaRPr>
           </a:p>
         </p:txBody>
       </p:sp>
@@ -4114,7 +8143,7 @@
           <p:cNvPr id="3" name="Content Placeholder 2">
             <a:extLst>
               <a:ext uri="{FF2B5EF4-FFF2-40B4-BE49-F238E27FC236}">
-                <a16:creationId xmlns:a16="http://schemas.microsoft.com/office/drawing/2014/main" id="{B4B39A84-FC95-B84D-83D3-7C41F8A411DA}"/>
+                <a16:creationId xmlns:a16="http://schemas.microsoft.com/office/drawing/2014/main" id="{41108A00-ACCF-FC45-AFC5-155252E0D116}"/>
               </a:ext>
             </a:extLst>
           </p:cNvPr>
@@ -4127,8 +8156,8 @@
         </p:nvSpPr>
         <p:spPr>
           <a:xfrm>
-            <a:off x="838200" y="1558344"/>
-            <a:ext cx="10515600" cy="4618619"/>
+            <a:off x="643468" y="2638044"/>
+            <a:ext cx="3877732" cy="3415622"/>
           </a:xfrm>
         </p:spPr>
         <p:txBody>
@@ -4141,75 +8170,128 @@
               <a:buNone/>
             </a:pPr>
             <a:r>
-              <a:rPr lang="en-GB" sz="1300" dirty="0"/>
-              <a:t>Is the average sales value per transaction higher in UK than the rest of the world? </a:t>
-            </a:r>
-          </a:p>
-          <a:p>
-            <a:r>
-              <a:rPr lang="en-GB" sz="1300" dirty="0"/>
-              <a:t>H0: mu of UK sales value per transaction = mu of sales value per transaction other countries </a:t>
-            </a:r>
-          </a:p>
-          <a:p>
-            <a:r>
-              <a:rPr lang="en-GB" sz="1300" dirty="0"/>
-              <a:t>H1: mu of UK sales value per transaction != mu of sales value per transaction of other countries</a:t>
-            </a:r>
-          </a:p>
-          <a:p>
-            <a:r>
-              <a:rPr lang="en-GB" sz="1300" dirty="0"/>
-              <a:t>Result:</a:t>
+              <a:rPr lang="en-GB" sz="1600" dirty="0">
+                <a:solidFill>
+                  <a:schemeClr val="bg1"/>
+                </a:solidFill>
+              </a:rPr>
+              <a:t>Is there a significant different in the basket value (</a:t>
+            </a:r>
+            <a:r>
+              <a:rPr lang="en-GB" sz="1600" dirty="0" err="1">
+                <a:solidFill>
+                  <a:schemeClr val="bg1"/>
+                </a:solidFill>
+              </a:rPr>
+              <a:t>ie</a:t>
+            </a:r>
+            <a:r>
+              <a:rPr lang="en-GB" sz="1600" dirty="0">
+                <a:solidFill>
+                  <a:schemeClr val="bg1"/>
+                </a:solidFill>
+              </a:rPr>
+              <a:t> total sales revenue per order) when there is a discount?</a:t>
+            </a:r>
+          </a:p>
+          <a:p>
+            <a:r>
+              <a:rPr lang="en-GB" sz="1600" dirty="0">
+                <a:solidFill>
+                  <a:schemeClr val="bg1"/>
+                </a:solidFill>
+              </a:rPr>
+              <a:t> H0: total sales per order is not influenced by any discount. </a:t>
+            </a:r>
+            <a:r>
+              <a:rPr lang="en-GB" sz="1600" dirty="0" err="1">
+                <a:solidFill>
+                  <a:schemeClr val="bg1"/>
+                </a:solidFill>
+              </a:rPr>
+              <a:t>ie</a:t>
+            </a:r>
+            <a:r>
+              <a:rPr lang="en-GB" sz="1600" dirty="0">
+                <a:solidFill>
+                  <a:schemeClr val="bg1"/>
+                </a:solidFill>
+              </a:rPr>
+              <a:t>. mu (total sales per order in the absence of any discount) = mu(total sales per order with presence of any discount) </a:t>
+            </a:r>
+          </a:p>
+          <a:p>
+            <a:r>
+              <a:rPr lang="en-GB" sz="1600" dirty="0">
+                <a:solidFill>
+                  <a:schemeClr val="bg1"/>
+                </a:solidFill>
+              </a:rPr>
+              <a:t>H1: total sales per order is influenced by presence of any discount. </a:t>
+            </a:r>
+            <a:r>
+              <a:rPr lang="en-GB" sz="1600" dirty="0" err="1">
+                <a:solidFill>
+                  <a:schemeClr val="bg1"/>
+                </a:solidFill>
+              </a:rPr>
+              <a:t>ie</a:t>
+            </a:r>
+            <a:r>
+              <a:rPr lang="en-GB" sz="1600" dirty="0">
+                <a:solidFill>
+                  <a:schemeClr val="bg1"/>
+                </a:solidFill>
+              </a:rPr>
+              <a:t>. mu (total sales per order in the absence of any discount) != mu(total sales per order with presence of any discount)</a:t>
             </a:r>
           </a:p>
           <a:p>
             <a:pPr marL="0" indent="0">
               <a:buNone/>
             </a:pPr>
-            <a:r>
-              <a:rPr lang="en-GB" sz="1300" dirty="0"/>
-              <a:t>1) p-value = 0.0576</a:t>
-            </a:r>
-          </a:p>
-          <a:p>
-            <a:pPr marL="0" indent="0">
-              <a:buNone/>
-            </a:pPr>
-            <a:r>
-              <a:rPr lang="en-GB" sz="1300" dirty="0" err="1"/>
-              <a:t>Pvalue</a:t>
-            </a:r>
-            <a:r>
-              <a:rPr lang="en-GB" sz="1300" dirty="0"/>
-              <a:t> is greater than alpha 0.05. Hence we accept the null hypothesis that there is no statistical significant evidence that UK average sales value per order is different from the rest of the world. </a:t>
-            </a:r>
-          </a:p>
-          <a:p>
-            <a:pPr marL="0" indent="0">
-              <a:buNone/>
-            </a:pPr>
-            <a:r>
-              <a:rPr lang="en-GB" sz="1300" dirty="0"/>
-              <a:t>2) Business Implication: </a:t>
-            </a:r>
-          </a:p>
-          <a:p>
-            <a:pPr marL="0" indent="0">
-              <a:buNone/>
-            </a:pPr>
-            <a:r>
-              <a:rPr lang="en-GB" sz="1300" dirty="0"/>
-              <a:t>From a business prospective, the company probably shouldn't spend above normal budget in UK marketing, as the purchasing power from UK seems to be average or inline with the rest of the world.</a:t>
-            </a:r>
-            <a:endParaRPr lang="en-US" sz="1300" dirty="0"/>
+            <a:endParaRPr lang="en-GB" sz="1600" dirty="0">
+              <a:solidFill>
+                <a:schemeClr val="bg1"/>
+              </a:solidFill>
+            </a:endParaRPr>
           </a:p>
         </p:txBody>
       </p:sp>
+      <p:pic>
+        <p:nvPicPr>
+          <p:cNvPr id="4" name="Picture 3">
+            <a:extLst>
+              <a:ext uri="{FF2B5EF4-FFF2-40B4-BE49-F238E27FC236}">
+                <a16:creationId xmlns:a16="http://schemas.microsoft.com/office/drawing/2014/main" id="{5CA18CEF-0EBE-E84D-B989-38D75C03D7A8}"/>
+              </a:ext>
+            </a:extLst>
+          </p:cNvPr>
+          <p:cNvPicPr>
+            <a:picLocks noChangeAspect="1"/>
+          </p:cNvPicPr>
+          <p:nvPr/>
+        </p:nvPicPr>
+        <p:blipFill>
+          <a:blip r:embed="rId2"/>
+          <a:stretch>
+            <a:fillRect/>
+          </a:stretch>
+        </p:blipFill>
+        <p:spPr>
+          <a:xfrm>
+            <a:off x="4772153" y="2381806"/>
+            <a:ext cx="6776379" cy="3472893"/>
+          </a:xfrm>
+          <a:prstGeom prst="rect">
+            <a:avLst/>
+          </a:prstGeom>
+        </p:spPr>
+      </p:pic>
     </p:spTree>
     <p:extLst>
       <p:ext uri="{BB962C8B-B14F-4D97-AF65-F5344CB8AC3E}">
-        <p14:creationId xmlns:p14="http://schemas.microsoft.com/office/powerpoint/2010/main" val="1891934435"/>
+        <p14:creationId xmlns:p14="http://schemas.microsoft.com/office/powerpoint/2010/main" val="1282852459"/>
       </p:ext>
     </p:extLst>
   </p:cSld>
@@ -4241,7 +8323,7 @@
           <p:cNvPr id="2" name="Title 1">
             <a:extLst>
               <a:ext uri="{FF2B5EF4-FFF2-40B4-BE49-F238E27FC236}">
-                <a16:creationId xmlns:a16="http://schemas.microsoft.com/office/drawing/2014/main" id="{21CEAF9A-7599-5C4F-9549-7DF09DAC1AD6}"/>
+                <a16:creationId xmlns:a16="http://schemas.microsoft.com/office/drawing/2014/main" id="{854A8280-832D-B64B-A6FF-A578959A0C1C}"/>
               </a:ext>
             </a:extLst>
           </p:cNvPr>
@@ -4258,10 +8340,9 @@
           <a:lstStyle/>
           <a:p>
             <a:r>
-              <a:rPr lang="en-GB" dirty="0"/>
-              <a:t>Question4</a:t>
-            </a:r>
-            <a:endParaRPr lang="en-US" dirty="0"/>
+              <a:rPr lang="en-US" dirty="0"/>
+              <a:t>Question2: Results</a:t>
+            </a:r>
           </a:p>
         </p:txBody>
       </p:sp>
@@ -4270,7 +8351,7 @@
           <p:cNvPr id="3" name="Content Placeholder 2">
             <a:extLst>
               <a:ext uri="{FF2B5EF4-FFF2-40B4-BE49-F238E27FC236}">
-                <a16:creationId xmlns:a16="http://schemas.microsoft.com/office/drawing/2014/main" id="{B4B39A84-FC95-B84D-83D3-7C41F8A411DA}"/>
+                <a16:creationId xmlns:a16="http://schemas.microsoft.com/office/drawing/2014/main" id="{A0B26177-3275-FC4E-A3D2-DC6B8E35A2DC}"/>
               </a:ext>
             </a:extLst>
           </p:cNvPr>
@@ -4281,10 +8362,256 @@
             <p:ph idx="1"/>
           </p:nvPr>
         </p:nvSpPr>
+        <p:spPr/>
+        <p:txBody>
+          <a:bodyPr>
+            <a:normAutofit/>
+          </a:bodyPr>
+          <a:lstStyle/>
+          <a:p>
+            <a:pPr marL="0" indent="0">
+              <a:buNone/>
+            </a:pPr>
+            <a:r>
+              <a:rPr lang="en-GB" sz="1800" b="1" dirty="0"/>
+              <a:t>1) P-value=0.01</a:t>
+            </a:r>
+          </a:p>
+          <a:p>
+            <a:pPr marL="0" indent="0">
+              <a:buNone/>
+            </a:pPr>
+            <a:r>
+              <a:rPr lang="en-GB" sz="1800" dirty="0" err="1"/>
+              <a:t>pvalue</a:t>
+            </a:r>
+            <a:r>
+              <a:rPr lang="en-GB" sz="1800" dirty="0"/>
+              <a:t> suggests that there is a statistical significance in the total purchase value when there is a presence of discount. (</a:t>
+            </a:r>
+            <a:r>
+              <a:rPr lang="en-GB" sz="1800" dirty="0" err="1"/>
+              <a:t>ie</a:t>
+            </a:r>
+            <a:r>
+              <a:rPr lang="en-GB" sz="1800" dirty="0"/>
+              <a:t> people are buying more per transaction.)</a:t>
+            </a:r>
+          </a:p>
+          <a:p>
+            <a:pPr marL="0" indent="0">
+              <a:buNone/>
+            </a:pPr>
+            <a:r>
+              <a:rPr lang="en-GB" sz="1800" b="1" dirty="0"/>
+              <a:t>2) Cohen D=0.18</a:t>
+            </a:r>
+          </a:p>
+          <a:p>
+            <a:pPr marL="0" indent="0">
+              <a:buNone/>
+            </a:pPr>
+            <a:r>
+              <a:rPr lang="en-GB" sz="1800" dirty="0"/>
+              <a:t>Cohen D test number suggests that the difference in the total transaction value is small, despite that there is a statistic significance when there is a presence of discount.</a:t>
+            </a:r>
+          </a:p>
+          <a:p>
+            <a:pPr marL="0" indent="0">
+              <a:buNone/>
+            </a:pPr>
+            <a:r>
+              <a:rPr lang="en-GB" sz="1800" b="1" dirty="0"/>
+              <a:t>3) Business Implication</a:t>
+            </a:r>
+          </a:p>
+          <a:p>
+            <a:pPr marL="0" indent="0">
+              <a:buNone/>
+            </a:pPr>
+            <a:r>
+              <a:rPr lang="en-GB" sz="1800" dirty="0"/>
+              <a:t>The total sales revenue per order does seem to increase when there is presence of discount, but not significant. This suggests that if the company’s KPI is to increase top line revenue, then they should always be running some sort of discount. However, if the KPI is to increase net profitability, further investigation is needed.</a:t>
+            </a:r>
+          </a:p>
+          <a:p>
+            <a:endParaRPr lang="en-US" sz="1800" dirty="0"/>
+          </a:p>
+        </p:txBody>
+      </p:sp>
+    </p:spTree>
+    <p:extLst>
+      <p:ext uri="{BB962C8B-B14F-4D97-AF65-F5344CB8AC3E}">
+        <p14:creationId xmlns:p14="http://schemas.microsoft.com/office/powerpoint/2010/main" val="2968089495"/>
+      </p:ext>
+    </p:extLst>
+  </p:cSld>
+  <p:clrMapOvr>
+    <a:masterClrMapping/>
+  </p:clrMapOvr>
+</p:sld>
+</file>
+
+<file path=ppt/slides/slide8.xml><?xml version="1.0" encoding="utf-8"?>
+<p:sld xmlns:a="http://schemas.openxmlformats.org/drawingml/2006/main" xmlns:r="http://schemas.openxmlformats.org/officeDocument/2006/relationships" xmlns:p="http://schemas.openxmlformats.org/presentationml/2006/main">
+  <p:cSld>
+    <p:bg>
+      <p:bgPr>
+        <a:solidFill>
+          <a:schemeClr val="bg1"/>
+        </a:solidFill>
+        <a:effectLst/>
+      </p:bgPr>
+    </p:bg>
+    <p:spTree>
+      <p:nvGrpSpPr>
+        <p:cNvPr id="1" name=""/>
+        <p:cNvGrpSpPr/>
+        <p:nvPr/>
+      </p:nvGrpSpPr>
+      <p:grpSpPr>
+        <a:xfrm>
+          <a:off x="0" y="0"/>
+          <a:ext cx="0" cy="0"/>
+          <a:chOff x="0" y="0"/>
+          <a:chExt cx="0" cy="0"/>
+        </a:xfrm>
+      </p:grpSpPr>
+      <p:sp>
+        <p:nvSpPr>
+          <p:cNvPr id="9" name="Rectangle 8">
+            <a:extLst>
+              <a:ext uri="{FF2B5EF4-FFF2-40B4-BE49-F238E27FC236}">
+                <a16:creationId xmlns:a16="http://schemas.microsoft.com/office/drawing/2014/main" id="{867D4867-5BA7-4462-B2F6-A23F4A622AA7}"/>
+              </a:ext>
+              <a:ext uri="{C183D7F6-B498-43B3-948B-1728B52AA6E4}">
+                <adec:decorative xmlns:adec="http://schemas.microsoft.com/office/drawing/2017/decorative" val="1"/>
+              </a:ext>
+            </a:extLst>
+          </p:cNvPr>
+          <p:cNvSpPr>
+            <a:spLocks noGrp="1" noRot="1" noChangeAspect="1" noMove="1" noResize="1" noEditPoints="1" noAdjustHandles="1" noChangeArrowheads="1" noChangeShapeType="1" noTextEdit="1"/>
+          </p:cNvSpPr>
+          <p:nvPr>
+            <p:extLst>
+              <p:ext uri="{386F3935-93C4-4BCD-93E2-E3B085C9AB24}">
+                <p16:designElem xmlns:p16="http://schemas.microsoft.com/office/powerpoint/2015/main" val="1"/>
+              </p:ext>
+            </p:extLst>
+          </p:nvPr>
+        </p:nvSpPr>
         <p:spPr>
           <a:xfrm>
-            <a:off x="838200" y="1558344"/>
-            <a:ext cx="10515600" cy="4618619"/>
+            <a:off x="0" y="0"/>
+            <a:ext cx="4654296" cy="6858000"/>
+          </a:xfrm>
+          <a:prstGeom prst="rect">
+            <a:avLst/>
+          </a:prstGeom>
+          <a:solidFill>
+            <a:schemeClr val="tx1">
+              <a:lumMod val="75000"/>
+              <a:lumOff val="25000"/>
+            </a:schemeClr>
+          </a:solidFill>
+          <a:ln>
+            <a:noFill/>
+          </a:ln>
+        </p:spPr>
+        <p:style>
+          <a:lnRef idx="0">
+            <a:scrgbClr r="0" g="0" b="0"/>
+          </a:lnRef>
+          <a:fillRef idx="0">
+            <a:scrgbClr r="0" g="0" b="0"/>
+          </a:fillRef>
+          <a:effectRef idx="0">
+            <a:scrgbClr r="0" g="0" b="0"/>
+          </a:effectRef>
+          <a:fontRef idx="minor">
+            <a:schemeClr val="lt1"/>
+          </a:fontRef>
+        </p:style>
+        <p:txBody>
+          <a:bodyPr rtlCol="0" anchor="ctr"/>
+          <a:lstStyle/>
+          <a:p>
+            <a:pPr algn="ctr"/>
+            <a:endParaRPr lang="en-US"/>
+          </a:p>
+        </p:txBody>
+      </p:sp>
+      <p:sp>
+        <p:nvSpPr>
+          <p:cNvPr id="2" name="Title 1">
+            <a:extLst>
+              <a:ext uri="{FF2B5EF4-FFF2-40B4-BE49-F238E27FC236}">
+                <a16:creationId xmlns:a16="http://schemas.microsoft.com/office/drawing/2014/main" id="{21CEAF9A-7599-5C4F-9549-7DF09DAC1AD6}"/>
+              </a:ext>
+            </a:extLst>
+          </p:cNvPr>
+          <p:cNvSpPr>
+            <a:spLocks noGrp="1"/>
+          </p:cNvSpPr>
+          <p:nvPr>
+            <p:ph type="title"/>
+          </p:nvPr>
+        </p:nvSpPr>
+        <p:spPr>
+          <a:xfrm>
+            <a:off x="643466" y="643467"/>
+            <a:ext cx="3750731" cy="1597315"/>
+          </a:xfrm>
+          <a:noFill/>
+          <a:ln w="19050">
+            <a:solidFill>
+              <a:schemeClr val="bg1"/>
+            </a:solidFill>
+          </a:ln>
+        </p:spPr>
+        <p:txBody>
+          <a:bodyPr wrap="square">
+            <a:normAutofit/>
+          </a:bodyPr>
+          <a:lstStyle/>
+          <a:p>
+            <a:pPr algn="ctr"/>
+            <a:r>
+              <a:rPr lang="en-GB" sz="2800">
+                <a:solidFill>
+                  <a:schemeClr val="bg1"/>
+                </a:solidFill>
+              </a:rPr>
+              <a:t>Question3</a:t>
+            </a:r>
+            <a:endParaRPr lang="en-US" sz="2800">
+              <a:solidFill>
+                <a:schemeClr val="bg1"/>
+              </a:solidFill>
+            </a:endParaRPr>
+          </a:p>
+        </p:txBody>
+      </p:sp>
+      <p:sp>
+        <p:nvSpPr>
+          <p:cNvPr id="3" name="Content Placeholder 2">
+            <a:extLst>
+              <a:ext uri="{FF2B5EF4-FFF2-40B4-BE49-F238E27FC236}">
+                <a16:creationId xmlns:a16="http://schemas.microsoft.com/office/drawing/2014/main" id="{B4B39A84-FC95-B84D-83D3-7C41F8A411DA}"/>
+              </a:ext>
+            </a:extLst>
+          </p:cNvPr>
+          <p:cNvSpPr>
+            <a:spLocks noGrp="1"/>
+          </p:cNvSpPr>
+          <p:nvPr>
+            <p:ph idx="1"/>
+          </p:nvPr>
+        </p:nvSpPr>
+        <p:spPr>
+          <a:xfrm>
+            <a:off x="643468" y="2638044"/>
+            <a:ext cx="3750732" cy="3415622"/>
           </a:xfrm>
         </p:spPr>
         <p:txBody>
@@ -4297,35 +8624,153 @@
               <a:buNone/>
             </a:pPr>
             <a:r>
-              <a:rPr lang="en-GB" sz="1300" dirty="0"/>
-              <a:t>Is there a difference in sales value per order when it is executed by a younger employee vs an older employee? </a:t>
-            </a:r>
-          </a:p>
-          <a:p>
-            <a:r>
-              <a:rPr lang="en-GB" sz="1300" dirty="0"/>
-              <a:t>H0: mu of sales value per order executed by a younger employee (under 30) = mu of sales value per order executed by an older employee (above 30)</a:t>
-            </a:r>
-          </a:p>
-          <a:p>
-            <a:r>
-              <a:rPr lang="en-GB" sz="1300" dirty="0"/>
-              <a:t>H1: mu of sales value per order executed by a younger employee != mu of sales value per order executed by an older employee </a:t>
-            </a:r>
-          </a:p>
-          <a:p>
-            <a:r>
-              <a:rPr lang="en-GB" sz="1300" dirty="0"/>
-              <a:t>Result:</a:t>
-            </a:r>
-          </a:p>
+              <a:rPr lang="en-GB" sz="1600" dirty="0">
+                <a:solidFill>
+                  <a:schemeClr val="bg1"/>
+                </a:solidFill>
+              </a:rPr>
+              <a:t>Is the average sales value per transaction higher in UK than the rest of the world? </a:t>
+            </a:r>
+          </a:p>
+          <a:p>
+            <a:r>
+              <a:rPr lang="en-GB" sz="1600" dirty="0">
+                <a:solidFill>
+                  <a:schemeClr val="bg1"/>
+                </a:solidFill>
+              </a:rPr>
+              <a:t>H0: mu of UK sales value per transaction = mu of sales value per transaction other countries </a:t>
+            </a:r>
+          </a:p>
+          <a:p>
+            <a:r>
+              <a:rPr lang="en-GB" sz="1600" dirty="0">
+                <a:solidFill>
+                  <a:schemeClr val="bg1"/>
+                </a:solidFill>
+              </a:rPr>
+              <a:t>H1: mu of UK sales value per transaction != mu of sales value per transaction of other countries</a:t>
+            </a:r>
+          </a:p>
+        </p:txBody>
+      </p:sp>
+      <p:pic>
+        <p:nvPicPr>
+          <p:cNvPr id="4" name="Picture 3">
+            <a:extLst>
+              <a:ext uri="{FF2B5EF4-FFF2-40B4-BE49-F238E27FC236}">
+                <a16:creationId xmlns:a16="http://schemas.microsoft.com/office/drawing/2014/main" id="{11194010-23D1-6B41-9F10-C51EC780C625}"/>
+              </a:ext>
+            </a:extLst>
+          </p:cNvPr>
+          <p:cNvPicPr>
+            <a:picLocks noChangeAspect="1"/>
+          </p:cNvPicPr>
+          <p:nvPr/>
+        </p:nvPicPr>
+        <p:blipFill>
+          <a:blip r:embed="rId2"/>
+          <a:stretch>
+            <a:fillRect/>
+          </a:stretch>
+        </p:blipFill>
+        <p:spPr>
+          <a:xfrm>
+            <a:off x="4724773" y="1778061"/>
+            <a:ext cx="6823760" cy="3428939"/>
+          </a:xfrm>
+          <a:prstGeom prst="rect">
+            <a:avLst/>
+          </a:prstGeom>
+        </p:spPr>
+      </p:pic>
+    </p:spTree>
+    <p:extLst>
+      <p:ext uri="{BB962C8B-B14F-4D97-AF65-F5344CB8AC3E}">
+        <p14:creationId xmlns:p14="http://schemas.microsoft.com/office/powerpoint/2010/main" val="1891934435"/>
+      </p:ext>
+    </p:extLst>
+  </p:cSld>
+  <p:clrMapOvr>
+    <a:masterClrMapping/>
+  </p:clrMapOvr>
+</p:sld>
+</file>
+
+<file path=ppt/slides/slide9.xml><?xml version="1.0" encoding="utf-8"?>
+<p:sld xmlns:a="http://schemas.openxmlformats.org/drawingml/2006/main" xmlns:r="http://schemas.openxmlformats.org/officeDocument/2006/relationships" xmlns:p="http://schemas.openxmlformats.org/presentationml/2006/main">
+  <p:cSld>
+    <p:spTree>
+      <p:nvGrpSpPr>
+        <p:cNvPr id="1" name=""/>
+        <p:cNvGrpSpPr/>
+        <p:nvPr/>
+      </p:nvGrpSpPr>
+      <p:grpSpPr>
+        <a:xfrm>
+          <a:off x="0" y="0"/>
+          <a:ext cx="0" cy="0"/>
+          <a:chOff x="0" y="0"/>
+          <a:chExt cx="0" cy="0"/>
+        </a:xfrm>
+      </p:grpSpPr>
+      <p:sp>
+        <p:nvSpPr>
+          <p:cNvPr id="2" name="Title 1">
+            <a:extLst>
+              <a:ext uri="{FF2B5EF4-FFF2-40B4-BE49-F238E27FC236}">
+                <a16:creationId xmlns:a16="http://schemas.microsoft.com/office/drawing/2014/main" id="{7869969B-B503-3244-94CA-1F346E1639D6}"/>
+              </a:ext>
+            </a:extLst>
+          </p:cNvPr>
+          <p:cNvSpPr>
+            <a:spLocks noGrp="1"/>
+          </p:cNvSpPr>
+          <p:nvPr>
+            <p:ph type="title"/>
+          </p:nvPr>
+        </p:nvSpPr>
+        <p:spPr/>
+        <p:txBody>
+          <a:bodyPr/>
+          <a:lstStyle/>
+          <a:p>
+            <a:r>
+              <a:rPr lang="en-US" dirty="0"/>
+              <a:t>Question3: Results</a:t>
+            </a:r>
+          </a:p>
+        </p:txBody>
+      </p:sp>
+      <p:sp>
+        <p:nvSpPr>
+          <p:cNvPr id="3" name="Content Placeholder 2">
+            <a:extLst>
+              <a:ext uri="{FF2B5EF4-FFF2-40B4-BE49-F238E27FC236}">
+                <a16:creationId xmlns:a16="http://schemas.microsoft.com/office/drawing/2014/main" id="{96D39218-5681-8E41-9608-E1CBDA9986D9}"/>
+              </a:ext>
+            </a:extLst>
+          </p:cNvPr>
+          <p:cNvSpPr>
+            <a:spLocks noGrp="1"/>
+          </p:cNvSpPr>
+          <p:nvPr>
+            <p:ph idx="1"/>
+          </p:nvPr>
+        </p:nvSpPr>
+        <p:spPr/>
+        <p:txBody>
+          <a:bodyPr>
+            <a:normAutofit/>
+          </a:bodyPr>
+          <a:lstStyle/>
           <a:p>
             <a:pPr marL="0" indent="0">
               <a:buNone/>
             </a:pPr>
             <a:r>
-              <a:rPr lang="en-GB" sz="1300" dirty="0"/>
-              <a:t>1) p-value = 0.97</a:t>
+              <a:rPr lang="en-GB" sz="1800" b="1" dirty="0"/>
+              <a:t>1) p-value = 0.0576</a:t>
             </a:r>
           </a:p>
           <a:p>
@@ -4333,12 +8778,12 @@
               <a:buNone/>
             </a:pPr>
             <a:r>
-              <a:rPr lang="en-GB" sz="1300" dirty="0" err="1"/>
+              <a:rPr lang="en-GB" sz="1800" dirty="0" err="1"/>
               <a:t>Pvalue</a:t>
             </a:r>
             <a:r>
-              <a:rPr lang="en-GB" sz="1300" dirty="0"/>
-              <a:t> is greater than alpha 0.05, hence we accept our null hypothesis there is no difference in sales value per order when it is executed by a younger employee vs an older employee.. </a:t>
+              <a:rPr lang="en-GB" sz="1800" dirty="0"/>
+              <a:t> is greater than alpha 0.05. Hence we accept the null hypothesis that there is no statistical significant evidence that UK average sales value per order is different from the rest of the world. </a:t>
             </a:r>
           </a:p>
           <a:p>
@@ -4346,8 +8791,8 @@
               <a:buNone/>
             </a:pPr>
             <a:r>
-              <a:rPr lang="en-GB" sz="1300" dirty="0"/>
-              <a:t>2) Business Implication: </a:t>
+              <a:rPr lang="en-GB" sz="1800" b="1" dirty="0"/>
+              <a:t>2) Business Implication</a:t>
             </a:r>
           </a:p>
           <a:p>
@@ -4355,17 +8800,20 @@
               <a:buNone/>
             </a:pPr>
             <a:r>
-              <a:rPr lang="en-GB" sz="1300" dirty="0"/>
-              <a:t>From business' prospective, if it is cheaper to hire younger employee, then they should do so.</a:t>
-            </a:r>
-            <a:endParaRPr lang="en-US" sz="1300" dirty="0"/>
+              <a:rPr lang="en-GB" sz="1800" dirty="0"/>
+              <a:t>From a business prospective, the company probably shouldn't spend above normal budget in UK marketing, as the purchasing power from UK seems to be average or inline with the rest of the world.</a:t>
+            </a:r>
+            <a:endParaRPr lang="en-US" sz="1800" dirty="0"/>
+          </a:p>
+          <a:p>
+            <a:endParaRPr lang="en-US" sz="1800" dirty="0"/>
           </a:p>
         </p:txBody>
       </p:sp>
     </p:spTree>
     <p:extLst>
       <p:ext uri="{BB962C8B-B14F-4D97-AF65-F5344CB8AC3E}">
-        <p14:creationId xmlns:p14="http://schemas.microsoft.com/office/powerpoint/2010/main" val="4200563979"/>
+        <p14:creationId xmlns:p14="http://schemas.microsoft.com/office/powerpoint/2010/main" val="2437581144"/>
       </p:ext>
     </p:extLst>
   </p:cSld>
